--- a/Machine Learning/ML Roadmap - Gabriel/ML Roadmap - Gabriel.pptx
+++ b/Machine Learning/ML Roadmap - Gabriel/ML Roadmap - Gabriel.pptx
@@ -2,20 +2,23 @@
 <file path=ppt/presentation.xml><?xml version="1.0" encoding="utf-8"?>
 <p:presentation xmlns:a="http://schemas.openxmlformats.org/drawingml/2006/main" xmlns:r="http://schemas.openxmlformats.org/officeDocument/2006/relationships" xmlns:p="http://schemas.openxmlformats.org/presentationml/2006/main" saveSubsetFonts="1">
   <p:sldMasterIdLst>
-    <p:sldMasterId id="2147483648" r:id="rId1"/>
+    <p:sldMasterId id="2147483804" r:id="rId1"/>
   </p:sldMasterIdLst>
   <p:sldIdLst>
     <p:sldId id="256" r:id="rId2"/>
     <p:sldId id="257" r:id="rId3"/>
     <p:sldId id="258" r:id="rId4"/>
+    <p:sldId id="259" r:id="rId5"/>
+    <p:sldId id="260" r:id="rId6"/>
+    <p:sldId id="261" r:id="rId7"/>
   </p:sldIdLst>
   <p:sldSz cx="12192000" cy="6858000"/>
   <p:notesSz cx="6858000" cy="9144000"/>
   <p:defaultTextStyle>
     <a:defPPr>
-      <a:defRPr lang="pt-BR"/>
+      <a:defRPr lang="en-US"/>
     </a:defPPr>
-    <a:lvl1pPr marL="0" algn="l" defTabSz="914400" rtl="0" eaLnBrk="1" latinLnBrk="0" hangingPunct="1">
+    <a:lvl1pPr marL="0" algn="l" defTabSz="457200" rtl="0" eaLnBrk="1" latinLnBrk="0" hangingPunct="1">
       <a:defRPr sz="1800" kern="1200">
         <a:solidFill>
           <a:schemeClr val="tx1"/>
@@ -25,7 +28,7 @@
         <a:cs typeface="+mn-cs"/>
       </a:defRPr>
     </a:lvl1pPr>
-    <a:lvl2pPr marL="457200" algn="l" defTabSz="914400" rtl="0" eaLnBrk="1" latinLnBrk="0" hangingPunct="1">
+    <a:lvl2pPr marL="457200" algn="l" defTabSz="457200" rtl="0" eaLnBrk="1" latinLnBrk="0" hangingPunct="1">
       <a:defRPr sz="1800" kern="1200">
         <a:solidFill>
           <a:schemeClr val="tx1"/>
@@ -35,7 +38,7 @@
         <a:cs typeface="+mn-cs"/>
       </a:defRPr>
     </a:lvl2pPr>
-    <a:lvl3pPr marL="914400" algn="l" defTabSz="914400" rtl="0" eaLnBrk="1" latinLnBrk="0" hangingPunct="1">
+    <a:lvl3pPr marL="914400" algn="l" defTabSz="457200" rtl="0" eaLnBrk="1" latinLnBrk="0" hangingPunct="1">
       <a:defRPr sz="1800" kern="1200">
         <a:solidFill>
           <a:schemeClr val="tx1"/>
@@ -45,7 +48,7 @@
         <a:cs typeface="+mn-cs"/>
       </a:defRPr>
     </a:lvl3pPr>
-    <a:lvl4pPr marL="1371600" algn="l" defTabSz="914400" rtl="0" eaLnBrk="1" latinLnBrk="0" hangingPunct="1">
+    <a:lvl4pPr marL="1371600" algn="l" defTabSz="457200" rtl="0" eaLnBrk="1" latinLnBrk="0" hangingPunct="1">
       <a:defRPr sz="1800" kern="1200">
         <a:solidFill>
           <a:schemeClr val="tx1"/>
@@ -55,7 +58,7 @@
         <a:cs typeface="+mn-cs"/>
       </a:defRPr>
     </a:lvl4pPr>
-    <a:lvl5pPr marL="1828800" algn="l" defTabSz="914400" rtl="0" eaLnBrk="1" latinLnBrk="0" hangingPunct="1">
+    <a:lvl5pPr marL="1828800" algn="l" defTabSz="457200" rtl="0" eaLnBrk="1" latinLnBrk="0" hangingPunct="1">
       <a:defRPr sz="1800" kern="1200">
         <a:solidFill>
           <a:schemeClr val="tx1"/>
@@ -65,7 +68,7 @@
         <a:cs typeface="+mn-cs"/>
       </a:defRPr>
     </a:lvl5pPr>
-    <a:lvl6pPr marL="2286000" algn="l" defTabSz="914400" rtl="0" eaLnBrk="1" latinLnBrk="0" hangingPunct="1">
+    <a:lvl6pPr marL="2286000" algn="l" defTabSz="457200" rtl="0" eaLnBrk="1" latinLnBrk="0" hangingPunct="1">
       <a:defRPr sz="1800" kern="1200">
         <a:solidFill>
           <a:schemeClr val="tx1"/>
@@ -75,7 +78,7 @@
         <a:cs typeface="+mn-cs"/>
       </a:defRPr>
     </a:lvl6pPr>
-    <a:lvl7pPr marL="2743200" algn="l" defTabSz="914400" rtl="0" eaLnBrk="1" latinLnBrk="0" hangingPunct="1">
+    <a:lvl7pPr marL="2743200" algn="l" defTabSz="457200" rtl="0" eaLnBrk="1" latinLnBrk="0" hangingPunct="1">
       <a:defRPr sz="1800" kern="1200">
         <a:solidFill>
           <a:schemeClr val="tx1"/>
@@ -85,7 +88,7 @@
         <a:cs typeface="+mn-cs"/>
       </a:defRPr>
     </a:lvl7pPr>
-    <a:lvl8pPr marL="3200400" algn="l" defTabSz="914400" rtl="0" eaLnBrk="1" latinLnBrk="0" hangingPunct="1">
+    <a:lvl8pPr marL="3200400" algn="l" defTabSz="457200" rtl="0" eaLnBrk="1" latinLnBrk="0" hangingPunct="1">
       <a:defRPr sz="1800" kern="1200">
         <a:solidFill>
           <a:schemeClr val="tx1"/>
@@ -95,7 +98,7 @@
         <a:cs typeface="+mn-cs"/>
       </a:defRPr>
     </a:lvl8pPr>
-    <a:lvl9pPr marL="3657600" algn="l" defTabSz="914400" rtl="0" eaLnBrk="1" latinLnBrk="0" hangingPunct="1">
+    <a:lvl9pPr marL="3657600" algn="l" defTabSz="457200" rtl="0" eaLnBrk="1" latinLnBrk="0" hangingPunct="1">
       <a:defRPr sz="1800" kern="1200">
         <a:solidFill>
           <a:schemeClr val="tx1"/>
@@ -106,6 +109,11 @@
       </a:defRPr>
     </a:lvl9pPr>
   </p:defaultTextStyle>
+  <p:extLst>
+    <p:ext uri="{EFAFB233-063F-42B5-8137-9DF3F51BA10A}">
+      <p15:sldGuideLst xmlns:p15="http://schemas.microsoft.com/office/powerpoint/2012/main"/>
+    </p:ext>
+  </p:extLst>
 </p:presentation>
 </file>
 
@@ -128,13 +136,7 @@
       </p:grpSpPr>
       <p:sp>
         <p:nvSpPr>
-          <p:cNvPr id="2" name="Título 1">
-            <a:extLst>
-              <a:ext uri="{FF2B5EF4-FFF2-40B4-BE49-F238E27FC236}">
-                <a16:creationId xmlns:a16="http://schemas.microsoft.com/office/drawing/2014/main" id="{815FA187-7138-432A-83C8-845E9334C728}"/>
-              </a:ext>
-            </a:extLst>
-          </p:cNvPr>
+          <p:cNvPr id="2" name="Title 1"/>
           <p:cNvSpPr>
             <a:spLocks noGrp="1"/>
           </p:cNvSpPr>
@@ -144,15 +146,32 @@
         </p:nvSpPr>
         <p:spPr>
           <a:xfrm>
-            <a:off x="1524000" y="1122363"/>
-            <a:ext cx="9144000" cy="2387600"/>
+            <a:off x="1751012" y="609601"/>
+            <a:ext cx="8676222" cy="3200400"/>
           </a:xfrm>
         </p:spPr>
         <p:txBody>
-          <a:bodyPr anchor="b"/>
+          <a:bodyPr anchor="b">
+            <a:normAutofit/>
+          </a:bodyPr>
           <a:lstStyle>
             <a:lvl1pPr algn="ctr">
-              <a:defRPr sz="6000"/>
+              <a:defRPr sz="4800">
+                <a:effectLst>
+                  <a:glow rad="38100">
+                    <a:schemeClr val="bg1">
+                      <a:lumMod val="65000"/>
+                      <a:lumOff val="35000"/>
+                      <a:alpha val="50000"/>
+                    </a:schemeClr>
+                  </a:glow>
+                  <a:outerShdw blurRad="28575" dist="31750" dir="13200000" algn="tl" rotWithShape="0">
+                    <a:srgbClr val="000000">
+                      <a:alpha val="25000"/>
+                    </a:srgbClr>
+                  </a:outerShdw>
+                </a:effectLst>
+              </a:defRPr>
             </a:lvl1pPr>
           </a:lstStyle>
           <a:p>
@@ -160,18 +179,13 @@
               <a:rPr lang="pt-BR"/>
               <a:t>Clique para editar o título Mestre</a:t>
             </a:r>
-          </a:p>
-        </p:txBody>
-      </p:sp>
-      <p:sp>
-        <p:nvSpPr>
-          <p:cNvPr id="3" name="Subtítulo 2">
-            <a:extLst>
-              <a:ext uri="{FF2B5EF4-FFF2-40B4-BE49-F238E27FC236}">
-                <a16:creationId xmlns:a16="http://schemas.microsoft.com/office/drawing/2014/main" id="{DF4A7BCB-0545-47B2-B021-3E73FCEBDA38}"/>
-              </a:ext>
-            </a:extLst>
-          </p:cNvPr>
+            <a:endParaRPr lang="en-US" dirty="0"/>
+          </a:p>
+        </p:txBody>
+      </p:sp>
+      <p:sp>
+        <p:nvSpPr>
+          <p:cNvPr id="3" name="Subtitle 2"/>
           <p:cNvSpPr>
             <a:spLocks noGrp="1"/>
           </p:cNvSpPr>
@@ -181,48 +195,113 @@
         </p:nvSpPr>
         <p:spPr>
           <a:xfrm>
-            <a:off x="1524000" y="3602038"/>
-            <a:ext cx="9144000" cy="1655762"/>
+            <a:off x="1751012" y="3886200"/>
+            <a:ext cx="8676222" cy="1905000"/>
           </a:xfrm>
         </p:spPr>
         <p:txBody>
-          <a:bodyPr/>
+          <a:bodyPr anchor="t">
+            <a:normAutofit/>
+          </a:bodyPr>
           <a:lstStyle>
             <a:lvl1pPr marL="0" indent="0" algn="ctr">
               <a:buNone/>
-              <a:defRPr sz="2400"/>
+              <a:defRPr sz="2100">
+                <a:gradFill flip="none" rotWithShape="1">
+                  <a:gsLst>
+                    <a:gs pos="0">
+                      <a:schemeClr val="tx1"/>
+                    </a:gs>
+                    <a:gs pos="100000">
+                      <a:schemeClr val="tx1">
+                        <a:lumMod val="75000"/>
+                      </a:schemeClr>
+                    </a:gs>
+                  </a:gsLst>
+                  <a:lin ang="5400000" scaled="0"/>
+                  <a:tileRect/>
+                </a:gradFill>
+              </a:defRPr>
             </a:lvl1pPr>
             <a:lvl2pPr marL="457200" indent="0" algn="ctr">
               <a:buNone/>
-              <a:defRPr sz="2000"/>
+              <a:defRPr>
+                <a:solidFill>
+                  <a:schemeClr val="tx1">
+                    <a:tint val="75000"/>
+                  </a:schemeClr>
+                </a:solidFill>
+              </a:defRPr>
             </a:lvl2pPr>
             <a:lvl3pPr marL="914400" indent="0" algn="ctr">
               <a:buNone/>
-              <a:defRPr sz="1800"/>
+              <a:defRPr>
+                <a:solidFill>
+                  <a:schemeClr val="tx1">
+                    <a:tint val="75000"/>
+                  </a:schemeClr>
+                </a:solidFill>
+              </a:defRPr>
             </a:lvl3pPr>
             <a:lvl4pPr marL="1371600" indent="0" algn="ctr">
               <a:buNone/>
-              <a:defRPr sz="1600"/>
+              <a:defRPr>
+                <a:solidFill>
+                  <a:schemeClr val="tx1">
+                    <a:tint val="75000"/>
+                  </a:schemeClr>
+                </a:solidFill>
+              </a:defRPr>
             </a:lvl4pPr>
             <a:lvl5pPr marL="1828800" indent="0" algn="ctr">
               <a:buNone/>
-              <a:defRPr sz="1600"/>
+              <a:defRPr>
+                <a:solidFill>
+                  <a:schemeClr val="tx1">
+                    <a:tint val="75000"/>
+                  </a:schemeClr>
+                </a:solidFill>
+              </a:defRPr>
             </a:lvl5pPr>
             <a:lvl6pPr marL="2286000" indent="0" algn="ctr">
               <a:buNone/>
-              <a:defRPr sz="1600"/>
+              <a:defRPr>
+                <a:solidFill>
+                  <a:schemeClr val="tx1">
+                    <a:tint val="75000"/>
+                  </a:schemeClr>
+                </a:solidFill>
+              </a:defRPr>
             </a:lvl6pPr>
             <a:lvl7pPr marL="2743200" indent="0" algn="ctr">
               <a:buNone/>
-              <a:defRPr sz="1600"/>
+              <a:defRPr>
+                <a:solidFill>
+                  <a:schemeClr val="tx1">
+                    <a:tint val="75000"/>
+                  </a:schemeClr>
+                </a:solidFill>
+              </a:defRPr>
             </a:lvl7pPr>
             <a:lvl8pPr marL="3200400" indent="0" algn="ctr">
               <a:buNone/>
-              <a:defRPr sz="1600"/>
+              <a:defRPr>
+                <a:solidFill>
+                  <a:schemeClr val="tx1">
+                    <a:tint val="75000"/>
+                  </a:schemeClr>
+                </a:solidFill>
+              </a:defRPr>
             </a:lvl8pPr>
             <a:lvl9pPr marL="3657600" indent="0" algn="ctr">
               <a:buNone/>
-              <a:defRPr sz="1600"/>
+              <a:defRPr>
+                <a:solidFill>
+                  <a:schemeClr val="tx1">
+                    <a:tint val="75000"/>
+                  </a:schemeClr>
+                </a:solidFill>
+              </a:defRPr>
             </a:lvl9pPr>
           </a:lstStyle>
           <a:p>
@@ -230,18 +309,13 @@
               <a:rPr lang="pt-BR"/>
               <a:t>Clique para editar o estilo do subtítulo Mestre</a:t>
             </a:r>
-          </a:p>
-        </p:txBody>
-      </p:sp>
-      <p:sp>
-        <p:nvSpPr>
-          <p:cNvPr id="4" name="Espaço Reservado para Data 3">
-            <a:extLst>
-              <a:ext uri="{FF2B5EF4-FFF2-40B4-BE49-F238E27FC236}">
-                <a16:creationId xmlns:a16="http://schemas.microsoft.com/office/drawing/2014/main" id="{692D6E3B-F6AD-41E5-BC00-053140DCE66E}"/>
-              </a:ext>
-            </a:extLst>
-          </p:cNvPr>
+            <a:endParaRPr lang="en-US" dirty="0"/>
+          </a:p>
+        </p:txBody>
+      </p:sp>
+      <p:sp>
+        <p:nvSpPr>
+          <p:cNvPr id="4" name="Date Placeholder 3"/>
           <p:cNvSpPr>
             <a:spLocks noGrp="1"/>
           </p:cNvSpPr>
@@ -264,13 +338,7 @@
       </p:sp>
       <p:sp>
         <p:nvSpPr>
-          <p:cNvPr id="5" name="Espaço Reservado para Rodapé 4">
-            <a:extLst>
-              <a:ext uri="{FF2B5EF4-FFF2-40B4-BE49-F238E27FC236}">
-                <a16:creationId xmlns:a16="http://schemas.microsoft.com/office/drawing/2014/main" id="{181349B3-05DE-4747-B551-8FF70E162188}"/>
-              </a:ext>
-            </a:extLst>
-          </p:cNvPr>
+          <p:cNvPr id="5" name="Footer Placeholder 4"/>
           <p:cNvSpPr>
             <a:spLocks noGrp="1"/>
           </p:cNvSpPr>
@@ -289,13 +357,7 @@
       </p:sp>
       <p:sp>
         <p:nvSpPr>
-          <p:cNvPr id="6" name="Espaço Reservado para Número de Slide 5">
-            <a:extLst>
-              <a:ext uri="{FF2B5EF4-FFF2-40B4-BE49-F238E27FC236}">
-                <a16:creationId xmlns:a16="http://schemas.microsoft.com/office/drawing/2014/main" id="{B0149E5D-1ECC-415E-BA54-B970D8A631B9}"/>
-              </a:ext>
-            </a:extLst>
-          </p:cNvPr>
+          <p:cNvPr id="6" name="Slide Number Placeholder 5"/>
           <p:cNvSpPr>
             <a:spLocks noGrp="1"/>
           </p:cNvSpPr>
@@ -319,7 +381,7 @@
     </p:spTree>
     <p:extLst>
       <p:ext uri="{BB962C8B-B14F-4D97-AF65-F5344CB8AC3E}">
-        <p14:creationId xmlns:p14="http://schemas.microsoft.com/office/powerpoint/2010/main" val="1041069447"/>
+        <p14:creationId xmlns:p14="http://schemas.microsoft.com/office/powerpoint/2010/main" val="3290134622"/>
       </p:ext>
     </p:extLst>
   </p:cSld>
@@ -330,6 +392,2113 @@
 </file>
 
 <file path=ppt/slideLayouts/slideLayout10.xml><?xml version="1.0" encoding="utf-8"?>
+<p:sldLayout xmlns:a="http://schemas.openxmlformats.org/drawingml/2006/main" xmlns:r="http://schemas.openxmlformats.org/officeDocument/2006/relationships" xmlns:p="http://schemas.openxmlformats.org/presentationml/2006/main" preserve="1">
+  <p:cSld name="Foto Panorâmica com Legenda">
+    <p:spTree>
+      <p:nvGrpSpPr>
+        <p:cNvPr id="1" name=""/>
+        <p:cNvGrpSpPr/>
+        <p:nvPr/>
+      </p:nvGrpSpPr>
+      <p:grpSpPr>
+        <a:xfrm>
+          <a:off x="0" y="0"/>
+          <a:ext cx="0" cy="0"/>
+          <a:chOff x="0" y="0"/>
+          <a:chExt cx="0" cy="0"/>
+        </a:xfrm>
+      </p:grpSpPr>
+      <p:sp>
+        <p:nvSpPr>
+          <p:cNvPr id="2" name="Title 1"/>
+          <p:cNvSpPr>
+            <a:spLocks noGrp="1"/>
+          </p:cNvSpPr>
+          <p:nvPr>
+            <p:ph type="title"/>
+          </p:nvPr>
+        </p:nvSpPr>
+        <p:spPr>
+          <a:xfrm>
+            <a:off x="1141413" y="4732865"/>
+            <a:ext cx="9906000" cy="566738"/>
+          </a:xfrm>
+        </p:spPr>
+        <p:txBody>
+          <a:bodyPr anchor="b">
+            <a:normAutofit/>
+          </a:bodyPr>
+          <a:lstStyle>
+            <a:lvl1pPr algn="l">
+              <a:defRPr sz="2400" b="0"/>
+            </a:lvl1pPr>
+          </a:lstStyle>
+          <a:p>
+            <a:r>
+              <a:rPr lang="pt-BR"/>
+              <a:t>Clique para editar o título Mestre</a:t>
+            </a:r>
+            <a:endParaRPr lang="en-US" dirty="0"/>
+          </a:p>
+        </p:txBody>
+      </p:sp>
+      <p:sp>
+        <p:nvSpPr>
+          <p:cNvPr id="3" name="Picture Placeholder 2"/>
+          <p:cNvSpPr>
+            <a:spLocks noGrp="1" noChangeAspect="1"/>
+          </p:cNvSpPr>
+          <p:nvPr>
+            <p:ph type="pic" idx="1"/>
+          </p:nvPr>
+        </p:nvSpPr>
+        <p:spPr>
+          <a:xfrm>
+            <a:off x="1979612" y="932112"/>
+            <a:ext cx="8225944" cy="3164976"/>
+          </a:xfrm>
+          <a:prstGeom prst="roundRect">
+            <a:avLst>
+              <a:gd name="adj" fmla="val 4380"/>
+            </a:avLst>
+          </a:prstGeom>
+          <a:ln w="38100">
+            <a:gradFill flip="none" rotWithShape="1">
+              <a:gsLst>
+                <a:gs pos="0">
+                  <a:schemeClr val="bg2"/>
+                </a:gs>
+                <a:gs pos="100000">
+                  <a:schemeClr val="bg2">
+                    <a:lumMod val="75000"/>
+                  </a:schemeClr>
+                </a:gs>
+              </a:gsLst>
+              <a:lin ang="5400000" scaled="0"/>
+              <a:tileRect/>
+            </a:gradFill>
+          </a:ln>
+          <a:effectLst>
+            <a:innerShdw blurRad="57150" dist="38100" dir="14460000">
+              <a:srgbClr val="000000">
+                <a:alpha val="70000"/>
+              </a:srgbClr>
+            </a:innerShdw>
+          </a:effectLst>
+        </p:spPr>
+        <p:txBody>
+          <a:bodyPr anchor="t">
+            <a:normAutofit/>
+          </a:bodyPr>
+          <a:lstStyle>
+            <a:lvl1pPr marL="0" indent="0" algn="ctr">
+              <a:buNone/>
+              <a:defRPr sz="1600"/>
+            </a:lvl1pPr>
+            <a:lvl2pPr marL="457200" indent="0">
+              <a:buNone/>
+              <a:defRPr sz="1600"/>
+            </a:lvl2pPr>
+            <a:lvl3pPr marL="914400" indent="0">
+              <a:buNone/>
+              <a:defRPr sz="1600"/>
+            </a:lvl3pPr>
+            <a:lvl4pPr marL="1371600" indent="0">
+              <a:buNone/>
+              <a:defRPr sz="1600"/>
+            </a:lvl4pPr>
+            <a:lvl5pPr marL="1828800" indent="0">
+              <a:buNone/>
+              <a:defRPr sz="1600"/>
+            </a:lvl5pPr>
+            <a:lvl6pPr marL="2286000" indent="0">
+              <a:buNone/>
+              <a:defRPr sz="1600"/>
+            </a:lvl6pPr>
+            <a:lvl7pPr marL="2743200" indent="0">
+              <a:buNone/>
+              <a:defRPr sz="1600"/>
+            </a:lvl7pPr>
+            <a:lvl8pPr marL="3200400" indent="0">
+              <a:buNone/>
+              <a:defRPr sz="1600"/>
+            </a:lvl8pPr>
+            <a:lvl9pPr marL="3657600" indent="0">
+              <a:buNone/>
+              <a:defRPr sz="1600"/>
+            </a:lvl9pPr>
+          </a:lstStyle>
+          <a:p>
+            <a:r>
+              <a:rPr lang="pt-BR"/>
+              <a:t>Clique no ícone para adicionar uma imagem</a:t>
+            </a:r>
+            <a:endParaRPr lang="en-US" dirty="0"/>
+          </a:p>
+        </p:txBody>
+      </p:sp>
+      <p:sp>
+        <p:nvSpPr>
+          <p:cNvPr id="4" name="Text Placeholder 3"/>
+          <p:cNvSpPr>
+            <a:spLocks noGrp="1"/>
+          </p:cNvSpPr>
+          <p:nvPr>
+            <p:ph type="body" sz="half" idx="2"/>
+          </p:nvPr>
+        </p:nvSpPr>
+        <p:spPr>
+          <a:xfrm>
+            <a:off x="1141413" y="5299603"/>
+            <a:ext cx="9906000" cy="493712"/>
+          </a:xfrm>
+        </p:spPr>
+        <p:txBody>
+          <a:bodyPr>
+            <a:normAutofit/>
+          </a:bodyPr>
+          <a:lstStyle>
+            <a:lvl1pPr marL="0" indent="0">
+              <a:buNone/>
+              <a:defRPr sz="1400"/>
+            </a:lvl1pPr>
+            <a:lvl2pPr marL="457200" indent="0">
+              <a:buNone/>
+              <a:defRPr sz="1200"/>
+            </a:lvl2pPr>
+            <a:lvl3pPr marL="914400" indent="0">
+              <a:buNone/>
+              <a:defRPr sz="1000"/>
+            </a:lvl3pPr>
+            <a:lvl4pPr marL="1371600" indent="0">
+              <a:buNone/>
+              <a:defRPr sz="900"/>
+            </a:lvl4pPr>
+            <a:lvl5pPr marL="1828800" indent="0">
+              <a:buNone/>
+              <a:defRPr sz="900"/>
+            </a:lvl5pPr>
+            <a:lvl6pPr marL="2286000" indent="0">
+              <a:buNone/>
+              <a:defRPr sz="900"/>
+            </a:lvl6pPr>
+            <a:lvl7pPr marL="2743200" indent="0">
+              <a:buNone/>
+              <a:defRPr sz="900"/>
+            </a:lvl7pPr>
+            <a:lvl8pPr marL="3200400" indent="0">
+              <a:buNone/>
+              <a:defRPr sz="900"/>
+            </a:lvl8pPr>
+            <a:lvl9pPr marL="3657600" indent="0">
+              <a:buNone/>
+              <a:defRPr sz="900"/>
+            </a:lvl9pPr>
+          </a:lstStyle>
+          <a:p>
+            <a:pPr lvl="0"/>
+            <a:r>
+              <a:rPr lang="pt-BR"/>
+              <a:t>Clique para editar os estilos de texto Mestres</a:t>
+            </a:r>
+          </a:p>
+        </p:txBody>
+      </p:sp>
+      <p:sp>
+        <p:nvSpPr>
+          <p:cNvPr id="5" name="Date Placeholder 4"/>
+          <p:cNvSpPr>
+            <a:spLocks noGrp="1"/>
+          </p:cNvSpPr>
+          <p:nvPr>
+            <p:ph type="dt" sz="half" idx="10"/>
+          </p:nvPr>
+        </p:nvSpPr>
+        <p:spPr/>
+        <p:txBody>
+          <a:bodyPr/>
+          <a:lstStyle/>
+          <a:p>
+            <a:fld id="{F55C812C-AE2E-41C6-A51C-F761B30A1A53}" type="datetimeFigureOut">
+              <a:rPr lang="pt-BR" smtClean="0"/>
+              <a:t>12/05/2021</a:t>
+            </a:fld>
+            <a:endParaRPr lang="pt-BR"/>
+          </a:p>
+        </p:txBody>
+      </p:sp>
+      <p:sp>
+        <p:nvSpPr>
+          <p:cNvPr id="6" name="Footer Placeholder 5"/>
+          <p:cNvSpPr>
+            <a:spLocks noGrp="1"/>
+          </p:cNvSpPr>
+          <p:nvPr>
+            <p:ph type="ftr" sz="quarter" idx="11"/>
+          </p:nvPr>
+        </p:nvSpPr>
+        <p:spPr/>
+        <p:txBody>
+          <a:bodyPr/>
+          <a:lstStyle/>
+          <a:p>
+            <a:endParaRPr lang="pt-BR"/>
+          </a:p>
+        </p:txBody>
+      </p:sp>
+      <p:sp>
+        <p:nvSpPr>
+          <p:cNvPr id="7" name="Slide Number Placeholder 6"/>
+          <p:cNvSpPr>
+            <a:spLocks noGrp="1"/>
+          </p:cNvSpPr>
+          <p:nvPr>
+            <p:ph type="sldNum" sz="quarter" idx="12"/>
+          </p:nvPr>
+        </p:nvSpPr>
+        <p:spPr/>
+        <p:txBody>
+          <a:bodyPr/>
+          <a:lstStyle/>
+          <a:p>
+            <a:fld id="{C42A32EA-75FF-4D0D-A5CA-E0BBF4DC8707}" type="slidenum">
+              <a:rPr lang="pt-BR" smtClean="0"/>
+              <a:t>‹nº›</a:t>
+            </a:fld>
+            <a:endParaRPr lang="pt-BR"/>
+          </a:p>
+        </p:txBody>
+      </p:sp>
+    </p:spTree>
+    <p:extLst>
+      <p:ext uri="{BB962C8B-B14F-4D97-AF65-F5344CB8AC3E}">
+        <p14:creationId xmlns:p14="http://schemas.microsoft.com/office/powerpoint/2010/main" val="2609305391"/>
+      </p:ext>
+    </p:extLst>
+  </p:cSld>
+  <p:clrMapOvr>
+    <a:masterClrMapping/>
+  </p:clrMapOvr>
+</p:sldLayout>
+</file>
+
+<file path=ppt/slideLayouts/slideLayout11.xml><?xml version="1.0" encoding="utf-8"?>
+<p:sldLayout xmlns:a="http://schemas.openxmlformats.org/drawingml/2006/main" xmlns:r="http://schemas.openxmlformats.org/officeDocument/2006/relationships" xmlns:p="http://schemas.openxmlformats.org/presentationml/2006/main" preserve="1">
+  <p:cSld name="Título e Legenda">
+    <p:spTree>
+      <p:nvGrpSpPr>
+        <p:cNvPr id="1" name=""/>
+        <p:cNvGrpSpPr/>
+        <p:nvPr/>
+      </p:nvGrpSpPr>
+      <p:grpSpPr>
+        <a:xfrm>
+          <a:off x="0" y="0"/>
+          <a:ext cx="0" cy="0"/>
+          <a:chOff x="0" y="0"/>
+          <a:chExt cx="0" cy="0"/>
+        </a:xfrm>
+      </p:grpSpPr>
+      <p:sp>
+        <p:nvSpPr>
+          <p:cNvPr id="2" name="Title 1"/>
+          <p:cNvSpPr>
+            <a:spLocks noGrp="1"/>
+          </p:cNvSpPr>
+          <p:nvPr>
+            <p:ph type="title"/>
+          </p:nvPr>
+        </p:nvSpPr>
+        <p:spPr>
+          <a:xfrm>
+            <a:off x="1141412" y="609601"/>
+            <a:ext cx="9905999" cy="3124199"/>
+          </a:xfrm>
+        </p:spPr>
+        <p:txBody>
+          <a:bodyPr anchor="ctr">
+            <a:normAutofit/>
+          </a:bodyPr>
+          <a:lstStyle>
+            <a:lvl1pPr algn="l">
+              <a:defRPr sz="3200" b="0" cap="all"/>
+            </a:lvl1pPr>
+          </a:lstStyle>
+          <a:p>
+            <a:r>
+              <a:rPr lang="pt-BR"/>
+              <a:t>Clique para editar o título Mestre</a:t>
+            </a:r>
+            <a:endParaRPr lang="en-US" dirty="0"/>
+          </a:p>
+        </p:txBody>
+      </p:sp>
+      <p:sp>
+        <p:nvSpPr>
+          <p:cNvPr id="3" name="Text Placeholder 2"/>
+          <p:cNvSpPr>
+            <a:spLocks noGrp="1"/>
+          </p:cNvSpPr>
+          <p:nvPr>
+            <p:ph type="body" idx="1"/>
+          </p:nvPr>
+        </p:nvSpPr>
+        <p:spPr>
+          <a:xfrm>
+            <a:off x="1141411" y="4343400"/>
+            <a:ext cx="9906000" cy="1447800"/>
+          </a:xfrm>
+        </p:spPr>
+        <p:txBody>
+          <a:bodyPr anchor="ctr">
+            <a:normAutofit/>
+          </a:bodyPr>
+          <a:lstStyle>
+            <a:lvl1pPr marL="0" indent="0" algn="l">
+              <a:buNone/>
+              <a:defRPr sz="2000">
+                <a:gradFill flip="none" rotWithShape="1">
+                  <a:gsLst>
+                    <a:gs pos="0">
+                      <a:schemeClr val="tx1"/>
+                    </a:gs>
+                    <a:gs pos="100000">
+                      <a:schemeClr val="tx1">
+                        <a:lumMod val="75000"/>
+                      </a:schemeClr>
+                    </a:gs>
+                  </a:gsLst>
+                  <a:lin ang="5400000" scaled="0"/>
+                  <a:tileRect/>
+                </a:gradFill>
+              </a:defRPr>
+            </a:lvl1pPr>
+            <a:lvl2pPr marL="457200" indent="0">
+              <a:buNone/>
+              <a:defRPr sz="1800">
+                <a:solidFill>
+                  <a:schemeClr val="tx1">
+                    <a:tint val="75000"/>
+                  </a:schemeClr>
+                </a:solidFill>
+              </a:defRPr>
+            </a:lvl2pPr>
+            <a:lvl3pPr marL="914400" indent="0">
+              <a:buNone/>
+              <a:defRPr sz="1600">
+                <a:solidFill>
+                  <a:schemeClr val="tx1">
+                    <a:tint val="75000"/>
+                  </a:schemeClr>
+                </a:solidFill>
+              </a:defRPr>
+            </a:lvl3pPr>
+            <a:lvl4pPr marL="1371600" indent="0">
+              <a:buNone/>
+              <a:defRPr sz="1400">
+                <a:solidFill>
+                  <a:schemeClr val="tx1">
+                    <a:tint val="75000"/>
+                  </a:schemeClr>
+                </a:solidFill>
+              </a:defRPr>
+            </a:lvl4pPr>
+            <a:lvl5pPr marL="1828800" indent="0">
+              <a:buNone/>
+              <a:defRPr sz="1400">
+                <a:solidFill>
+                  <a:schemeClr val="tx1">
+                    <a:tint val="75000"/>
+                  </a:schemeClr>
+                </a:solidFill>
+              </a:defRPr>
+            </a:lvl5pPr>
+            <a:lvl6pPr marL="2286000" indent="0">
+              <a:buNone/>
+              <a:defRPr sz="1400">
+                <a:solidFill>
+                  <a:schemeClr val="tx1">
+                    <a:tint val="75000"/>
+                  </a:schemeClr>
+                </a:solidFill>
+              </a:defRPr>
+            </a:lvl6pPr>
+            <a:lvl7pPr marL="2743200" indent="0">
+              <a:buNone/>
+              <a:defRPr sz="1400">
+                <a:solidFill>
+                  <a:schemeClr val="tx1">
+                    <a:tint val="75000"/>
+                  </a:schemeClr>
+                </a:solidFill>
+              </a:defRPr>
+            </a:lvl7pPr>
+            <a:lvl8pPr marL="3200400" indent="0">
+              <a:buNone/>
+              <a:defRPr sz="1400">
+                <a:solidFill>
+                  <a:schemeClr val="tx1">
+                    <a:tint val="75000"/>
+                  </a:schemeClr>
+                </a:solidFill>
+              </a:defRPr>
+            </a:lvl8pPr>
+            <a:lvl9pPr marL="3657600" indent="0">
+              <a:buNone/>
+              <a:defRPr sz="1400">
+                <a:solidFill>
+                  <a:schemeClr val="tx1">
+                    <a:tint val="75000"/>
+                  </a:schemeClr>
+                </a:solidFill>
+              </a:defRPr>
+            </a:lvl9pPr>
+          </a:lstStyle>
+          <a:p>
+            <a:pPr lvl="0"/>
+            <a:r>
+              <a:rPr lang="pt-BR"/>
+              <a:t>Clique para editar os estilos de texto Mestres</a:t>
+            </a:r>
+          </a:p>
+        </p:txBody>
+      </p:sp>
+      <p:sp>
+        <p:nvSpPr>
+          <p:cNvPr id="4" name="Date Placeholder 3"/>
+          <p:cNvSpPr>
+            <a:spLocks noGrp="1"/>
+          </p:cNvSpPr>
+          <p:nvPr>
+            <p:ph type="dt" sz="half" idx="10"/>
+          </p:nvPr>
+        </p:nvSpPr>
+        <p:spPr/>
+        <p:txBody>
+          <a:bodyPr/>
+          <a:lstStyle/>
+          <a:p>
+            <a:fld id="{F55C812C-AE2E-41C6-A51C-F761B30A1A53}" type="datetimeFigureOut">
+              <a:rPr lang="pt-BR" smtClean="0"/>
+              <a:t>12/05/2021</a:t>
+            </a:fld>
+            <a:endParaRPr lang="pt-BR"/>
+          </a:p>
+        </p:txBody>
+      </p:sp>
+      <p:sp>
+        <p:nvSpPr>
+          <p:cNvPr id="5" name="Footer Placeholder 4"/>
+          <p:cNvSpPr>
+            <a:spLocks noGrp="1"/>
+          </p:cNvSpPr>
+          <p:nvPr>
+            <p:ph type="ftr" sz="quarter" idx="11"/>
+          </p:nvPr>
+        </p:nvSpPr>
+        <p:spPr/>
+        <p:txBody>
+          <a:bodyPr/>
+          <a:lstStyle/>
+          <a:p>
+            <a:endParaRPr lang="pt-BR"/>
+          </a:p>
+        </p:txBody>
+      </p:sp>
+      <p:sp>
+        <p:nvSpPr>
+          <p:cNvPr id="6" name="Slide Number Placeholder 5"/>
+          <p:cNvSpPr>
+            <a:spLocks noGrp="1"/>
+          </p:cNvSpPr>
+          <p:nvPr>
+            <p:ph type="sldNum" sz="quarter" idx="12"/>
+          </p:nvPr>
+        </p:nvSpPr>
+        <p:spPr/>
+        <p:txBody>
+          <a:bodyPr/>
+          <a:lstStyle/>
+          <a:p>
+            <a:fld id="{C42A32EA-75FF-4D0D-A5CA-E0BBF4DC8707}" type="slidenum">
+              <a:rPr lang="pt-BR" smtClean="0"/>
+              <a:t>‹nº›</a:t>
+            </a:fld>
+            <a:endParaRPr lang="pt-BR"/>
+          </a:p>
+        </p:txBody>
+      </p:sp>
+    </p:spTree>
+    <p:extLst>
+      <p:ext uri="{BB962C8B-B14F-4D97-AF65-F5344CB8AC3E}">
+        <p14:creationId xmlns:p14="http://schemas.microsoft.com/office/powerpoint/2010/main" val="14663721"/>
+      </p:ext>
+    </p:extLst>
+  </p:cSld>
+  <p:clrMapOvr>
+    <a:masterClrMapping/>
+  </p:clrMapOvr>
+</p:sldLayout>
+</file>
+
+<file path=ppt/slideLayouts/slideLayout12.xml><?xml version="1.0" encoding="utf-8"?>
+<p:sldLayout xmlns:a="http://schemas.openxmlformats.org/drawingml/2006/main" xmlns:r="http://schemas.openxmlformats.org/officeDocument/2006/relationships" xmlns:p="http://schemas.openxmlformats.org/presentationml/2006/main" preserve="1">
+  <p:cSld name="Citação com Legenda">
+    <p:spTree>
+      <p:nvGrpSpPr>
+        <p:cNvPr id="1" name=""/>
+        <p:cNvGrpSpPr/>
+        <p:nvPr/>
+      </p:nvGrpSpPr>
+      <p:grpSpPr>
+        <a:xfrm>
+          <a:off x="0" y="0"/>
+          <a:ext cx="0" cy="0"/>
+          <a:chOff x="0" y="0"/>
+          <a:chExt cx="0" cy="0"/>
+        </a:xfrm>
+      </p:grpSpPr>
+      <p:sp>
+        <p:nvSpPr>
+          <p:cNvPr id="14" name="TextBox 13"/>
+          <p:cNvSpPr txBox="1"/>
+          <p:nvPr/>
+        </p:nvSpPr>
+        <p:spPr>
+          <a:xfrm>
+            <a:off x="836612" y="786824"/>
+            <a:ext cx="609600" cy="584776"/>
+          </a:xfrm>
+          <a:prstGeom prst="rect">
+            <a:avLst/>
+          </a:prstGeom>
+        </p:spPr>
+        <p:txBody>
+          <a:bodyPr vert="horz" lIns="91440" tIns="45720" rIns="91440" bIns="45720" rtlCol="0" anchor="ctr">
+            <a:noAutofit/>
+          </a:bodyPr>
+          <a:lstStyle>
+            <a:lvl1pPr>
+              <a:spcBef>
+                <a:spcPct val="0"/>
+              </a:spcBef>
+              <a:buNone/>
+              <a:defRPr sz="3200" b="0" cap="all">
+                <a:ln w="3175" cmpd="sng">
+                  <a:noFill/>
+                </a:ln>
+                <a:effectLst>
+                  <a:glow rad="38100">
+                    <a:schemeClr val="bg1">
+                      <a:lumMod val="65000"/>
+                      <a:lumOff val="35000"/>
+                      <a:alpha val="40000"/>
+                    </a:schemeClr>
+                  </a:glow>
+                  <a:outerShdw blurRad="28575" dist="38100" dir="14040000" algn="tl" rotWithShape="0">
+                    <a:srgbClr val="000000">
+                      <a:alpha val="25000"/>
+                    </a:srgbClr>
+                  </a:outerShdw>
+                </a:effectLst>
+              </a:defRPr>
+            </a:lvl1pPr>
+            <a:lvl2pPr>
+              <a:defRPr>
+                <a:solidFill>
+                  <a:schemeClr val="tx2"/>
+                </a:solidFill>
+              </a:defRPr>
+            </a:lvl2pPr>
+            <a:lvl3pPr>
+              <a:defRPr>
+                <a:solidFill>
+                  <a:schemeClr val="tx2"/>
+                </a:solidFill>
+              </a:defRPr>
+            </a:lvl3pPr>
+            <a:lvl4pPr>
+              <a:defRPr>
+                <a:solidFill>
+                  <a:schemeClr val="tx2"/>
+                </a:solidFill>
+              </a:defRPr>
+            </a:lvl4pPr>
+            <a:lvl5pPr>
+              <a:defRPr>
+                <a:solidFill>
+                  <a:schemeClr val="tx2"/>
+                </a:solidFill>
+              </a:defRPr>
+            </a:lvl5pPr>
+            <a:lvl6pPr>
+              <a:defRPr>
+                <a:solidFill>
+                  <a:schemeClr val="tx2"/>
+                </a:solidFill>
+              </a:defRPr>
+            </a:lvl6pPr>
+            <a:lvl7pPr>
+              <a:defRPr>
+                <a:solidFill>
+                  <a:schemeClr val="tx2"/>
+                </a:solidFill>
+              </a:defRPr>
+            </a:lvl7pPr>
+            <a:lvl8pPr>
+              <a:defRPr>
+                <a:solidFill>
+                  <a:schemeClr val="tx2"/>
+                </a:solidFill>
+              </a:defRPr>
+            </a:lvl8pPr>
+            <a:lvl9pPr>
+              <a:defRPr>
+                <a:solidFill>
+                  <a:schemeClr val="tx2"/>
+                </a:solidFill>
+              </a:defRPr>
+            </a:lvl9pPr>
+          </a:lstStyle>
+          <a:p>
+            <a:pPr lvl="0"/>
+            <a:r>
+              <a:rPr lang="en-US" sz="8000" dirty="0">
+                <a:solidFill>
+                  <a:schemeClr val="accent1"/>
+                </a:solidFill>
+              </a:rPr>
+              <a:t>“</a:t>
+            </a:r>
+          </a:p>
+        </p:txBody>
+      </p:sp>
+      <p:sp>
+        <p:nvSpPr>
+          <p:cNvPr id="15" name="TextBox 14"/>
+          <p:cNvSpPr txBox="1"/>
+          <p:nvPr/>
+        </p:nvSpPr>
+        <p:spPr>
+          <a:xfrm>
+            <a:off x="10437812" y="2743200"/>
+            <a:ext cx="609600" cy="584776"/>
+          </a:xfrm>
+          <a:prstGeom prst="rect">
+            <a:avLst/>
+          </a:prstGeom>
+        </p:spPr>
+        <p:txBody>
+          <a:bodyPr vert="horz" lIns="91440" tIns="45720" rIns="91440" bIns="45720" rtlCol="0" anchor="ctr">
+            <a:noAutofit/>
+          </a:bodyPr>
+          <a:lstStyle>
+            <a:lvl1pPr>
+              <a:spcBef>
+                <a:spcPct val="0"/>
+              </a:spcBef>
+              <a:buNone/>
+              <a:defRPr sz="3200" b="0" cap="all">
+                <a:ln w="3175" cmpd="sng">
+                  <a:noFill/>
+                </a:ln>
+                <a:effectLst>
+                  <a:glow rad="38100">
+                    <a:schemeClr val="bg1">
+                      <a:lumMod val="65000"/>
+                      <a:lumOff val="35000"/>
+                      <a:alpha val="40000"/>
+                    </a:schemeClr>
+                  </a:glow>
+                  <a:outerShdw blurRad="28575" dist="38100" dir="14040000" algn="tl" rotWithShape="0">
+                    <a:srgbClr val="000000">
+                      <a:alpha val="25000"/>
+                    </a:srgbClr>
+                  </a:outerShdw>
+                </a:effectLst>
+              </a:defRPr>
+            </a:lvl1pPr>
+            <a:lvl2pPr>
+              <a:defRPr>
+                <a:solidFill>
+                  <a:schemeClr val="tx2"/>
+                </a:solidFill>
+              </a:defRPr>
+            </a:lvl2pPr>
+            <a:lvl3pPr>
+              <a:defRPr>
+                <a:solidFill>
+                  <a:schemeClr val="tx2"/>
+                </a:solidFill>
+              </a:defRPr>
+            </a:lvl3pPr>
+            <a:lvl4pPr>
+              <a:defRPr>
+                <a:solidFill>
+                  <a:schemeClr val="tx2"/>
+                </a:solidFill>
+              </a:defRPr>
+            </a:lvl4pPr>
+            <a:lvl5pPr>
+              <a:defRPr>
+                <a:solidFill>
+                  <a:schemeClr val="tx2"/>
+                </a:solidFill>
+              </a:defRPr>
+            </a:lvl5pPr>
+            <a:lvl6pPr>
+              <a:defRPr>
+                <a:solidFill>
+                  <a:schemeClr val="tx2"/>
+                </a:solidFill>
+              </a:defRPr>
+            </a:lvl6pPr>
+            <a:lvl7pPr>
+              <a:defRPr>
+                <a:solidFill>
+                  <a:schemeClr val="tx2"/>
+                </a:solidFill>
+              </a:defRPr>
+            </a:lvl7pPr>
+            <a:lvl8pPr>
+              <a:defRPr>
+                <a:solidFill>
+                  <a:schemeClr val="tx2"/>
+                </a:solidFill>
+              </a:defRPr>
+            </a:lvl8pPr>
+            <a:lvl9pPr>
+              <a:defRPr>
+                <a:solidFill>
+                  <a:schemeClr val="tx2"/>
+                </a:solidFill>
+              </a:defRPr>
+            </a:lvl9pPr>
+          </a:lstStyle>
+          <a:p>
+            <a:pPr lvl="0" algn="r"/>
+            <a:r>
+              <a:rPr lang="en-US" sz="8000" dirty="0">
+                <a:solidFill>
+                  <a:schemeClr val="accent1"/>
+                </a:solidFill>
+              </a:rPr>
+              <a:t>”</a:t>
+            </a:r>
+          </a:p>
+        </p:txBody>
+      </p:sp>
+      <p:sp>
+        <p:nvSpPr>
+          <p:cNvPr id="2" name="Title 1"/>
+          <p:cNvSpPr>
+            <a:spLocks noGrp="1"/>
+          </p:cNvSpPr>
+          <p:nvPr>
+            <p:ph type="title"/>
+          </p:nvPr>
+        </p:nvSpPr>
+        <p:spPr>
+          <a:xfrm>
+            <a:off x="1446213" y="609601"/>
+            <a:ext cx="9296398" cy="2743199"/>
+          </a:xfrm>
+        </p:spPr>
+        <p:txBody>
+          <a:bodyPr anchor="ctr">
+            <a:normAutofit/>
+          </a:bodyPr>
+          <a:lstStyle>
+            <a:lvl1pPr algn="l">
+              <a:defRPr sz="3200" b="0" cap="all">
+                <a:solidFill>
+                  <a:schemeClr val="tx1"/>
+                </a:solidFill>
+              </a:defRPr>
+            </a:lvl1pPr>
+          </a:lstStyle>
+          <a:p>
+            <a:r>
+              <a:rPr lang="pt-BR"/>
+              <a:t>Clique para editar o título Mestre</a:t>
+            </a:r>
+            <a:endParaRPr lang="en-US" dirty="0"/>
+          </a:p>
+        </p:txBody>
+      </p:sp>
+      <p:sp>
+        <p:nvSpPr>
+          <p:cNvPr id="10" name="Text Placeholder 9"/>
+          <p:cNvSpPr>
+            <a:spLocks noGrp="1"/>
+          </p:cNvSpPr>
+          <p:nvPr>
+            <p:ph type="body" sz="quarter" idx="13"/>
+          </p:nvPr>
+        </p:nvSpPr>
+        <p:spPr>
+          <a:xfrm>
+            <a:off x="1674812" y="3352800"/>
+            <a:ext cx="8839202" cy="381000"/>
+          </a:xfrm>
+        </p:spPr>
+        <p:txBody>
+          <a:bodyPr anchor="ctr"/>
+          <a:lstStyle>
+            <a:lvl1pPr marL="0" indent="0">
+              <a:buFontTx/>
+              <a:buNone/>
+              <a:defRPr/>
+            </a:lvl1pPr>
+            <a:lvl2pPr marL="457200" indent="0">
+              <a:buFontTx/>
+              <a:buNone/>
+              <a:defRPr/>
+            </a:lvl2pPr>
+            <a:lvl3pPr marL="914400" indent="0">
+              <a:buFontTx/>
+              <a:buNone/>
+              <a:defRPr/>
+            </a:lvl3pPr>
+            <a:lvl4pPr marL="1371600" indent="0">
+              <a:buFontTx/>
+              <a:buNone/>
+              <a:defRPr/>
+            </a:lvl4pPr>
+            <a:lvl5pPr marL="1828800" indent="0">
+              <a:buFontTx/>
+              <a:buNone/>
+              <a:defRPr/>
+            </a:lvl5pPr>
+          </a:lstStyle>
+          <a:p>
+            <a:pPr lvl="0"/>
+            <a:r>
+              <a:rPr lang="pt-BR"/>
+              <a:t>Clique para editar os estilos de texto Mestres</a:t>
+            </a:r>
+          </a:p>
+        </p:txBody>
+      </p:sp>
+      <p:sp>
+        <p:nvSpPr>
+          <p:cNvPr id="3" name="Text Placeholder 2"/>
+          <p:cNvSpPr>
+            <a:spLocks noGrp="1"/>
+          </p:cNvSpPr>
+          <p:nvPr>
+            <p:ph type="body" idx="1"/>
+          </p:nvPr>
+        </p:nvSpPr>
+        <p:spPr>
+          <a:xfrm>
+            <a:off x="1141411" y="4343400"/>
+            <a:ext cx="9906000" cy="1447800"/>
+          </a:xfrm>
+        </p:spPr>
+        <p:txBody>
+          <a:bodyPr vert="horz" lIns="91440" tIns="45720" rIns="91440" bIns="45720" rtlCol="0" anchor="ctr">
+            <a:normAutofit/>
+          </a:bodyPr>
+          <a:lstStyle>
+            <a:lvl1pPr>
+              <a:buNone/>
+              <a:defRPr lang="en-US" sz="2000">
+                <a:gradFill flip="none" rotWithShape="1">
+                  <a:gsLst>
+                    <a:gs pos="0">
+                      <a:schemeClr val="tx1"/>
+                    </a:gs>
+                    <a:gs pos="100000">
+                      <a:schemeClr val="tx1">
+                        <a:lumMod val="75000"/>
+                      </a:schemeClr>
+                    </a:gs>
+                  </a:gsLst>
+                  <a:lin ang="5400000" scaled="0"/>
+                  <a:tileRect/>
+                </a:gradFill>
+              </a:defRPr>
+            </a:lvl1pPr>
+          </a:lstStyle>
+          <a:p>
+            <a:pPr marL="0" lvl="0" indent="0">
+              <a:buNone/>
+            </a:pPr>
+            <a:r>
+              <a:rPr lang="pt-BR"/>
+              <a:t>Clique para editar os estilos de texto Mestres</a:t>
+            </a:r>
+          </a:p>
+        </p:txBody>
+      </p:sp>
+      <p:sp>
+        <p:nvSpPr>
+          <p:cNvPr id="4" name="Date Placeholder 3"/>
+          <p:cNvSpPr>
+            <a:spLocks noGrp="1"/>
+          </p:cNvSpPr>
+          <p:nvPr>
+            <p:ph type="dt" sz="half" idx="10"/>
+          </p:nvPr>
+        </p:nvSpPr>
+        <p:spPr/>
+        <p:txBody>
+          <a:bodyPr/>
+          <a:lstStyle/>
+          <a:p>
+            <a:fld id="{F55C812C-AE2E-41C6-A51C-F761B30A1A53}" type="datetimeFigureOut">
+              <a:rPr lang="pt-BR" smtClean="0"/>
+              <a:t>12/05/2021</a:t>
+            </a:fld>
+            <a:endParaRPr lang="pt-BR"/>
+          </a:p>
+        </p:txBody>
+      </p:sp>
+      <p:sp>
+        <p:nvSpPr>
+          <p:cNvPr id="5" name="Footer Placeholder 4"/>
+          <p:cNvSpPr>
+            <a:spLocks noGrp="1"/>
+          </p:cNvSpPr>
+          <p:nvPr>
+            <p:ph type="ftr" sz="quarter" idx="11"/>
+          </p:nvPr>
+        </p:nvSpPr>
+        <p:spPr/>
+        <p:txBody>
+          <a:bodyPr/>
+          <a:lstStyle/>
+          <a:p>
+            <a:endParaRPr lang="pt-BR"/>
+          </a:p>
+        </p:txBody>
+      </p:sp>
+      <p:sp>
+        <p:nvSpPr>
+          <p:cNvPr id="6" name="Slide Number Placeholder 5"/>
+          <p:cNvSpPr>
+            <a:spLocks noGrp="1"/>
+          </p:cNvSpPr>
+          <p:nvPr>
+            <p:ph type="sldNum" sz="quarter" idx="12"/>
+          </p:nvPr>
+        </p:nvSpPr>
+        <p:spPr/>
+        <p:txBody>
+          <a:bodyPr/>
+          <a:lstStyle/>
+          <a:p>
+            <a:fld id="{C42A32EA-75FF-4D0D-A5CA-E0BBF4DC8707}" type="slidenum">
+              <a:rPr lang="pt-BR" smtClean="0"/>
+              <a:t>‹nº›</a:t>
+            </a:fld>
+            <a:endParaRPr lang="pt-BR"/>
+          </a:p>
+        </p:txBody>
+      </p:sp>
+    </p:spTree>
+    <p:extLst>
+      <p:ext uri="{BB962C8B-B14F-4D97-AF65-F5344CB8AC3E}">
+        <p14:creationId xmlns:p14="http://schemas.microsoft.com/office/powerpoint/2010/main" val="3018666702"/>
+      </p:ext>
+    </p:extLst>
+  </p:cSld>
+  <p:clrMapOvr>
+    <a:masterClrMapping/>
+  </p:clrMapOvr>
+</p:sldLayout>
+</file>
+
+<file path=ppt/slideLayouts/slideLayout13.xml><?xml version="1.0" encoding="utf-8"?>
+<p:sldLayout xmlns:a="http://schemas.openxmlformats.org/drawingml/2006/main" xmlns:r="http://schemas.openxmlformats.org/officeDocument/2006/relationships" xmlns:p="http://schemas.openxmlformats.org/presentationml/2006/main" preserve="1">
+  <p:cSld name="Cartão de Nome">
+    <p:spTree>
+      <p:nvGrpSpPr>
+        <p:cNvPr id="1" name=""/>
+        <p:cNvGrpSpPr/>
+        <p:nvPr/>
+      </p:nvGrpSpPr>
+      <p:grpSpPr>
+        <a:xfrm>
+          <a:off x="0" y="0"/>
+          <a:ext cx="0" cy="0"/>
+          <a:chOff x="0" y="0"/>
+          <a:chExt cx="0" cy="0"/>
+        </a:xfrm>
+      </p:grpSpPr>
+      <p:sp>
+        <p:nvSpPr>
+          <p:cNvPr id="2" name="Title 1"/>
+          <p:cNvSpPr>
+            <a:spLocks noGrp="1"/>
+          </p:cNvSpPr>
+          <p:nvPr>
+            <p:ph type="title"/>
+          </p:nvPr>
+        </p:nvSpPr>
+        <p:spPr>
+          <a:xfrm>
+            <a:off x="1141412" y="3308581"/>
+            <a:ext cx="9906000" cy="1468800"/>
+          </a:xfrm>
+        </p:spPr>
+        <p:txBody>
+          <a:bodyPr anchor="b">
+            <a:normAutofit/>
+          </a:bodyPr>
+          <a:lstStyle>
+            <a:lvl1pPr algn="l">
+              <a:defRPr sz="3200" b="0" cap="all"/>
+            </a:lvl1pPr>
+          </a:lstStyle>
+          <a:p>
+            <a:r>
+              <a:rPr lang="pt-BR"/>
+              <a:t>Clique para editar o título Mestre</a:t>
+            </a:r>
+            <a:endParaRPr lang="en-US" dirty="0"/>
+          </a:p>
+        </p:txBody>
+      </p:sp>
+      <p:sp>
+        <p:nvSpPr>
+          <p:cNvPr id="3" name="Text Placeholder 2"/>
+          <p:cNvSpPr>
+            <a:spLocks noGrp="1"/>
+          </p:cNvSpPr>
+          <p:nvPr>
+            <p:ph type="body" idx="1"/>
+          </p:nvPr>
+        </p:nvSpPr>
+        <p:spPr>
+          <a:xfrm>
+            <a:off x="1141410" y="4777381"/>
+            <a:ext cx="9906001" cy="860400"/>
+          </a:xfrm>
+        </p:spPr>
+        <p:txBody>
+          <a:bodyPr vert="horz" lIns="91440" tIns="45720" rIns="91440" bIns="45720" rtlCol="0" anchor="t">
+            <a:normAutofit/>
+          </a:bodyPr>
+          <a:lstStyle>
+            <a:lvl1pPr>
+              <a:defRPr lang="en-US" sz="2000">
+                <a:gradFill flip="none" rotWithShape="1">
+                  <a:gsLst>
+                    <a:gs pos="0">
+                      <a:schemeClr val="tx1"/>
+                    </a:gs>
+                    <a:gs pos="100000">
+                      <a:schemeClr val="tx1">
+                        <a:lumMod val="75000"/>
+                      </a:schemeClr>
+                    </a:gs>
+                  </a:gsLst>
+                  <a:lin ang="5400000" scaled="0"/>
+                  <a:tileRect/>
+                </a:gradFill>
+              </a:defRPr>
+            </a:lvl1pPr>
+          </a:lstStyle>
+          <a:p>
+            <a:pPr marL="0" lvl="0" indent="0">
+              <a:buNone/>
+            </a:pPr>
+            <a:r>
+              <a:rPr lang="pt-BR"/>
+              <a:t>Clique para editar os estilos de texto Mestres</a:t>
+            </a:r>
+          </a:p>
+        </p:txBody>
+      </p:sp>
+      <p:sp>
+        <p:nvSpPr>
+          <p:cNvPr id="4" name="Date Placeholder 3"/>
+          <p:cNvSpPr>
+            <a:spLocks noGrp="1"/>
+          </p:cNvSpPr>
+          <p:nvPr>
+            <p:ph type="dt" sz="half" idx="10"/>
+          </p:nvPr>
+        </p:nvSpPr>
+        <p:spPr/>
+        <p:txBody>
+          <a:bodyPr/>
+          <a:lstStyle/>
+          <a:p>
+            <a:fld id="{F55C812C-AE2E-41C6-A51C-F761B30A1A53}" type="datetimeFigureOut">
+              <a:rPr lang="pt-BR" smtClean="0"/>
+              <a:t>12/05/2021</a:t>
+            </a:fld>
+            <a:endParaRPr lang="pt-BR"/>
+          </a:p>
+        </p:txBody>
+      </p:sp>
+      <p:sp>
+        <p:nvSpPr>
+          <p:cNvPr id="5" name="Footer Placeholder 4"/>
+          <p:cNvSpPr>
+            <a:spLocks noGrp="1"/>
+          </p:cNvSpPr>
+          <p:nvPr>
+            <p:ph type="ftr" sz="quarter" idx="11"/>
+          </p:nvPr>
+        </p:nvSpPr>
+        <p:spPr/>
+        <p:txBody>
+          <a:bodyPr/>
+          <a:lstStyle/>
+          <a:p>
+            <a:endParaRPr lang="pt-BR"/>
+          </a:p>
+        </p:txBody>
+      </p:sp>
+      <p:sp>
+        <p:nvSpPr>
+          <p:cNvPr id="6" name="Slide Number Placeholder 5"/>
+          <p:cNvSpPr>
+            <a:spLocks noGrp="1"/>
+          </p:cNvSpPr>
+          <p:nvPr>
+            <p:ph type="sldNum" sz="quarter" idx="12"/>
+          </p:nvPr>
+        </p:nvSpPr>
+        <p:spPr/>
+        <p:txBody>
+          <a:bodyPr/>
+          <a:lstStyle/>
+          <a:p>
+            <a:fld id="{C42A32EA-75FF-4D0D-A5CA-E0BBF4DC8707}" type="slidenum">
+              <a:rPr lang="pt-BR" smtClean="0"/>
+              <a:t>‹nº›</a:t>
+            </a:fld>
+            <a:endParaRPr lang="pt-BR"/>
+          </a:p>
+        </p:txBody>
+      </p:sp>
+    </p:spTree>
+    <p:extLst>
+      <p:ext uri="{BB962C8B-B14F-4D97-AF65-F5344CB8AC3E}">
+        <p14:creationId xmlns:p14="http://schemas.microsoft.com/office/powerpoint/2010/main" val="3857851616"/>
+      </p:ext>
+    </p:extLst>
+  </p:cSld>
+  <p:clrMapOvr>
+    <a:masterClrMapping/>
+  </p:clrMapOvr>
+</p:sldLayout>
+</file>
+
+<file path=ppt/slideLayouts/slideLayout14.xml><?xml version="1.0" encoding="utf-8"?>
+<p:sldLayout xmlns:a="http://schemas.openxmlformats.org/drawingml/2006/main" xmlns:r="http://schemas.openxmlformats.org/officeDocument/2006/relationships" xmlns:p="http://schemas.openxmlformats.org/presentationml/2006/main" preserve="1">
+  <p:cSld name="Citar o Cartão de Nome">
+    <p:spTree>
+      <p:nvGrpSpPr>
+        <p:cNvPr id="1" name=""/>
+        <p:cNvGrpSpPr/>
+        <p:nvPr/>
+      </p:nvGrpSpPr>
+      <p:grpSpPr>
+        <a:xfrm>
+          <a:off x="0" y="0"/>
+          <a:ext cx="0" cy="0"/>
+          <a:chOff x="0" y="0"/>
+          <a:chExt cx="0" cy="0"/>
+        </a:xfrm>
+      </p:grpSpPr>
+      <p:sp>
+        <p:nvSpPr>
+          <p:cNvPr id="14" name="TextBox 13"/>
+          <p:cNvSpPr txBox="1"/>
+          <p:nvPr/>
+        </p:nvSpPr>
+        <p:spPr>
+          <a:xfrm>
+            <a:off x="836612" y="786824"/>
+            <a:ext cx="609600" cy="584776"/>
+          </a:xfrm>
+          <a:prstGeom prst="rect">
+            <a:avLst/>
+          </a:prstGeom>
+        </p:spPr>
+        <p:txBody>
+          <a:bodyPr vert="horz" lIns="91440" tIns="45720" rIns="91440" bIns="45720" rtlCol="0" anchor="ctr">
+            <a:noAutofit/>
+          </a:bodyPr>
+          <a:lstStyle>
+            <a:lvl1pPr>
+              <a:spcBef>
+                <a:spcPct val="0"/>
+              </a:spcBef>
+              <a:buNone/>
+              <a:defRPr sz="3200" b="0" cap="all">
+                <a:ln w="3175" cmpd="sng">
+                  <a:noFill/>
+                </a:ln>
+                <a:effectLst>
+                  <a:glow rad="38100">
+                    <a:schemeClr val="bg1">
+                      <a:lumMod val="65000"/>
+                      <a:lumOff val="35000"/>
+                      <a:alpha val="40000"/>
+                    </a:schemeClr>
+                  </a:glow>
+                  <a:outerShdw blurRad="28575" dist="38100" dir="14040000" algn="tl" rotWithShape="0">
+                    <a:srgbClr val="000000">
+                      <a:alpha val="25000"/>
+                    </a:srgbClr>
+                  </a:outerShdw>
+                </a:effectLst>
+              </a:defRPr>
+            </a:lvl1pPr>
+            <a:lvl2pPr>
+              <a:defRPr>
+                <a:solidFill>
+                  <a:schemeClr val="tx2"/>
+                </a:solidFill>
+              </a:defRPr>
+            </a:lvl2pPr>
+            <a:lvl3pPr>
+              <a:defRPr>
+                <a:solidFill>
+                  <a:schemeClr val="tx2"/>
+                </a:solidFill>
+              </a:defRPr>
+            </a:lvl3pPr>
+            <a:lvl4pPr>
+              <a:defRPr>
+                <a:solidFill>
+                  <a:schemeClr val="tx2"/>
+                </a:solidFill>
+              </a:defRPr>
+            </a:lvl4pPr>
+            <a:lvl5pPr>
+              <a:defRPr>
+                <a:solidFill>
+                  <a:schemeClr val="tx2"/>
+                </a:solidFill>
+              </a:defRPr>
+            </a:lvl5pPr>
+            <a:lvl6pPr>
+              <a:defRPr>
+                <a:solidFill>
+                  <a:schemeClr val="tx2"/>
+                </a:solidFill>
+              </a:defRPr>
+            </a:lvl6pPr>
+            <a:lvl7pPr>
+              <a:defRPr>
+                <a:solidFill>
+                  <a:schemeClr val="tx2"/>
+                </a:solidFill>
+              </a:defRPr>
+            </a:lvl7pPr>
+            <a:lvl8pPr>
+              <a:defRPr>
+                <a:solidFill>
+                  <a:schemeClr val="tx2"/>
+                </a:solidFill>
+              </a:defRPr>
+            </a:lvl8pPr>
+            <a:lvl9pPr>
+              <a:defRPr>
+                <a:solidFill>
+                  <a:schemeClr val="tx2"/>
+                </a:solidFill>
+              </a:defRPr>
+            </a:lvl9pPr>
+          </a:lstStyle>
+          <a:p>
+            <a:pPr lvl="0"/>
+            <a:r>
+              <a:rPr lang="en-US" sz="8000" dirty="0">
+                <a:solidFill>
+                  <a:schemeClr val="accent1"/>
+                </a:solidFill>
+              </a:rPr>
+              <a:t>“</a:t>
+            </a:r>
+          </a:p>
+        </p:txBody>
+      </p:sp>
+      <p:sp>
+        <p:nvSpPr>
+          <p:cNvPr id="15" name="TextBox 14"/>
+          <p:cNvSpPr txBox="1"/>
+          <p:nvPr/>
+        </p:nvSpPr>
+        <p:spPr>
+          <a:xfrm>
+            <a:off x="10437812" y="2743200"/>
+            <a:ext cx="609600" cy="584776"/>
+          </a:xfrm>
+          <a:prstGeom prst="rect">
+            <a:avLst/>
+          </a:prstGeom>
+        </p:spPr>
+        <p:txBody>
+          <a:bodyPr vert="horz" lIns="91440" tIns="45720" rIns="91440" bIns="45720" rtlCol="0" anchor="ctr">
+            <a:noAutofit/>
+          </a:bodyPr>
+          <a:lstStyle>
+            <a:lvl1pPr>
+              <a:spcBef>
+                <a:spcPct val="0"/>
+              </a:spcBef>
+              <a:buNone/>
+              <a:defRPr sz="3200" b="0" cap="all">
+                <a:ln w="3175" cmpd="sng">
+                  <a:noFill/>
+                </a:ln>
+                <a:effectLst>
+                  <a:glow rad="38100">
+                    <a:schemeClr val="bg1">
+                      <a:lumMod val="65000"/>
+                      <a:lumOff val="35000"/>
+                      <a:alpha val="40000"/>
+                    </a:schemeClr>
+                  </a:glow>
+                  <a:outerShdw blurRad="28575" dist="38100" dir="14040000" algn="tl" rotWithShape="0">
+                    <a:srgbClr val="000000">
+                      <a:alpha val="25000"/>
+                    </a:srgbClr>
+                  </a:outerShdw>
+                </a:effectLst>
+              </a:defRPr>
+            </a:lvl1pPr>
+            <a:lvl2pPr>
+              <a:defRPr>
+                <a:solidFill>
+                  <a:schemeClr val="tx2"/>
+                </a:solidFill>
+              </a:defRPr>
+            </a:lvl2pPr>
+            <a:lvl3pPr>
+              <a:defRPr>
+                <a:solidFill>
+                  <a:schemeClr val="tx2"/>
+                </a:solidFill>
+              </a:defRPr>
+            </a:lvl3pPr>
+            <a:lvl4pPr>
+              <a:defRPr>
+                <a:solidFill>
+                  <a:schemeClr val="tx2"/>
+                </a:solidFill>
+              </a:defRPr>
+            </a:lvl4pPr>
+            <a:lvl5pPr>
+              <a:defRPr>
+                <a:solidFill>
+                  <a:schemeClr val="tx2"/>
+                </a:solidFill>
+              </a:defRPr>
+            </a:lvl5pPr>
+            <a:lvl6pPr>
+              <a:defRPr>
+                <a:solidFill>
+                  <a:schemeClr val="tx2"/>
+                </a:solidFill>
+              </a:defRPr>
+            </a:lvl6pPr>
+            <a:lvl7pPr>
+              <a:defRPr>
+                <a:solidFill>
+                  <a:schemeClr val="tx2"/>
+                </a:solidFill>
+              </a:defRPr>
+            </a:lvl7pPr>
+            <a:lvl8pPr>
+              <a:defRPr>
+                <a:solidFill>
+                  <a:schemeClr val="tx2"/>
+                </a:solidFill>
+              </a:defRPr>
+            </a:lvl8pPr>
+            <a:lvl9pPr>
+              <a:defRPr>
+                <a:solidFill>
+                  <a:schemeClr val="tx2"/>
+                </a:solidFill>
+              </a:defRPr>
+            </a:lvl9pPr>
+          </a:lstStyle>
+          <a:p>
+            <a:pPr lvl="0" algn="r"/>
+            <a:r>
+              <a:rPr lang="en-US" sz="8000" dirty="0">
+                <a:solidFill>
+                  <a:schemeClr val="accent1"/>
+                </a:solidFill>
+              </a:rPr>
+              <a:t>”</a:t>
+            </a:r>
+          </a:p>
+        </p:txBody>
+      </p:sp>
+      <p:sp>
+        <p:nvSpPr>
+          <p:cNvPr id="2" name="Title 1"/>
+          <p:cNvSpPr>
+            <a:spLocks noGrp="1"/>
+          </p:cNvSpPr>
+          <p:nvPr>
+            <p:ph type="title"/>
+          </p:nvPr>
+        </p:nvSpPr>
+        <p:spPr>
+          <a:xfrm>
+            <a:off x="1446213" y="609601"/>
+            <a:ext cx="9296398" cy="2743199"/>
+          </a:xfrm>
+        </p:spPr>
+        <p:txBody>
+          <a:bodyPr anchor="ctr">
+            <a:normAutofit/>
+          </a:bodyPr>
+          <a:lstStyle>
+            <a:lvl1pPr algn="l">
+              <a:defRPr sz="3200" b="0" cap="all">
+                <a:gradFill flip="none" rotWithShape="1">
+                  <a:gsLst>
+                    <a:gs pos="0">
+                      <a:schemeClr val="tx1"/>
+                    </a:gs>
+                    <a:gs pos="100000">
+                      <a:schemeClr val="tx1">
+                        <a:lumMod val="75000"/>
+                      </a:schemeClr>
+                    </a:gs>
+                  </a:gsLst>
+                  <a:lin ang="5400000" scaled="0"/>
+                  <a:tileRect/>
+                </a:gradFill>
+              </a:defRPr>
+            </a:lvl1pPr>
+          </a:lstStyle>
+          <a:p>
+            <a:r>
+              <a:rPr lang="pt-BR"/>
+              <a:t>Clique para editar o título Mestre</a:t>
+            </a:r>
+            <a:endParaRPr lang="en-US" dirty="0"/>
+          </a:p>
+        </p:txBody>
+      </p:sp>
+      <p:sp>
+        <p:nvSpPr>
+          <p:cNvPr id="10" name="Text Placeholder 9"/>
+          <p:cNvSpPr>
+            <a:spLocks noGrp="1"/>
+          </p:cNvSpPr>
+          <p:nvPr>
+            <p:ph type="body" sz="quarter" idx="13"/>
+          </p:nvPr>
+        </p:nvSpPr>
+        <p:spPr>
+          <a:xfrm>
+            <a:off x="1141412" y="3886200"/>
+            <a:ext cx="9906000" cy="889000"/>
+          </a:xfrm>
+        </p:spPr>
+        <p:txBody>
+          <a:bodyPr vert="horz" lIns="91440" tIns="45720" rIns="91440" bIns="45720" rtlCol="0" anchor="b">
+            <a:normAutofit/>
+          </a:bodyPr>
+          <a:lstStyle>
+            <a:lvl1pPr>
+              <a:buNone/>
+              <a:defRPr lang="en-US" sz="2400" b="0" cap="all" dirty="0">
+                <a:ln w="3175" cmpd="sng">
+                  <a:noFill/>
+                </a:ln>
+                <a:gradFill flip="none" rotWithShape="1">
+                  <a:gsLst>
+                    <a:gs pos="0">
+                      <a:schemeClr val="tx1"/>
+                    </a:gs>
+                    <a:gs pos="100000">
+                      <a:schemeClr val="tx1">
+                        <a:lumMod val="75000"/>
+                      </a:schemeClr>
+                    </a:gs>
+                  </a:gsLst>
+                  <a:lin ang="5400000" scaled="0"/>
+                  <a:tileRect/>
+                </a:gradFill>
+                <a:effectLst>
+                  <a:glow rad="38100">
+                    <a:schemeClr val="bg1">
+                      <a:lumMod val="65000"/>
+                      <a:lumOff val="35000"/>
+                      <a:alpha val="40000"/>
+                    </a:schemeClr>
+                  </a:glow>
+                  <a:outerShdw blurRad="28575" dist="38100" dir="14040000" algn="tl" rotWithShape="0">
+                    <a:srgbClr val="000000">
+                      <a:alpha val="25000"/>
+                    </a:srgbClr>
+                  </a:outerShdw>
+                </a:effectLst>
+              </a:defRPr>
+            </a:lvl1pPr>
+          </a:lstStyle>
+          <a:p>
+            <a:pPr marL="0" lvl="0">
+              <a:spcBef>
+                <a:spcPct val="0"/>
+              </a:spcBef>
+              <a:buNone/>
+            </a:pPr>
+            <a:r>
+              <a:rPr lang="pt-BR"/>
+              <a:t>Clique para editar os estilos de texto Mestres</a:t>
+            </a:r>
+          </a:p>
+        </p:txBody>
+      </p:sp>
+      <p:sp>
+        <p:nvSpPr>
+          <p:cNvPr id="3" name="Text Placeholder 2"/>
+          <p:cNvSpPr>
+            <a:spLocks noGrp="1"/>
+          </p:cNvSpPr>
+          <p:nvPr>
+            <p:ph type="body" idx="1"/>
+          </p:nvPr>
+        </p:nvSpPr>
+        <p:spPr>
+          <a:xfrm>
+            <a:off x="1141411" y="4775200"/>
+            <a:ext cx="9906000" cy="1016000"/>
+          </a:xfrm>
+        </p:spPr>
+        <p:txBody>
+          <a:bodyPr anchor="t">
+            <a:normAutofit/>
+          </a:bodyPr>
+          <a:lstStyle>
+            <a:lvl1pPr marL="0" indent="0" algn="l">
+              <a:buNone/>
+              <a:defRPr sz="1800">
+                <a:gradFill flip="none" rotWithShape="1">
+                  <a:gsLst>
+                    <a:gs pos="0">
+                      <a:schemeClr val="tx1"/>
+                    </a:gs>
+                    <a:gs pos="100000">
+                      <a:schemeClr val="tx1">
+                        <a:lumMod val="75000"/>
+                      </a:schemeClr>
+                    </a:gs>
+                  </a:gsLst>
+                  <a:lin ang="5400000" scaled="0"/>
+                  <a:tileRect/>
+                </a:gradFill>
+              </a:defRPr>
+            </a:lvl1pPr>
+            <a:lvl2pPr marL="457200" indent="0">
+              <a:buNone/>
+              <a:defRPr sz="1800">
+                <a:solidFill>
+                  <a:schemeClr val="tx1">
+                    <a:tint val="75000"/>
+                  </a:schemeClr>
+                </a:solidFill>
+              </a:defRPr>
+            </a:lvl2pPr>
+            <a:lvl3pPr marL="914400" indent="0">
+              <a:buNone/>
+              <a:defRPr sz="1600">
+                <a:solidFill>
+                  <a:schemeClr val="tx1">
+                    <a:tint val="75000"/>
+                  </a:schemeClr>
+                </a:solidFill>
+              </a:defRPr>
+            </a:lvl3pPr>
+            <a:lvl4pPr marL="1371600" indent="0">
+              <a:buNone/>
+              <a:defRPr sz="1400">
+                <a:solidFill>
+                  <a:schemeClr val="tx1">
+                    <a:tint val="75000"/>
+                  </a:schemeClr>
+                </a:solidFill>
+              </a:defRPr>
+            </a:lvl4pPr>
+            <a:lvl5pPr marL="1828800" indent="0">
+              <a:buNone/>
+              <a:defRPr sz="1400">
+                <a:solidFill>
+                  <a:schemeClr val="tx1">
+                    <a:tint val="75000"/>
+                  </a:schemeClr>
+                </a:solidFill>
+              </a:defRPr>
+            </a:lvl5pPr>
+            <a:lvl6pPr marL="2286000" indent="0">
+              <a:buNone/>
+              <a:defRPr sz="1400">
+                <a:solidFill>
+                  <a:schemeClr val="tx1">
+                    <a:tint val="75000"/>
+                  </a:schemeClr>
+                </a:solidFill>
+              </a:defRPr>
+            </a:lvl6pPr>
+            <a:lvl7pPr marL="2743200" indent="0">
+              <a:buNone/>
+              <a:defRPr sz="1400">
+                <a:solidFill>
+                  <a:schemeClr val="tx1">
+                    <a:tint val="75000"/>
+                  </a:schemeClr>
+                </a:solidFill>
+              </a:defRPr>
+            </a:lvl7pPr>
+            <a:lvl8pPr marL="3200400" indent="0">
+              <a:buNone/>
+              <a:defRPr sz="1400">
+                <a:solidFill>
+                  <a:schemeClr val="tx1">
+                    <a:tint val="75000"/>
+                  </a:schemeClr>
+                </a:solidFill>
+              </a:defRPr>
+            </a:lvl8pPr>
+            <a:lvl9pPr marL="3657600" indent="0">
+              <a:buNone/>
+              <a:defRPr sz="1400">
+                <a:solidFill>
+                  <a:schemeClr val="tx1">
+                    <a:tint val="75000"/>
+                  </a:schemeClr>
+                </a:solidFill>
+              </a:defRPr>
+            </a:lvl9pPr>
+          </a:lstStyle>
+          <a:p>
+            <a:pPr lvl="0"/>
+            <a:r>
+              <a:rPr lang="pt-BR"/>
+              <a:t>Clique para editar os estilos de texto Mestres</a:t>
+            </a:r>
+          </a:p>
+        </p:txBody>
+      </p:sp>
+      <p:sp>
+        <p:nvSpPr>
+          <p:cNvPr id="4" name="Date Placeholder 3"/>
+          <p:cNvSpPr>
+            <a:spLocks noGrp="1"/>
+          </p:cNvSpPr>
+          <p:nvPr>
+            <p:ph type="dt" sz="half" idx="10"/>
+          </p:nvPr>
+        </p:nvSpPr>
+        <p:spPr/>
+        <p:txBody>
+          <a:bodyPr/>
+          <a:lstStyle/>
+          <a:p>
+            <a:fld id="{F55C812C-AE2E-41C6-A51C-F761B30A1A53}" type="datetimeFigureOut">
+              <a:rPr lang="pt-BR" smtClean="0"/>
+              <a:t>12/05/2021</a:t>
+            </a:fld>
+            <a:endParaRPr lang="pt-BR"/>
+          </a:p>
+        </p:txBody>
+      </p:sp>
+      <p:sp>
+        <p:nvSpPr>
+          <p:cNvPr id="5" name="Footer Placeholder 4"/>
+          <p:cNvSpPr>
+            <a:spLocks noGrp="1"/>
+          </p:cNvSpPr>
+          <p:nvPr>
+            <p:ph type="ftr" sz="quarter" idx="11"/>
+          </p:nvPr>
+        </p:nvSpPr>
+        <p:spPr/>
+        <p:txBody>
+          <a:bodyPr/>
+          <a:lstStyle/>
+          <a:p>
+            <a:endParaRPr lang="pt-BR"/>
+          </a:p>
+        </p:txBody>
+      </p:sp>
+      <p:sp>
+        <p:nvSpPr>
+          <p:cNvPr id="6" name="Slide Number Placeholder 5"/>
+          <p:cNvSpPr>
+            <a:spLocks noGrp="1"/>
+          </p:cNvSpPr>
+          <p:nvPr>
+            <p:ph type="sldNum" sz="quarter" idx="12"/>
+          </p:nvPr>
+        </p:nvSpPr>
+        <p:spPr/>
+        <p:txBody>
+          <a:bodyPr/>
+          <a:lstStyle/>
+          <a:p>
+            <a:fld id="{C42A32EA-75FF-4D0D-A5CA-E0BBF4DC8707}" type="slidenum">
+              <a:rPr lang="pt-BR" smtClean="0"/>
+              <a:t>‹nº›</a:t>
+            </a:fld>
+            <a:endParaRPr lang="pt-BR"/>
+          </a:p>
+        </p:txBody>
+      </p:sp>
+    </p:spTree>
+    <p:extLst>
+      <p:ext uri="{BB962C8B-B14F-4D97-AF65-F5344CB8AC3E}">
+        <p14:creationId xmlns:p14="http://schemas.microsoft.com/office/powerpoint/2010/main" val="124027704"/>
+      </p:ext>
+    </p:extLst>
+  </p:cSld>
+  <p:clrMapOvr>
+    <a:masterClrMapping/>
+  </p:clrMapOvr>
+</p:sldLayout>
+</file>
+
+<file path=ppt/slideLayouts/slideLayout15.xml><?xml version="1.0" encoding="utf-8"?>
+<p:sldLayout xmlns:a="http://schemas.openxmlformats.org/drawingml/2006/main" xmlns:r="http://schemas.openxmlformats.org/officeDocument/2006/relationships" xmlns:p="http://schemas.openxmlformats.org/presentationml/2006/main" preserve="1">
+  <p:cSld name="Verdadeiro ou Falso">
+    <p:spTree>
+      <p:nvGrpSpPr>
+        <p:cNvPr id="1" name=""/>
+        <p:cNvGrpSpPr/>
+        <p:nvPr/>
+      </p:nvGrpSpPr>
+      <p:grpSpPr>
+        <a:xfrm>
+          <a:off x="0" y="0"/>
+          <a:ext cx="0" cy="0"/>
+          <a:chOff x="0" y="0"/>
+          <a:chExt cx="0" cy="0"/>
+        </a:xfrm>
+      </p:grpSpPr>
+      <p:sp>
+        <p:nvSpPr>
+          <p:cNvPr id="2" name="Title 1"/>
+          <p:cNvSpPr>
+            <a:spLocks noGrp="1"/>
+          </p:cNvSpPr>
+          <p:nvPr>
+            <p:ph type="title"/>
+          </p:nvPr>
+        </p:nvSpPr>
+        <p:spPr>
+          <a:xfrm>
+            <a:off x="1141412" y="609601"/>
+            <a:ext cx="9905999" cy="2743199"/>
+          </a:xfrm>
+        </p:spPr>
+        <p:txBody>
+          <a:bodyPr vert="horz" lIns="91440" tIns="45720" rIns="91440" bIns="45720" rtlCol="0" anchor="ctr">
+            <a:normAutofit/>
+          </a:bodyPr>
+          <a:lstStyle>
+            <a:lvl1pPr>
+              <a:defRPr lang="en-US" b="0" dirty="0"/>
+            </a:lvl1pPr>
+          </a:lstStyle>
+          <a:p>
+            <a:pPr marL="0" lvl="0"/>
+            <a:r>
+              <a:rPr lang="pt-BR"/>
+              <a:t>Clique para editar o título Mestre</a:t>
+            </a:r>
+            <a:endParaRPr lang="en-US" dirty="0"/>
+          </a:p>
+        </p:txBody>
+      </p:sp>
+      <p:sp>
+        <p:nvSpPr>
+          <p:cNvPr id="10" name="Text Placeholder 9"/>
+          <p:cNvSpPr>
+            <a:spLocks noGrp="1"/>
+          </p:cNvSpPr>
+          <p:nvPr>
+            <p:ph type="body" sz="quarter" idx="13"/>
+          </p:nvPr>
+        </p:nvSpPr>
+        <p:spPr>
+          <a:xfrm>
+            <a:off x="1141412" y="3505200"/>
+            <a:ext cx="9906000" cy="838200"/>
+          </a:xfrm>
+        </p:spPr>
+        <p:txBody>
+          <a:bodyPr vert="horz" lIns="91440" tIns="45720" rIns="91440" bIns="45720" rtlCol="0" anchor="b">
+            <a:normAutofit/>
+          </a:bodyPr>
+          <a:lstStyle>
+            <a:lvl1pPr>
+              <a:buNone/>
+              <a:defRPr lang="en-US" sz="2800" b="0" cap="all" dirty="0">
+                <a:ln w="3175" cmpd="sng">
+                  <a:noFill/>
+                </a:ln>
+                <a:gradFill flip="none" rotWithShape="1">
+                  <a:gsLst>
+                    <a:gs pos="0">
+                      <a:schemeClr val="tx1"/>
+                    </a:gs>
+                    <a:gs pos="100000">
+                      <a:schemeClr val="tx1">
+                        <a:lumMod val="75000"/>
+                      </a:schemeClr>
+                    </a:gs>
+                  </a:gsLst>
+                  <a:lin ang="5400000" scaled="0"/>
+                  <a:tileRect/>
+                </a:gradFill>
+                <a:effectLst>
+                  <a:glow rad="38100">
+                    <a:schemeClr val="bg1">
+                      <a:lumMod val="65000"/>
+                      <a:lumOff val="35000"/>
+                      <a:alpha val="40000"/>
+                    </a:schemeClr>
+                  </a:glow>
+                  <a:outerShdw blurRad="28575" dist="38100" dir="14040000" algn="tl" rotWithShape="0">
+                    <a:srgbClr val="000000">
+                      <a:alpha val="25000"/>
+                    </a:srgbClr>
+                  </a:outerShdw>
+                </a:effectLst>
+              </a:defRPr>
+            </a:lvl1pPr>
+          </a:lstStyle>
+          <a:p>
+            <a:pPr marL="0" lvl="0">
+              <a:spcBef>
+                <a:spcPct val="0"/>
+              </a:spcBef>
+              <a:buNone/>
+            </a:pPr>
+            <a:r>
+              <a:rPr lang="pt-BR"/>
+              <a:t>Clique para editar os estilos de texto Mestres</a:t>
+            </a:r>
+          </a:p>
+        </p:txBody>
+      </p:sp>
+      <p:sp>
+        <p:nvSpPr>
+          <p:cNvPr id="3" name="Text Placeholder 2"/>
+          <p:cNvSpPr>
+            <a:spLocks noGrp="1"/>
+          </p:cNvSpPr>
+          <p:nvPr>
+            <p:ph type="body" idx="1"/>
+          </p:nvPr>
+        </p:nvSpPr>
+        <p:spPr>
+          <a:xfrm>
+            <a:off x="1141411" y="4343400"/>
+            <a:ext cx="9906000" cy="1447800"/>
+          </a:xfrm>
+        </p:spPr>
+        <p:txBody>
+          <a:bodyPr anchor="t">
+            <a:normAutofit/>
+          </a:bodyPr>
+          <a:lstStyle>
+            <a:lvl1pPr marL="0" indent="0" algn="l">
+              <a:buNone/>
+              <a:defRPr sz="1800">
+                <a:gradFill flip="none" rotWithShape="1">
+                  <a:gsLst>
+                    <a:gs pos="0">
+                      <a:schemeClr val="tx1"/>
+                    </a:gs>
+                    <a:gs pos="100000">
+                      <a:schemeClr val="tx1">
+                        <a:lumMod val="75000"/>
+                      </a:schemeClr>
+                    </a:gs>
+                  </a:gsLst>
+                  <a:lin ang="5400000" scaled="0"/>
+                  <a:tileRect/>
+                </a:gradFill>
+              </a:defRPr>
+            </a:lvl1pPr>
+            <a:lvl2pPr marL="457200" indent="0">
+              <a:buNone/>
+              <a:defRPr sz="1800">
+                <a:solidFill>
+                  <a:schemeClr val="tx1">
+                    <a:tint val="75000"/>
+                  </a:schemeClr>
+                </a:solidFill>
+              </a:defRPr>
+            </a:lvl2pPr>
+            <a:lvl3pPr marL="914400" indent="0">
+              <a:buNone/>
+              <a:defRPr sz="1600">
+                <a:solidFill>
+                  <a:schemeClr val="tx1">
+                    <a:tint val="75000"/>
+                  </a:schemeClr>
+                </a:solidFill>
+              </a:defRPr>
+            </a:lvl3pPr>
+            <a:lvl4pPr marL="1371600" indent="0">
+              <a:buNone/>
+              <a:defRPr sz="1400">
+                <a:solidFill>
+                  <a:schemeClr val="tx1">
+                    <a:tint val="75000"/>
+                  </a:schemeClr>
+                </a:solidFill>
+              </a:defRPr>
+            </a:lvl4pPr>
+            <a:lvl5pPr marL="1828800" indent="0">
+              <a:buNone/>
+              <a:defRPr sz="1400">
+                <a:solidFill>
+                  <a:schemeClr val="tx1">
+                    <a:tint val="75000"/>
+                  </a:schemeClr>
+                </a:solidFill>
+              </a:defRPr>
+            </a:lvl5pPr>
+            <a:lvl6pPr marL="2286000" indent="0">
+              <a:buNone/>
+              <a:defRPr sz="1400">
+                <a:solidFill>
+                  <a:schemeClr val="tx1">
+                    <a:tint val="75000"/>
+                  </a:schemeClr>
+                </a:solidFill>
+              </a:defRPr>
+            </a:lvl6pPr>
+            <a:lvl7pPr marL="2743200" indent="0">
+              <a:buNone/>
+              <a:defRPr sz="1400">
+                <a:solidFill>
+                  <a:schemeClr val="tx1">
+                    <a:tint val="75000"/>
+                  </a:schemeClr>
+                </a:solidFill>
+              </a:defRPr>
+            </a:lvl7pPr>
+            <a:lvl8pPr marL="3200400" indent="0">
+              <a:buNone/>
+              <a:defRPr sz="1400">
+                <a:solidFill>
+                  <a:schemeClr val="tx1">
+                    <a:tint val="75000"/>
+                  </a:schemeClr>
+                </a:solidFill>
+              </a:defRPr>
+            </a:lvl8pPr>
+            <a:lvl9pPr marL="3657600" indent="0">
+              <a:buNone/>
+              <a:defRPr sz="1400">
+                <a:solidFill>
+                  <a:schemeClr val="tx1">
+                    <a:tint val="75000"/>
+                  </a:schemeClr>
+                </a:solidFill>
+              </a:defRPr>
+            </a:lvl9pPr>
+          </a:lstStyle>
+          <a:p>
+            <a:pPr lvl="0"/>
+            <a:r>
+              <a:rPr lang="pt-BR"/>
+              <a:t>Clique para editar os estilos de texto Mestres</a:t>
+            </a:r>
+          </a:p>
+        </p:txBody>
+      </p:sp>
+      <p:sp>
+        <p:nvSpPr>
+          <p:cNvPr id="4" name="Date Placeholder 3"/>
+          <p:cNvSpPr>
+            <a:spLocks noGrp="1"/>
+          </p:cNvSpPr>
+          <p:nvPr>
+            <p:ph type="dt" sz="half" idx="10"/>
+          </p:nvPr>
+        </p:nvSpPr>
+        <p:spPr/>
+        <p:txBody>
+          <a:bodyPr/>
+          <a:lstStyle/>
+          <a:p>
+            <a:fld id="{F55C812C-AE2E-41C6-A51C-F761B30A1A53}" type="datetimeFigureOut">
+              <a:rPr lang="pt-BR" smtClean="0"/>
+              <a:t>12/05/2021</a:t>
+            </a:fld>
+            <a:endParaRPr lang="pt-BR"/>
+          </a:p>
+        </p:txBody>
+      </p:sp>
+      <p:sp>
+        <p:nvSpPr>
+          <p:cNvPr id="5" name="Footer Placeholder 4"/>
+          <p:cNvSpPr>
+            <a:spLocks noGrp="1"/>
+          </p:cNvSpPr>
+          <p:nvPr>
+            <p:ph type="ftr" sz="quarter" idx="11"/>
+          </p:nvPr>
+        </p:nvSpPr>
+        <p:spPr/>
+        <p:txBody>
+          <a:bodyPr/>
+          <a:lstStyle/>
+          <a:p>
+            <a:endParaRPr lang="pt-BR"/>
+          </a:p>
+        </p:txBody>
+      </p:sp>
+      <p:sp>
+        <p:nvSpPr>
+          <p:cNvPr id="6" name="Slide Number Placeholder 5"/>
+          <p:cNvSpPr>
+            <a:spLocks noGrp="1"/>
+          </p:cNvSpPr>
+          <p:nvPr>
+            <p:ph type="sldNum" sz="quarter" idx="12"/>
+          </p:nvPr>
+        </p:nvSpPr>
+        <p:spPr/>
+        <p:txBody>
+          <a:bodyPr/>
+          <a:lstStyle/>
+          <a:p>
+            <a:fld id="{C42A32EA-75FF-4D0D-A5CA-E0BBF4DC8707}" type="slidenum">
+              <a:rPr lang="pt-BR" smtClean="0"/>
+              <a:t>‹nº›</a:t>
+            </a:fld>
+            <a:endParaRPr lang="pt-BR"/>
+          </a:p>
+        </p:txBody>
+      </p:sp>
+    </p:spTree>
+    <p:extLst>
+      <p:ext uri="{BB962C8B-B14F-4D97-AF65-F5344CB8AC3E}">
+        <p14:creationId xmlns:p14="http://schemas.microsoft.com/office/powerpoint/2010/main" val="1226735101"/>
+      </p:ext>
+    </p:extLst>
+  </p:cSld>
+  <p:clrMapOvr>
+    <a:masterClrMapping/>
+  </p:clrMapOvr>
+</p:sldLayout>
+</file>
+
+<file path=ppt/slideLayouts/slideLayout16.xml><?xml version="1.0" encoding="utf-8"?>
 <p:sldLayout xmlns:a="http://schemas.openxmlformats.org/drawingml/2006/main" xmlns:r="http://schemas.openxmlformats.org/officeDocument/2006/relationships" xmlns:p="http://schemas.openxmlformats.org/presentationml/2006/main" type="vertTx" preserve="1">
   <p:cSld name="Título e Texto Vertical">
     <p:spTree>
@@ -348,13 +2517,7 @@
       </p:grpSpPr>
       <p:sp>
         <p:nvSpPr>
-          <p:cNvPr id="2" name="Título 1">
-            <a:extLst>
-              <a:ext uri="{FF2B5EF4-FFF2-40B4-BE49-F238E27FC236}">
-                <a16:creationId xmlns:a16="http://schemas.microsoft.com/office/drawing/2014/main" id="{FC61C19E-3B04-4A70-A537-470B97343FCD}"/>
-              </a:ext>
-            </a:extLst>
-          </p:cNvPr>
+          <p:cNvPr id="7" name="Title 1"/>
           <p:cNvSpPr>
             <a:spLocks noGrp="1"/>
           </p:cNvSpPr>
@@ -362,7 +2525,12 @@
             <p:ph type="title"/>
           </p:nvPr>
         </p:nvSpPr>
-        <p:spPr/>
+        <p:spPr>
+          <a:xfrm>
+            <a:off x="1141413" y="609600"/>
+            <a:ext cx="9905998" cy="1905000"/>
+          </a:xfrm>
+        </p:spPr>
         <p:txBody>
           <a:bodyPr/>
           <a:lstStyle/>
@@ -371,18 +2539,13 @@
               <a:rPr lang="pt-BR"/>
               <a:t>Clique para editar o título Mestre</a:t>
             </a:r>
-          </a:p>
-        </p:txBody>
-      </p:sp>
-      <p:sp>
-        <p:nvSpPr>
-          <p:cNvPr id="3" name="Espaço Reservado para Texto Vertical 2">
-            <a:extLst>
-              <a:ext uri="{FF2B5EF4-FFF2-40B4-BE49-F238E27FC236}">
-                <a16:creationId xmlns:a16="http://schemas.microsoft.com/office/drawing/2014/main" id="{49C2DD63-5A23-4B89-8795-415E036C4CCB}"/>
-              </a:ext>
-            </a:extLst>
-          </p:cNvPr>
+            <a:endParaRPr lang="en-US" dirty="0"/>
+          </a:p>
+        </p:txBody>
+      </p:sp>
+      <p:sp>
+        <p:nvSpPr>
+          <p:cNvPr id="3" name="Vertical Text Placeholder 2"/>
           <p:cNvSpPr>
             <a:spLocks noGrp="1"/>
           </p:cNvSpPr>
@@ -392,7 +2555,7 @@
         </p:nvSpPr>
         <p:spPr/>
         <p:txBody>
-          <a:bodyPr vert="eaVert"/>
+          <a:bodyPr vert="eaVert" anchor="t"/>
           <a:lstStyle/>
           <a:p>
             <a:pPr lvl="0"/>
@@ -428,18 +2591,13 @@
               <a:rPr lang="pt-BR"/>
               <a:t>Quinto nível</a:t>
             </a:r>
-          </a:p>
-        </p:txBody>
-      </p:sp>
-      <p:sp>
-        <p:nvSpPr>
-          <p:cNvPr id="4" name="Espaço Reservado para Data 3">
-            <a:extLst>
-              <a:ext uri="{FF2B5EF4-FFF2-40B4-BE49-F238E27FC236}">
-                <a16:creationId xmlns:a16="http://schemas.microsoft.com/office/drawing/2014/main" id="{42BDD232-7F86-4433-9FAE-1D113A05696A}"/>
-              </a:ext>
-            </a:extLst>
-          </p:cNvPr>
+            <a:endParaRPr lang="en-US" dirty="0"/>
+          </a:p>
+        </p:txBody>
+      </p:sp>
+      <p:sp>
+        <p:nvSpPr>
+          <p:cNvPr id="4" name="Date Placeholder 3"/>
           <p:cNvSpPr>
             <a:spLocks noGrp="1"/>
           </p:cNvSpPr>
@@ -462,13 +2620,7 @@
       </p:sp>
       <p:sp>
         <p:nvSpPr>
-          <p:cNvPr id="5" name="Espaço Reservado para Rodapé 4">
-            <a:extLst>
-              <a:ext uri="{FF2B5EF4-FFF2-40B4-BE49-F238E27FC236}">
-                <a16:creationId xmlns:a16="http://schemas.microsoft.com/office/drawing/2014/main" id="{630C465E-53BC-4DD3-BEAF-0A7FEABFDD63}"/>
-              </a:ext>
-            </a:extLst>
-          </p:cNvPr>
+          <p:cNvPr id="5" name="Footer Placeholder 4"/>
           <p:cNvSpPr>
             <a:spLocks noGrp="1"/>
           </p:cNvSpPr>
@@ -487,13 +2639,7 @@
       </p:sp>
       <p:sp>
         <p:nvSpPr>
-          <p:cNvPr id="6" name="Espaço Reservado para Número de Slide 5">
-            <a:extLst>
-              <a:ext uri="{FF2B5EF4-FFF2-40B4-BE49-F238E27FC236}">
-                <a16:creationId xmlns:a16="http://schemas.microsoft.com/office/drawing/2014/main" id="{FB9C6CD3-4955-41F2-A1E9-C2209A9546A4}"/>
-              </a:ext>
-            </a:extLst>
-          </p:cNvPr>
+          <p:cNvPr id="6" name="Slide Number Placeholder 5"/>
           <p:cNvSpPr>
             <a:spLocks noGrp="1"/>
           </p:cNvSpPr>
@@ -517,7 +2663,7 @@
     </p:spTree>
     <p:extLst>
       <p:ext uri="{BB962C8B-B14F-4D97-AF65-F5344CB8AC3E}">
-        <p14:creationId xmlns:p14="http://schemas.microsoft.com/office/powerpoint/2010/main" val="207124822"/>
+        <p14:creationId xmlns:p14="http://schemas.microsoft.com/office/powerpoint/2010/main" val="3047371412"/>
       </p:ext>
     </p:extLst>
   </p:cSld>
@@ -527,7 +2673,7 @@
 </p:sldLayout>
 </file>
 
-<file path=ppt/slideLayouts/slideLayout11.xml><?xml version="1.0" encoding="utf-8"?>
+<file path=ppt/slideLayouts/slideLayout17.xml><?xml version="1.0" encoding="utf-8"?>
 <p:sldLayout xmlns:a="http://schemas.openxmlformats.org/drawingml/2006/main" xmlns:r="http://schemas.openxmlformats.org/officeDocument/2006/relationships" xmlns:p="http://schemas.openxmlformats.org/presentationml/2006/main" type="vertTitleAndTx" preserve="1">
   <p:cSld name="Texto e Título Vertical">
     <p:spTree>
@@ -546,13 +2692,7 @@
       </p:grpSpPr>
       <p:sp>
         <p:nvSpPr>
-          <p:cNvPr id="2" name="Título Vertical 1">
-            <a:extLst>
-              <a:ext uri="{FF2B5EF4-FFF2-40B4-BE49-F238E27FC236}">
-                <a16:creationId xmlns:a16="http://schemas.microsoft.com/office/drawing/2014/main" id="{39A353C4-5994-4371-BB42-6BF4C80010E7}"/>
-              </a:ext>
-            </a:extLst>
-          </p:cNvPr>
+          <p:cNvPr id="2" name="Vertical Title 1"/>
           <p:cNvSpPr>
             <a:spLocks noGrp="1"/>
           </p:cNvSpPr>
@@ -562,8 +2702,8 @@
         </p:nvSpPr>
         <p:spPr>
           <a:xfrm>
-            <a:off x="8724900" y="365125"/>
-            <a:ext cx="2628900" cy="5811838"/>
+            <a:off x="8836898" y="609599"/>
+            <a:ext cx="2210514" cy="5181601"/>
           </a:xfrm>
         </p:spPr>
         <p:txBody>
@@ -574,18 +2714,13 @@
               <a:rPr lang="pt-BR"/>
               <a:t>Clique para editar o título Mestre</a:t>
             </a:r>
-          </a:p>
-        </p:txBody>
-      </p:sp>
-      <p:sp>
-        <p:nvSpPr>
-          <p:cNvPr id="3" name="Espaço Reservado para Texto Vertical 2">
-            <a:extLst>
-              <a:ext uri="{FF2B5EF4-FFF2-40B4-BE49-F238E27FC236}">
-                <a16:creationId xmlns:a16="http://schemas.microsoft.com/office/drawing/2014/main" id="{F9C48BE8-716A-4932-AB3F-125FE90098F0}"/>
-              </a:ext>
-            </a:extLst>
-          </p:cNvPr>
+            <a:endParaRPr lang="en-US" dirty="0"/>
+          </a:p>
+        </p:txBody>
+      </p:sp>
+      <p:sp>
+        <p:nvSpPr>
+          <p:cNvPr id="3" name="Vertical Text Placeholder 2"/>
           <p:cNvSpPr>
             <a:spLocks noGrp="1"/>
           </p:cNvSpPr>
@@ -595,12 +2730,12 @@
         </p:nvSpPr>
         <p:spPr>
           <a:xfrm>
-            <a:off x="838200" y="365125"/>
-            <a:ext cx="7734300" cy="5811838"/>
+            <a:off x="1141412" y="609600"/>
+            <a:ext cx="7543800" cy="5181600"/>
           </a:xfrm>
         </p:spPr>
         <p:txBody>
-          <a:bodyPr vert="eaVert"/>
+          <a:bodyPr vert="eaVert" anchor="t"/>
           <a:lstStyle/>
           <a:p>
             <a:pPr lvl="0"/>
@@ -636,18 +2771,13 @@
               <a:rPr lang="pt-BR"/>
               <a:t>Quinto nível</a:t>
             </a:r>
-          </a:p>
-        </p:txBody>
-      </p:sp>
-      <p:sp>
-        <p:nvSpPr>
-          <p:cNvPr id="4" name="Espaço Reservado para Data 3">
-            <a:extLst>
-              <a:ext uri="{FF2B5EF4-FFF2-40B4-BE49-F238E27FC236}">
-                <a16:creationId xmlns:a16="http://schemas.microsoft.com/office/drawing/2014/main" id="{B7A6D7AC-F81F-4A22-A517-894770A2DFB8}"/>
-              </a:ext>
-            </a:extLst>
-          </p:cNvPr>
+            <a:endParaRPr lang="en-US" dirty="0"/>
+          </a:p>
+        </p:txBody>
+      </p:sp>
+      <p:sp>
+        <p:nvSpPr>
+          <p:cNvPr id="4" name="Date Placeholder 3"/>
           <p:cNvSpPr>
             <a:spLocks noGrp="1"/>
           </p:cNvSpPr>
@@ -670,13 +2800,7 @@
       </p:sp>
       <p:sp>
         <p:nvSpPr>
-          <p:cNvPr id="5" name="Espaço Reservado para Rodapé 4">
-            <a:extLst>
-              <a:ext uri="{FF2B5EF4-FFF2-40B4-BE49-F238E27FC236}">
-                <a16:creationId xmlns:a16="http://schemas.microsoft.com/office/drawing/2014/main" id="{4573408E-B7FA-482B-AB01-348DE53A59A0}"/>
-              </a:ext>
-            </a:extLst>
-          </p:cNvPr>
+          <p:cNvPr id="5" name="Footer Placeholder 4"/>
           <p:cNvSpPr>
             <a:spLocks noGrp="1"/>
           </p:cNvSpPr>
@@ -695,13 +2819,7 @@
       </p:sp>
       <p:sp>
         <p:nvSpPr>
-          <p:cNvPr id="6" name="Espaço Reservado para Número de Slide 5">
-            <a:extLst>
-              <a:ext uri="{FF2B5EF4-FFF2-40B4-BE49-F238E27FC236}">
-                <a16:creationId xmlns:a16="http://schemas.microsoft.com/office/drawing/2014/main" id="{E57695E9-2E64-4CA5-AF42-8387A1237CA4}"/>
-              </a:ext>
-            </a:extLst>
-          </p:cNvPr>
+          <p:cNvPr id="6" name="Slide Number Placeholder 5"/>
           <p:cNvSpPr>
             <a:spLocks noGrp="1"/>
           </p:cNvSpPr>
@@ -725,7 +2843,7 @@
     </p:spTree>
     <p:extLst>
       <p:ext uri="{BB962C8B-B14F-4D97-AF65-F5344CB8AC3E}">
-        <p14:creationId xmlns:p14="http://schemas.microsoft.com/office/powerpoint/2010/main" val="2052087339"/>
+        <p14:creationId xmlns:p14="http://schemas.microsoft.com/office/powerpoint/2010/main" val="1890149845"/>
       </p:ext>
     </p:extLst>
   </p:cSld>
@@ -754,13 +2872,7 @@
       </p:grpSpPr>
       <p:sp>
         <p:nvSpPr>
-          <p:cNvPr id="2" name="Título 1">
-            <a:extLst>
-              <a:ext uri="{FF2B5EF4-FFF2-40B4-BE49-F238E27FC236}">
-                <a16:creationId xmlns:a16="http://schemas.microsoft.com/office/drawing/2014/main" id="{42731349-D0AE-479F-BD6B-C986EA072040}"/>
-              </a:ext>
-            </a:extLst>
-          </p:cNvPr>
+          <p:cNvPr id="2" name="Title 1"/>
           <p:cNvSpPr>
             <a:spLocks noGrp="1"/>
           </p:cNvSpPr>
@@ -777,18 +2889,13 @@
               <a:rPr lang="pt-BR"/>
               <a:t>Clique para editar o título Mestre</a:t>
             </a:r>
-          </a:p>
-        </p:txBody>
-      </p:sp>
-      <p:sp>
-        <p:nvSpPr>
-          <p:cNvPr id="3" name="Espaço Reservado para Conteúdo 2">
-            <a:extLst>
-              <a:ext uri="{FF2B5EF4-FFF2-40B4-BE49-F238E27FC236}">
-                <a16:creationId xmlns:a16="http://schemas.microsoft.com/office/drawing/2014/main" id="{FD29F282-439C-421C-A120-D5E451A3E40D}"/>
-              </a:ext>
-            </a:extLst>
-          </p:cNvPr>
+            <a:endParaRPr lang="en-US" dirty="0"/>
+          </a:p>
+        </p:txBody>
+      </p:sp>
+      <p:sp>
+        <p:nvSpPr>
+          <p:cNvPr id="3" name="Content Placeholder 2"/>
           <p:cNvSpPr>
             <a:spLocks noGrp="1"/>
           </p:cNvSpPr>
@@ -798,7 +2905,7 @@
         </p:nvSpPr>
         <p:spPr/>
         <p:txBody>
-          <a:bodyPr/>
+          <a:bodyPr anchor="ctr"/>
           <a:lstStyle/>
           <a:p>
             <a:pPr lvl="0"/>
@@ -834,18 +2941,13 @@
               <a:rPr lang="pt-BR"/>
               <a:t>Quinto nível</a:t>
             </a:r>
-          </a:p>
-        </p:txBody>
-      </p:sp>
-      <p:sp>
-        <p:nvSpPr>
-          <p:cNvPr id="4" name="Espaço Reservado para Data 3">
-            <a:extLst>
-              <a:ext uri="{FF2B5EF4-FFF2-40B4-BE49-F238E27FC236}">
-                <a16:creationId xmlns:a16="http://schemas.microsoft.com/office/drawing/2014/main" id="{67F7F5EF-8283-4476-B2B7-3264E8835761}"/>
-              </a:ext>
-            </a:extLst>
-          </p:cNvPr>
+            <a:endParaRPr lang="en-US" dirty="0"/>
+          </a:p>
+        </p:txBody>
+      </p:sp>
+      <p:sp>
+        <p:nvSpPr>
+          <p:cNvPr id="4" name="Date Placeholder 3"/>
           <p:cNvSpPr>
             <a:spLocks noGrp="1"/>
           </p:cNvSpPr>
@@ -868,13 +2970,7 @@
       </p:sp>
       <p:sp>
         <p:nvSpPr>
-          <p:cNvPr id="5" name="Espaço Reservado para Rodapé 4">
-            <a:extLst>
-              <a:ext uri="{FF2B5EF4-FFF2-40B4-BE49-F238E27FC236}">
-                <a16:creationId xmlns:a16="http://schemas.microsoft.com/office/drawing/2014/main" id="{BEB68B6D-4AA4-45AD-BCF0-77A35F25806D}"/>
-              </a:ext>
-            </a:extLst>
-          </p:cNvPr>
+          <p:cNvPr id="5" name="Footer Placeholder 4"/>
           <p:cNvSpPr>
             <a:spLocks noGrp="1"/>
           </p:cNvSpPr>
@@ -893,13 +2989,7 @@
       </p:sp>
       <p:sp>
         <p:nvSpPr>
-          <p:cNvPr id="6" name="Espaço Reservado para Número de Slide 5">
-            <a:extLst>
-              <a:ext uri="{FF2B5EF4-FFF2-40B4-BE49-F238E27FC236}">
-                <a16:creationId xmlns:a16="http://schemas.microsoft.com/office/drawing/2014/main" id="{7E3381E7-B65F-44CB-86FD-83A96D76A9BE}"/>
-              </a:ext>
-            </a:extLst>
-          </p:cNvPr>
+          <p:cNvPr id="6" name="Slide Number Placeholder 5"/>
           <p:cNvSpPr>
             <a:spLocks noGrp="1"/>
           </p:cNvSpPr>
@@ -923,7 +3013,7 @@
     </p:spTree>
     <p:extLst>
       <p:ext uri="{BB962C8B-B14F-4D97-AF65-F5344CB8AC3E}">
-        <p14:creationId xmlns:p14="http://schemas.microsoft.com/office/powerpoint/2010/main" val="3162163667"/>
+        <p14:creationId xmlns:p14="http://schemas.microsoft.com/office/powerpoint/2010/main" val="2110448328"/>
       </p:ext>
     </p:extLst>
   </p:cSld>
@@ -952,13 +3042,7 @@
       </p:grpSpPr>
       <p:sp>
         <p:nvSpPr>
-          <p:cNvPr id="2" name="Título 1">
-            <a:extLst>
-              <a:ext uri="{FF2B5EF4-FFF2-40B4-BE49-F238E27FC236}">
-                <a16:creationId xmlns:a16="http://schemas.microsoft.com/office/drawing/2014/main" id="{BEAA4BEE-AD7D-4816-ADF3-115FE8BCD8A9}"/>
-              </a:ext>
-            </a:extLst>
-          </p:cNvPr>
+          <p:cNvPr id="2" name="Title 1"/>
           <p:cNvSpPr>
             <a:spLocks noGrp="1"/>
           </p:cNvSpPr>
@@ -968,15 +3052,15 @@
         </p:nvSpPr>
         <p:spPr>
           <a:xfrm>
-            <a:off x="831850" y="1709738"/>
-            <a:ext cx="10515600" cy="2852737"/>
+            <a:off x="1751013" y="3308581"/>
+            <a:ext cx="8686800" cy="1468800"/>
           </a:xfrm>
         </p:spPr>
         <p:txBody>
           <a:bodyPr anchor="b"/>
           <a:lstStyle>
-            <a:lvl1pPr>
-              <a:defRPr sz="6000"/>
+            <a:lvl1pPr algn="r">
+              <a:defRPr sz="4000" b="0" cap="all"/>
             </a:lvl1pPr>
           </a:lstStyle>
           <a:p>
@@ -984,18 +3068,13 @@
               <a:rPr lang="pt-BR"/>
               <a:t>Clique para editar o título Mestre</a:t>
             </a:r>
-          </a:p>
-        </p:txBody>
-      </p:sp>
-      <p:sp>
-        <p:nvSpPr>
-          <p:cNvPr id="3" name="Espaço Reservado para Texto 2">
-            <a:extLst>
-              <a:ext uri="{FF2B5EF4-FFF2-40B4-BE49-F238E27FC236}">
-                <a16:creationId xmlns:a16="http://schemas.microsoft.com/office/drawing/2014/main" id="{1EDAE38C-E117-4F1D-AF4F-6416854E9533}"/>
-              </a:ext>
-            </a:extLst>
-          </p:cNvPr>
+            <a:endParaRPr lang="en-US" dirty="0"/>
+          </a:p>
+        </p:txBody>
+      </p:sp>
+      <p:sp>
+        <p:nvSpPr>
+          <p:cNvPr id="3" name="Text Placeholder 2"/>
           <p:cNvSpPr>
             <a:spLocks noGrp="1"/>
           </p:cNvSpPr>
@@ -1005,102 +3084,113 @@
         </p:nvSpPr>
         <p:spPr>
           <a:xfrm>
-            <a:off x="831850" y="4589463"/>
-            <a:ext cx="10515600" cy="1500187"/>
+            <a:off x="1751011" y="4777381"/>
+            <a:ext cx="8686801" cy="860400"/>
           </a:xfrm>
         </p:spPr>
         <p:txBody>
-          <a:bodyPr/>
+          <a:bodyPr anchor="t">
+            <a:normAutofit/>
+          </a:bodyPr>
           <a:lstStyle>
-            <a:lvl1pPr marL="0" indent="0">
-              <a:buNone/>
-              <a:defRPr sz="2400">
+            <a:lvl1pPr marL="0" indent="0" algn="r">
+              <a:buNone/>
+              <a:defRPr sz="2000">
+                <a:gradFill flip="none" rotWithShape="1">
+                  <a:gsLst>
+                    <a:gs pos="0">
+                      <a:schemeClr val="tx1"/>
+                    </a:gs>
+                    <a:gs pos="100000">
+                      <a:schemeClr val="tx1">
+                        <a:lumMod val="75000"/>
+                      </a:schemeClr>
+                    </a:gs>
+                  </a:gsLst>
+                  <a:lin ang="5400000" scaled="0"/>
+                  <a:tileRect/>
+                </a:gradFill>
+              </a:defRPr>
+            </a:lvl1pPr>
+            <a:lvl2pPr marL="457200" indent="0">
+              <a:buNone/>
+              <a:defRPr sz="1800">
                 <a:solidFill>
                   <a:schemeClr val="tx1">
                     <a:tint val="75000"/>
                   </a:schemeClr>
                 </a:solidFill>
               </a:defRPr>
-            </a:lvl1pPr>
-            <a:lvl2pPr marL="457200" indent="0">
-              <a:buNone/>
-              <a:defRPr sz="2000">
+            </a:lvl2pPr>
+            <a:lvl3pPr marL="914400" indent="0">
+              <a:buNone/>
+              <a:defRPr sz="1600">
                 <a:solidFill>
                   <a:schemeClr val="tx1">
                     <a:tint val="75000"/>
                   </a:schemeClr>
                 </a:solidFill>
               </a:defRPr>
-            </a:lvl2pPr>
-            <a:lvl3pPr marL="914400" indent="0">
-              <a:buNone/>
-              <a:defRPr sz="1800">
+            </a:lvl3pPr>
+            <a:lvl4pPr marL="1371600" indent="0">
+              <a:buNone/>
+              <a:defRPr sz="1400">
                 <a:solidFill>
                   <a:schemeClr val="tx1">
                     <a:tint val="75000"/>
                   </a:schemeClr>
                 </a:solidFill>
               </a:defRPr>
-            </a:lvl3pPr>
-            <a:lvl4pPr marL="1371600" indent="0">
-              <a:buNone/>
-              <a:defRPr sz="1600">
+            </a:lvl4pPr>
+            <a:lvl5pPr marL="1828800" indent="0">
+              <a:buNone/>
+              <a:defRPr sz="1400">
                 <a:solidFill>
                   <a:schemeClr val="tx1">
                     <a:tint val="75000"/>
                   </a:schemeClr>
                 </a:solidFill>
               </a:defRPr>
-            </a:lvl4pPr>
-            <a:lvl5pPr marL="1828800" indent="0">
-              <a:buNone/>
-              <a:defRPr sz="1600">
+            </a:lvl5pPr>
+            <a:lvl6pPr marL="2286000" indent="0">
+              <a:buNone/>
+              <a:defRPr sz="1400">
                 <a:solidFill>
                   <a:schemeClr val="tx1">
                     <a:tint val="75000"/>
                   </a:schemeClr>
                 </a:solidFill>
               </a:defRPr>
-            </a:lvl5pPr>
-            <a:lvl6pPr marL="2286000" indent="0">
-              <a:buNone/>
-              <a:defRPr sz="1600">
+            </a:lvl6pPr>
+            <a:lvl7pPr marL="2743200" indent="0">
+              <a:buNone/>
+              <a:defRPr sz="1400">
                 <a:solidFill>
                   <a:schemeClr val="tx1">
                     <a:tint val="75000"/>
                   </a:schemeClr>
                 </a:solidFill>
               </a:defRPr>
-            </a:lvl6pPr>
-            <a:lvl7pPr marL="2743200" indent="0">
-              <a:buNone/>
-              <a:defRPr sz="1600">
+            </a:lvl7pPr>
+            <a:lvl8pPr marL="3200400" indent="0">
+              <a:buNone/>
+              <a:defRPr sz="1400">
                 <a:solidFill>
                   <a:schemeClr val="tx1">
                     <a:tint val="75000"/>
                   </a:schemeClr>
                 </a:solidFill>
               </a:defRPr>
-            </a:lvl7pPr>
-            <a:lvl8pPr marL="3200400" indent="0">
-              <a:buNone/>
-              <a:defRPr sz="1600">
+            </a:lvl8pPr>
+            <a:lvl9pPr marL="3657600" indent="0">
+              <a:buNone/>
+              <a:defRPr sz="1400">
                 <a:solidFill>
                   <a:schemeClr val="tx1">
                     <a:tint val="75000"/>
                   </a:schemeClr>
                 </a:solidFill>
               </a:defRPr>
-            </a:lvl8pPr>
-            <a:lvl9pPr marL="3657600" indent="0">
-              <a:buNone/>
-              <a:defRPr sz="1600">
-                <a:solidFill>
-                  <a:schemeClr val="tx1">
-                    <a:tint val="75000"/>
-                  </a:schemeClr>
-                </a:solidFill>
-              </a:defRPr>
             </a:lvl9pPr>
           </a:lstStyle>
           <a:p>
@@ -1114,13 +3204,7 @@
       </p:sp>
       <p:sp>
         <p:nvSpPr>
-          <p:cNvPr id="4" name="Espaço Reservado para Data 3">
-            <a:extLst>
-              <a:ext uri="{FF2B5EF4-FFF2-40B4-BE49-F238E27FC236}">
-                <a16:creationId xmlns:a16="http://schemas.microsoft.com/office/drawing/2014/main" id="{7A3C8E7A-FAB1-4EE0-ABAC-80A3B9E49786}"/>
-              </a:ext>
-            </a:extLst>
-          </p:cNvPr>
+          <p:cNvPr id="4" name="Date Placeholder 3"/>
           <p:cNvSpPr>
             <a:spLocks noGrp="1"/>
           </p:cNvSpPr>
@@ -1143,13 +3227,7 @@
       </p:sp>
       <p:sp>
         <p:nvSpPr>
-          <p:cNvPr id="5" name="Espaço Reservado para Rodapé 4">
-            <a:extLst>
-              <a:ext uri="{FF2B5EF4-FFF2-40B4-BE49-F238E27FC236}">
-                <a16:creationId xmlns:a16="http://schemas.microsoft.com/office/drawing/2014/main" id="{CEEA29CC-D8E2-4A52-B0CC-CA9A59B727A3}"/>
-              </a:ext>
-            </a:extLst>
-          </p:cNvPr>
+          <p:cNvPr id="5" name="Footer Placeholder 4"/>
           <p:cNvSpPr>
             <a:spLocks noGrp="1"/>
           </p:cNvSpPr>
@@ -1168,13 +3246,7 @@
       </p:sp>
       <p:sp>
         <p:nvSpPr>
-          <p:cNvPr id="6" name="Espaço Reservado para Número de Slide 5">
-            <a:extLst>
-              <a:ext uri="{FF2B5EF4-FFF2-40B4-BE49-F238E27FC236}">
-                <a16:creationId xmlns:a16="http://schemas.microsoft.com/office/drawing/2014/main" id="{0BC16ABB-46C9-4564-B207-970275BD10BE}"/>
-              </a:ext>
-            </a:extLst>
-          </p:cNvPr>
+          <p:cNvPr id="6" name="Slide Number Placeholder 5"/>
           <p:cNvSpPr>
             <a:spLocks noGrp="1"/>
           </p:cNvSpPr>
@@ -1198,7 +3270,7 @@
     </p:spTree>
     <p:extLst>
       <p:ext uri="{BB962C8B-B14F-4D97-AF65-F5344CB8AC3E}">
-        <p14:creationId xmlns:p14="http://schemas.microsoft.com/office/powerpoint/2010/main" val="1763284421"/>
+        <p14:creationId xmlns:p14="http://schemas.microsoft.com/office/powerpoint/2010/main" val="1617015181"/>
       </p:ext>
     </p:extLst>
   </p:cSld>
@@ -1227,13 +3299,7 @@
       </p:grpSpPr>
       <p:sp>
         <p:nvSpPr>
-          <p:cNvPr id="2" name="Título 1">
-            <a:extLst>
-              <a:ext uri="{FF2B5EF4-FFF2-40B4-BE49-F238E27FC236}">
-                <a16:creationId xmlns:a16="http://schemas.microsoft.com/office/drawing/2014/main" id="{A9AD69E6-416C-48ED-A13B-616A12D84DC7}"/>
-              </a:ext>
-            </a:extLst>
-          </p:cNvPr>
+          <p:cNvPr id="2" name="Title 1"/>
           <p:cNvSpPr>
             <a:spLocks noGrp="1"/>
           </p:cNvSpPr>
@@ -1250,18 +3316,13 @@
               <a:rPr lang="pt-BR"/>
               <a:t>Clique para editar o título Mestre</a:t>
             </a:r>
-          </a:p>
-        </p:txBody>
-      </p:sp>
-      <p:sp>
-        <p:nvSpPr>
-          <p:cNvPr id="3" name="Espaço Reservado para Conteúdo 2">
-            <a:extLst>
-              <a:ext uri="{FF2B5EF4-FFF2-40B4-BE49-F238E27FC236}">
-                <a16:creationId xmlns:a16="http://schemas.microsoft.com/office/drawing/2014/main" id="{F0D1BC83-135B-4C7B-8BD1-881E91BE01F5}"/>
-              </a:ext>
-            </a:extLst>
-          </p:cNvPr>
+            <a:endParaRPr lang="en-US" dirty="0"/>
+          </a:p>
+        </p:txBody>
+      </p:sp>
+      <p:sp>
+        <p:nvSpPr>
+          <p:cNvPr id="3" name="Content Placeholder 2"/>
           <p:cNvSpPr>
             <a:spLocks noGrp="1"/>
           </p:cNvSpPr>
@@ -1271,13 +3332,43 @@
         </p:nvSpPr>
         <p:spPr>
           <a:xfrm>
-            <a:off x="838200" y="1825625"/>
-            <a:ext cx="5181600" cy="4351338"/>
+            <a:off x="1141412" y="2666999"/>
+            <a:ext cx="4876800" cy="3124201"/>
           </a:xfrm>
         </p:spPr>
         <p:txBody>
-          <a:bodyPr/>
-          <a:lstStyle/>
+          <a:bodyPr>
+            <a:normAutofit/>
+          </a:bodyPr>
+          <a:lstStyle>
+            <a:lvl1pPr>
+              <a:defRPr sz="1800"/>
+            </a:lvl1pPr>
+            <a:lvl2pPr>
+              <a:defRPr sz="1600"/>
+            </a:lvl2pPr>
+            <a:lvl3pPr>
+              <a:defRPr sz="1400"/>
+            </a:lvl3pPr>
+            <a:lvl4pPr>
+              <a:defRPr sz="1200"/>
+            </a:lvl4pPr>
+            <a:lvl5pPr>
+              <a:defRPr sz="1200"/>
+            </a:lvl5pPr>
+            <a:lvl6pPr>
+              <a:defRPr sz="1200"/>
+            </a:lvl6pPr>
+            <a:lvl7pPr>
+              <a:defRPr sz="1200"/>
+            </a:lvl7pPr>
+            <a:lvl8pPr>
+              <a:defRPr sz="1200"/>
+            </a:lvl8pPr>
+            <a:lvl9pPr>
+              <a:defRPr sz="1200"/>
+            </a:lvl9pPr>
+          </a:lstStyle>
           <a:p>
             <a:pPr lvl="0"/>
             <a:r>
@@ -1312,18 +3403,13 @@
               <a:rPr lang="pt-BR"/>
               <a:t>Quinto nível</a:t>
             </a:r>
-          </a:p>
-        </p:txBody>
-      </p:sp>
-      <p:sp>
-        <p:nvSpPr>
-          <p:cNvPr id="4" name="Espaço Reservado para Conteúdo 3">
-            <a:extLst>
-              <a:ext uri="{FF2B5EF4-FFF2-40B4-BE49-F238E27FC236}">
-                <a16:creationId xmlns:a16="http://schemas.microsoft.com/office/drawing/2014/main" id="{F3A34AF6-3A19-4CB6-9A93-4CDF8882CA00}"/>
-              </a:ext>
-            </a:extLst>
-          </p:cNvPr>
+            <a:endParaRPr lang="en-US" dirty="0"/>
+          </a:p>
+        </p:txBody>
+      </p:sp>
+      <p:sp>
+        <p:nvSpPr>
+          <p:cNvPr id="4" name="Content Placeholder 3"/>
           <p:cNvSpPr>
             <a:spLocks noGrp="1"/>
           </p:cNvSpPr>
@@ -1333,13 +3419,43 @@
         </p:nvSpPr>
         <p:spPr>
           <a:xfrm>
-            <a:off x="6172200" y="1825625"/>
-            <a:ext cx="5181600" cy="4351338"/>
+            <a:off x="6170612" y="2667000"/>
+            <a:ext cx="4876800" cy="3124200"/>
           </a:xfrm>
         </p:spPr>
         <p:txBody>
-          <a:bodyPr/>
-          <a:lstStyle/>
+          <a:bodyPr>
+            <a:normAutofit/>
+          </a:bodyPr>
+          <a:lstStyle>
+            <a:lvl1pPr>
+              <a:defRPr sz="1800"/>
+            </a:lvl1pPr>
+            <a:lvl2pPr>
+              <a:defRPr sz="1600"/>
+            </a:lvl2pPr>
+            <a:lvl3pPr>
+              <a:defRPr sz="1400"/>
+            </a:lvl3pPr>
+            <a:lvl4pPr>
+              <a:defRPr sz="1200"/>
+            </a:lvl4pPr>
+            <a:lvl5pPr>
+              <a:defRPr sz="1200"/>
+            </a:lvl5pPr>
+            <a:lvl6pPr>
+              <a:defRPr sz="1200"/>
+            </a:lvl6pPr>
+            <a:lvl7pPr>
+              <a:defRPr sz="1200"/>
+            </a:lvl7pPr>
+            <a:lvl8pPr>
+              <a:defRPr sz="1200"/>
+            </a:lvl8pPr>
+            <a:lvl9pPr>
+              <a:defRPr sz="1200"/>
+            </a:lvl9pPr>
+          </a:lstStyle>
           <a:p>
             <a:pPr lvl="0"/>
             <a:r>
@@ -1374,18 +3490,13 @@
               <a:rPr lang="pt-BR"/>
               <a:t>Quinto nível</a:t>
             </a:r>
-          </a:p>
-        </p:txBody>
-      </p:sp>
-      <p:sp>
-        <p:nvSpPr>
-          <p:cNvPr id="5" name="Espaço Reservado para Data 4">
-            <a:extLst>
-              <a:ext uri="{FF2B5EF4-FFF2-40B4-BE49-F238E27FC236}">
-                <a16:creationId xmlns:a16="http://schemas.microsoft.com/office/drawing/2014/main" id="{4E102E17-B33E-4B8B-916D-8C8FFEF1C8FD}"/>
-              </a:ext>
-            </a:extLst>
-          </p:cNvPr>
+            <a:endParaRPr lang="en-US" dirty="0"/>
+          </a:p>
+        </p:txBody>
+      </p:sp>
+      <p:sp>
+        <p:nvSpPr>
+          <p:cNvPr id="5" name="Date Placeholder 4"/>
           <p:cNvSpPr>
             <a:spLocks noGrp="1"/>
           </p:cNvSpPr>
@@ -1408,13 +3519,7 @@
       </p:sp>
       <p:sp>
         <p:nvSpPr>
-          <p:cNvPr id="6" name="Espaço Reservado para Rodapé 5">
-            <a:extLst>
-              <a:ext uri="{FF2B5EF4-FFF2-40B4-BE49-F238E27FC236}">
-                <a16:creationId xmlns:a16="http://schemas.microsoft.com/office/drawing/2014/main" id="{AE7FF385-12BD-42D2-9C60-409486D58641}"/>
-              </a:ext>
-            </a:extLst>
-          </p:cNvPr>
+          <p:cNvPr id="6" name="Footer Placeholder 5"/>
           <p:cNvSpPr>
             <a:spLocks noGrp="1"/>
           </p:cNvSpPr>
@@ -1433,13 +3538,7 @@
       </p:sp>
       <p:sp>
         <p:nvSpPr>
-          <p:cNvPr id="7" name="Espaço Reservado para Número de Slide 6">
-            <a:extLst>
-              <a:ext uri="{FF2B5EF4-FFF2-40B4-BE49-F238E27FC236}">
-                <a16:creationId xmlns:a16="http://schemas.microsoft.com/office/drawing/2014/main" id="{643B5EB4-182E-4E6B-8B71-9562A56AB765}"/>
-              </a:ext>
-            </a:extLst>
-          </p:cNvPr>
+          <p:cNvPr id="7" name="Slide Number Placeholder 6"/>
           <p:cNvSpPr>
             <a:spLocks noGrp="1"/>
           </p:cNvSpPr>
@@ -1463,7 +3562,7 @@
     </p:spTree>
     <p:extLst>
       <p:ext uri="{BB962C8B-B14F-4D97-AF65-F5344CB8AC3E}">
-        <p14:creationId xmlns:p14="http://schemas.microsoft.com/office/powerpoint/2010/main" val="2056024475"/>
+        <p14:creationId xmlns:p14="http://schemas.microsoft.com/office/powerpoint/2010/main" val="1887727754"/>
       </p:ext>
     </p:extLst>
   </p:cSld>
@@ -1492,65 +3591,55 @@
       </p:grpSpPr>
       <p:sp>
         <p:nvSpPr>
-          <p:cNvPr id="2" name="Título 1">
-            <a:extLst>
-              <a:ext uri="{FF2B5EF4-FFF2-40B4-BE49-F238E27FC236}">
-                <a16:creationId xmlns:a16="http://schemas.microsoft.com/office/drawing/2014/main" id="{5397861E-5EBB-4108-8065-D309BF31F83D}"/>
-              </a:ext>
-            </a:extLst>
-          </p:cNvPr>
+          <p:cNvPr id="2" name="Title 1"/>
           <p:cNvSpPr>
             <a:spLocks noGrp="1"/>
           </p:cNvSpPr>
           <p:nvPr>
             <p:ph type="title"/>
+          </p:nvPr>
+        </p:nvSpPr>
+        <p:spPr/>
+        <p:txBody>
+          <a:bodyPr/>
+          <a:lstStyle>
+            <a:lvl1pPr>
+              <a:defRPr/>
+            </a:lvl1pPr>
+          </a:lstStyle>
+          <a:p>
+            <a:r>
+              <a:rPr lang="pt-BR"/>
+              <a:t>Clique para editar o título Mestre</a:t>
+            </a:r>
+            <a:endParaRPr lang="en-US" dirty="0"/>
+          </a:p>
+        </p:txBody>
+      </p:sp>
+      <p:sp>
+        <p:nvSpPr>
+          <p:cNvPr id="3" name="Text Placeholder 2"/>
+          <p:cNvSpPr>
+            <a:spLocks noGrp="1"/>
+          </p:cNvSpPr>
+          <p:nvPr>
+            <p:ph type="body" idx="1"/>
           </p:nvPr>
         </p:nvSpPr>
         <p:spPr>
           <a:xfrm>
-            <a:off x="839788" y="365125"/>
-            <a:ext cx="10515600" cy="1325563"/>
+            <a:off x="1429280" y="2658533"/>
+            <a:ext cx="4588931" cy="576262"/>
           </a:xfrm>
         </p:spPr>
         <p:txBody>
-          <a:bodyPr/>
-          <a:lstStyle/>
-          <a:p>
-            <a:r>
-              <a:rPr lang="pt-BR"/>
-              <a:t>Clique para editar o título Mestre</a:t>
-            </a:r>
-          </a:p>
-        </p:txBody>
-      </p:sp>
-      <p:sp>
-        <p:nvSpPr>
-          <p:cNvPr id="3" name="Espaço Reservado para Texto 2">
-            <a:extLst>
-              <a:ext uri="{FF2B5EF4-FFF2-40B4-BE49-F238E27FC236}">
-                <a16:creationId xmlns:a16="http://schemas.microsoft.com/office/drawing/2014/main" id="{EFF9961B-21A2-4540-B92C-EF2CF69EDCD9}"/>
-              </a:ext>
-            </a:extLst>
-          </p:cNvPr>
-          <p:cNvSpPr>
-            <a:spLocks noGrp="1"/>
-          </p:cNvSpPr>
-          <p:nvPr>
-            <p:ph type="body" idx="1"/>
-          </p:nvPr>
-        </p:nvSpPr>
-        <p:spPr>
-          <a:xfrm>
-            <a:off x="839788" y="1681163"/>
-            <a:ext cx="5157787" cy="823912"/>
-          </a:xfrm>
-        </p:spPr>
-        <p:txBody>
-          <a:bodyPr anchor="b"/>
+          <a:bodyPr anchor="b">
+            <a:noAutofit/>
+          </a:bodyPr>
           <a:lstStyle>
             <a:lvl1pPr marL="0" indent="0">
               <a:buNone/>
-              <a:defRPr sz="2400" b="1"/>
+              <a:defRPr sz="2800" b="0"/>
             </a:lvl1pPr>
             <a:lvl2pPr marL="457200" indent="0">
               <a:buNone/>
@@ -1596,13 +3685,7 @@
       </p:sp>
       <p:sp>
         <p:nvSpPr>
-          <p:cNvPr id="4" name="Espaço Reservado para Conteúdo 3">
-            <a:extLst>
-              <a:ext uri="{FF2B5EF4-FFF2-40B4-BE49-F238E27FC236}">
-                <a16:creationId xmlns:a16="http://schemas.microsoft.com/office/drawing/2014/main" id="{1A1600D7-D155-40E2-9526-34C1200F1FBA}"/>
-              </a:ext>
-            </a:extLst>
-          </p:cNvPr>
+          <p:cNvPr id="4" name="Content Placeholder 3"/>
           <p:cNvSpPr>
             <a:spLocks noGrp="1"/>
           </p:cNvSpPr>
@@ -1612,13 +3695,43 @@
         </p:nvSpPr>
         <p:spPr>
           <a:xfrm>
-            <a:off x="839788" y="2505075"/>
-            <a:ext cx="5157787" cy="3684588"/>
+            <a:off x="1141412" y="3243262"/>
+            <a:ext cx="4876800" cy="2547937"/>
           </a:xfrm>
         </p:spPr>
         <p:txBody>
-          <a:bodyPr/>
-          <a:lstStyle/>
+          <a:bodyPr anchor="t">
+            <a:normAutofit/>
+          </a:bodyPr>
+          <a:lstStyle>
+            <a:lvl1pPr>
+              <a:defRPr sz="1800"/>
+            </a:lvl1pPr>
+            <a:lvl2pPr>
+              <a:defRPr sz="1600"/>
+            </a:lvl2pPr>
+            <a:lvl3pPr>
+              <a:defRPr sz="1400"/>
+            </a:lvl3pPr>
+            <a:lvl4pPr>
+              <a:defRPr sz="1200"/>
+            </a:lvl4pPr>
+            <a:lvl5pPr>
+              <a:defRPr sz="1200"/>
+            </a:lvl5pPr>
+            <a:lvl6pPr>
+              <a:defRPr sz="1200"/>
+            </a:lvl6pPr>
+            <a:lvl7pPr>
+              <a:defRPr sz="1200"/>
+            </a:lvl7pPr>
+            <a:lvl8pPr>
+              <a:defRPr sz="1200"/>
+            </a:lvl8pPr>
+            <a:lvl9pPr>
+              <a:defRPr sz="1200"/>
+            </a:lvl9pPr>
+          </a:lstStyle>
           <a:p>
             <a:pPr lvl="0"/>
             <a:r>
@@ -1653,18 +3766,13 @@
               <a:rPr lang="pt-BR"/>
               <a:t>Quinto nível</a:t>
             </a:r>
-          </a:p>
-        </p:txBody>
-      </p:sp>
-      <p:sp>
-        <p:nvSpPr>
-          <p:cNvPr id="5" name="Espaço Reservado para Texto 4">
-            <a:extLst>
-              <a:ext uri="{FF2B5EF4-FFF2-40B4-BE49-F238E27FC236}">
-                <a16:creationId xmlns:a16="http://schemas.microsoft.com/office/drawing/2014/main" id="{27ABFF46-5B0A-451D-8736-8599AD25FF59}"/>
-              </a:ext>
-            </a:extLst>
-          </p:cNvPr>
+            <a:endParaRPr lang="en-US" dirty="0"/>
+          </a:p>
+        </p:txBody>
+      </p:sp>
+      <p:sp>
+        <p:nvSpPr>
+          <p:cNvPr id="5" name="Text Placeholder 4"/>
           <p:cNvSpPr>
             <a:spLocks noGrp="1"/>
           </p:cNvSpPr>
@@ -1674,16 +3782,18 @@
         </p:nvSpPr>
         <p:spPr>
           <a:xfrm>
-            <a:off x="6172200" y="1681163"/>
-            <a:ext cx="5183188" cy="823912"/>
+            <a:off x="6443133" y="2667000"/>
+            <a:ext cx="4604280" cy="576262"/>
           </a:xfrm>
         </p:spPr>
         <p:txBody>
-          <a:bodyPr anchor="b"/>
+          <a:bodyPr anchor="b">
+            <a:noAutofit/>
+          </a:bodyPr>
           <a:lstStyle>
             <a:lvl1pPr marL="0" indent="0">
               <a:buNone/>
-              <a:defRPr sz="2400" b="1"/>
+              <a:defRPr sz="2800" b="0"/>
             </a:lvl1pPr>
             <a:lvl2pPr marL="457200" indent="0">
               <a:buNone/>
@@ -1729,13 +3839,7 @@
       </p:sp>
       <p:sp>
         <p:nvSpPr>
-          <p:cNvPr id="6" name="Espaço Reservado para Conteúdo 5">
-            <a:extLst>
-              <a:ext uri="{FF2B5EF4-FFF2-40B4-BE49-F238E27FC236}">
-                <a16:creationId xmlns:a16="http://schemas.microsoft.com/office/drawing/2014/main" id="{138C68D6-C359-4B76-B5DC-19A8C9341801}"/>
-              </a:ext>
-            </a:extLst>
-          </p:cNvPr>
+          <p:cNvPr id="6" name="Content Placeholder 5"/>
           <p:cNvSpPr>
             <a:spLocks noGrp="1"/>
           </p:cNvSpPr>
@@ -1745,13 +3849,43 @@
         </p:nvSpPr>
         <p:spPr>
           <a:xfrm>
-            <a:off x="6172200" y="2505075"/>
-            <a:ext cx="5183188" cy="3684588"/>
+            <a:off x="6170612" y="3243262"/>
+            <a:ext cx="4876801" cy="2547937"/>
           </a:xfrm>
         </p:spPr>
         <p:txBody>
-          <a:bodyPr/>
-          <a:lstStyle/>
+          <a:bodyPr anchor="t">
+            <a:normAutofit/>
+          </a:bodyPr>
+          <a:lstStyle>
+            <a:lvl1pPr>
+              <a:defRPr sz="1800"/>
+            </a:lvl1pPr>
+            <a:lvl2pPr>
+              <a:defRPr sz="1600"/>
+            </a:lvl2pPr>
+            <a:lvl3pPr>
+              <a:defRPr sz="1400"/>
+            </a:lvl3pPr>
+            <a:lvl4pPr>
+              <a:defRPr sz="1200"/>
+            </a:lvl4pPr>
+            <a:lvl5pPr>
+              <a:defRPr sz="1200"/>
+            </a:lvl5pPr>
+            <a:lvl6pPr>
+              <a:defRPr sz="1200"/>
+            </a:lvl6pPr>
+            <a:lvl7pPr>
+              <a:defRPr sz="1200"/>
+            </a:lvl7pPr>
+            <a:lvl8pPr>
+              <a:defRPr sz="1200"/>
+            </a:lvl8pPr>
+            <a:lvl9pPr>
+              <a:defRPr sz="1200"/>
+            </a:lvl9pPr>
+          </a:lstStyle>
           <a:p>
             <a:pPr lvl="0"/>
             <a:r>
@@ -1786,18 +3920,13 @@
               <a:rPr lang="pt-BR"/>
               <a:t>Quinto nível</a:t>
             </a:r>
-          </a:p>
-        </p:txBody>
-      </p:sp>
-      <p:sp>
-        <p:nvSpPr>
-          <p:cNvPr id="7" name="Espaço Reservado para Data 6">
-            <a:extLst>
-              <a:ext uri="{FF2B5EF4-FFF2-40B4-BE49-F238E27FC236}">
-                <a16:creationId xmlns:a16="http://schemas.microsoft.com/office/drawing/2014/main" id="{2A69AE98-30DD-4F9C-93E2-4A2BEFCE2073}"/>
-              </a:ext>
-            </a:extLst>
-          </p:cNvPr>
+            <a:endParaRPr lang="en-US" dirty="0"/>
+          </a:p>
+        </p:txBody>
+      </p:sp>
+      <p:sp>
+        <p:nvSpPr>
+          <p:cNvPr id="7" name="Date Placeholder 6"/>
           <p:cNvSpPr>
             <a:spLocks noGrp="1"/>
           </p:cNvSpPr>
@@ -1820,13 +3949,7 @@
       </p:sp>
       <p:sp>
         <p:nvSpPr>
-          <p:cNvPr id="8" name="Espaço Reservado para Rodapé 7">
-            <a:extLst>
-              <a:ext uri="{FF2B5EF4-FFF2-40B4-BE49-F238E27FC236}">
-                <a16:creationId xmlns:a16="http://schemas.microsoft.com/office/drawing/2014/main" id="{B0727A98-CC5D-4AA8-B6E4-2763861A1B95}"/>
-              </a:ext>
-            </a:extLst>
-          </p:cNvPr>
+          <p:cNvPr id="8" name="Footer Placeholder 7"/>
           <p:cNvSpPr>
             <a:spLocks noGrp="1"/>
           </p:cNvSpPr>
@@ -1845,13 +3968,7 @@
       </p:sp>
       <p:sp>
         <p:nvSpPr>
-          <p:cNvPr id="9" name="Espaço Reservado para Número de Slide 8">
-            <a:extLst>
-              <a:ext uri="{FF2B5EF4-FFF2-40B4-BE49-F238E27FC236}">
-                <a16:creationId xmlns:a16="http://schemas.microsoft.com/office/drawing/2014/main" id="{32A740C6-2E5F-47BF-BD6C-581A71893A6A}"/>
-              </a:ext>
-            </a:extLst>
-          </p:cNvPr>
+          <p:cNvPr id="9" name="Slide Number Placeholder 8"/>
           <p:cNvSpPr>
             <a:spLocks noGrp="1"/>
           </p:cNvSpPr>
@@ -1875,7 +3992,7 @@
     </p:spTree>
     <p:extLst>
       <p:ext uri="{BB962C8B-B14F-4D97-AF65-F5344CB8AC3E}">
-        <p14:creationId xmlns:p14="http://schemas.microsoft.com/office/powerpoint/2010/main" val="3284082611"/>
+        <p14:creationId xmlns:p14="http://schemas.microsoft.com/office/powerpoint/2010/main" val="730047822"/>
       </p:ext>
     </p:extLst>
   </p:cSld>
@@ -1904,13 +4021,7 @@
       </p:grpSpPr>
       <p:sp>
         <p:nvSpPr>
-          <p:cNvPr id="2" name="Título 1">
-            <a:extLst>
-              <a:ext uri="{FF2B5EF4-FFF2-40B4-BE49-F238E27FC236}">
-                <a16:creationId xmlns:a16="http://schemas.microsoft.com/office/drawing/2014/main" id="{1346145F-54A6-4D8D-871B-93C6CFBE49FC}"/>
-              </a:ext>
-            </a:extLst>
-          </p:cNvPr>
+          <p:cNvPr id="2" name="Title 1"/>
           <p:cNvSpPr>
             <a:spLocks noGrp="1"/>
           </p:cNvSpPr>
@@ -1927,18 +4038,13 @@
               <a:rPr lang="pt-BR"/>
               <a:t>Clique para editar o título Mestre</a:t>
             </a:r>
-          </a:p>
-        </p:txBody>
-      </p:sp>
-      <p:sp>
-        <p:nvSpPr>
-          <p:cNvPr id="3" name="Espaço Reservado para Data 2">
-            <a:extLst>
-              <a:ext uri="{FF2B5EF4-FFF2-40B4-BE49-F238E27FC236}">
-                <a16:creationId xmlns:a16="http://schemas.microsoft.com/office/drawing/2014/main" id="{547E09F6-6C10-41B2-8BD3-2609CC624AD6}"/>
-              </a:ext>
-            </a:extLst>
-          </p:cNvPr>
+            <a:endParaRPr lang="en-US" dirty="0"/>
+          </a:p>
+        </p:txBody>
+      </p:sp>
+      <p:sp>
+        <p:nvSpPr>
+          <p:cNvPr id="3" name="Date Placeholder 2"/>
           <p:cNvSpPr>
             <a:spLocks noGrp="1"/>
           </p:cNvSpPr>
@@ -1961,13 +4067,7 @@
       </p:sp>
       <p:sp>
         <p:nvSpPr>
-          <p:cNvPr id="4" name="Espaço Reservado para Rodapé 3">
-            <a:extLst>
-              <a:ext uri="{FF2B5EF4-FFF2-40B4-BE49-F238E27FC236}">
-                <a16:creationId xmlns:a16="http://schemas.microsoft.com/office/drawing/2014/main" id="{8F00C36C-6BC2-43FB-812B-4FA0D59A0BC9}"/>
-              </a:ext>
-            </a:extLst>
-          </p:cNvPr>
+          <p:cNvPr id="4" name="Footer Placeholder 3"/>
           <p:cNvSpPr>
             <a:spLocks noGrp="1"/>
           </p:cNvSpPr>
@@ -1986,13 +4086,7 @@
       </p:sp>
       <p:sp>
         <p:nvSpPr>
-          <p:cNvPr id="5" name="Espaço Reservado para Número de Slide 4">
-            <a:extLst>
-              <a:ext uri="{FF2B5EF4-FFF2-40B4-BE49-F238E27FC236}">
-                <a16:creationId xmlns:a16="http://schemas.microsoft.com/office/drawing/2014/main" id="{B6B0FD4A-4A87-479A-9326-B019B681A0DF}"/>
-              </a:ext>
-            </a:extLst>
-          </p:cNvPr>
+          <p:cNvPr id="5" name="Slide Number Placeholder 4"/>
           <p:cNvSpPr>
             <a:spLocks noGrp="1"/>
           </p:cNvSpPr>
@@ -2016,7 +4110,7 @@
     </p:spTree>
     <p:extLst>
       <p:ext uri="{BB962C8B-B14F-4D97-AF65-F5344CB8AC3E}">
-        <p14:creationId xmlns:p14="http://schemas.microsoft.com/office/powerpoint/2010/main" val="1432087317"/>
+        <p14:creationId xmlns:p14="http://schemas.microsoft.com/office/powerpoint/2010/main" val="973938173"/>
       </p:ext>
     </p:extLst>
   </p:cSld>
@@ -2045,13 +4139,7 @@
       </p:grpSpPr>
       <p:sp>
         <p:nvSpPr>
-          <p:cNvPr id="2" name="Espaço Reservado para Data 1">
-            <a:extLst>
-              <a:ext uri="{FF2B5EF4-FFF2-40B4-BE49-F238E27FC236}">
-                <a16:creationId xmlns:a16="http://schemas.microsoft.com/office/drawing/2014/main" id="{26AAF25F-7F91-409D-A204-D0C0F38BB740}"/>
-              </a:ext>
-            </a:extLst>
-          </p:cNvPr>
+          <p:cNvPr id="2" name="Date Placeholder 1"/>
           <p:cNvSpPr>
             <a:spLocks noGrp="1"/>
           </p:cNvSpPr>
@@ -2074,13 +4162,7 @@
       </p:sp>
       <p:sp>
         <p:nvSpPr>
-          <p:cNvPr id="3" name="Espaço Reservado para Rodapé 2">
-            <a:extLst>
-              <a:ext uri="{FF2B5EF4-FFF2-40B4-BE49-F238E27FC236}">
-                <a16:creationId xmlns:a16="http://schemas.microsoft.com/office/drawing/2014/main" id="{754B09C5-5F55-44E5-93F4-29F709830FFA}"/>
-              </a:ext>
-            </a:extLst>
-          </p:cNvPr>
+          <p:cNvPr id="3" name="Footer Placeholder 2"/>
           <p:cNvSpPr>
             <a:spLocks noGrp="1"/>
           </p:cNvSpPr>
@@ -2099,13 +4181,7 @@
       </p:sp>
       <p:sp>
         <p:nvSpPr>
-          <p:cNvPr id="4" name="Espaço Reservado para Número de Slide 3">
-            <a:extLst>
-              <a:ext uri="{FF2B5EF4-FFF2-40B4-BE49-F238E27FC236}">
-                <a16:creationId xmlns:a16="http://schemas.microsoft.com/office/drawing/2014/main" id="{AFA00A06-6294-416F-86AE-A46EF0A96380}"/>
-              </a:ext>
-            </a:extLst>
-          </p:cNvPr>
+          <p:cNvPr id="4" name="Slide Number Placeholder 3"/>
           <p:cNvSpPr>
             <a:spLocks noGrp="1"/>
           </p:cNvSpPr>
@@ -2129,7 +4205,7 @@
     </p:spTree>
     <p:extLst>
       <p:ext uri="{BB962C8B-B14F-4D97-AF65-F5344CB8AC3E}">
-        <p14:creationId xmlns:p14="http://schemas.microsoft.com/office/powerpoint/2010/main" val="2395233622"/>
+        <p14:creationId xmlns:p14="http://schemas.microsoft.com/office/powerpoint/2010/main" val="2112277265"/>
       </p:ext>
     </p:extLst>
   </p:cSld>
@@ -2158,13 +4234,7 @@
       </p:grpSpPr>
       <p:sp>
         <p:nvSpPr>
-          <p:cNvPr id="2" name="Título 1">
-            <a:extLst>
-              <a:ext uri="{FF2B5EF4-FFF2-40B4-BE49-F238E27FC236}">
-                <a16:creationId xmlns:a16="http://schemas.microsoft.com/office/drawing/2014/main" id="{2C54FE98-2BEC-4D15-8F73-B70A76436D67}"/>
-              </a:ext>
-            </a:extLst>
-          </p:cNvPr>
+          <p:cNvPr id="2" name="Title 1"/>
           <p:cNvSpPr>
             <a:spLocks noGrp="1"/>
           </p:cNvSpPr>
@@ -2174,139 +4244,135 @@
         </p:nvSpPr>
         <p:spPr>
           <a:xfrm>
-            <a:off x="839788" y="457200"/>
-            <a:ext cx="3932237" cy="1600200"/>
+            <a:off x="1141411" y="1600200"/>
+            <a:ext cx="3549121" cy="1371600"/>
           </a:xfrm>
         </p:spPr>
         <p:txBody>
-          <a:bodyPr anchor="b"/>
+          <a:bodyPr anchor="b">
+            <a:normAutofit/>
+          </a:bodyPr>
+          <a:lstStyle>
+            <a:lvl1pPr algn="l">
+              <a:defRPr sz="2400" b="0"/>
+            </a:lvl1pPr>
+          </a:lstStyle>
+          <a:p>
+            <a:r>
+              <a:rPr lang="pt-BR"/>
+              <a:t>Clique para editar o título Mestre</a:t>
+            </a:r>
+            <a:endParaRPr lang="en-US" dirty="0"/>
+          </a:p>
+        </p:txBody>
+      </p:sp>
+      <p:sp>
+        <p:nvSpPr>
+          <p:cNvPr id="3" name="Content Placeholder 2"/>
+          <p:cNvSpPr>
+            <a:spLocks noGrp="1"/>
+          </p:cNvSpPr>
+          <p:nvPr>
+            <p:ph idx="1"/>
+          </p:nvPr>
+        </p:nvSpPr>
+        <p:spPr>
+          <a:xfrm>
+            <a:off x="5103812" y="609601"/>
+            <a:ext cx="5943601" cy="5181600"/>
+          </a:xfrm>
+        </p:spPr>
+        <p:txBody>
+          <a:bodyPr anchor="ctr">
+            <a:normAutofit/>
+          </a:bodyPr>
           <a:lstStyle>
             <a:lvl1pPr>
-              <a:defRPr sz="3200"/>
+              <a:defRPr sz="2000"/>
             </a:lvl1pPr>
+            <a:lvl2pPr>
+              <a:defRPr sz="1800"/>
+            </a:lvl2pPr>
+            <a:lvl3pPr>
+              <a:defRPr sz="1600"/>
+            </a:lvl3pPr>
+            <a:lvl4pPr>
+              <a:defRPr sz="1400"/>
+            </a:lvl4pPr>
+            <a:lvl5pPr>
+              <a:defRPr sz="1400"/>
+            </a:lvl5pPr>
+            <a:lvl6pPr>
+              <a:defRPr sz="1400"/>
+            </a:lvl6pPr>
+            <a:lvl7pPr>
+              <a:defRPr sz="1400"/>
+            </a:lvl7pPr>
+            <a:lvl8pPr>
+              <a:defRPr sz="1400"/>
+            </a:lvl8pPr>
+            <a:lvl9pPr>
+              <a:defRPr sz="1400"/>
+            </a:lvl9pPr>
           </a:lstStyle>
           <a:p>
+            <a:pPr lvl="0"/>
             <a:r>
               <a:rPr lang="pt-BR"/>
-              <a:t>Clique para editar o título Mestre</a:t>
-            </a:r>
-          </a:p>
-        </p:txBody>
-      </p:sp>
-      <p:sp>
-        <p:nvSpPr>
-          <p:cNvPr id="3" name="Espaço Reservado para Conteúdo 2">
-            <a:extLst>
-              <a:ext uri="{FF2B5EF4-FFF2-40B4-BE49-F238E27FC236}">
-                <a16:creationId xmlns:a16="http://schemas.microsoft.com/office/drawing/2014/main" id="{86EFBD43-8C48-48BF-BF98-9C294B817E5A}"/>
-              </a:ext>
-            </a:extLst>
-          </p:cNvPr>
-          <p:cNvSpPr>
-            <a:spLocks noGrp="1"/>
-          </p:cNvSpPr>
-          <p:nvPr>
-            <p:ph idx="1"/>
+              <a:t>Clique para editar os estilos de texto Mestres</a:t>
+            </a:r>
+          </a:p>
+          <a:p>
+            <a:pPr lvl="1"/>
+            <a:r>
+              <a:rPr lang="pt-BR"/>
+              <a:t>Segundo nível</a:t>
+            </a:r>
+          </a:p>
+          <a:p>
+            <a:pPr lvl="2"/>
+            <a:r>
+              <a:rPr lang="pt-BR"/>
+              <a:t>Terceiro nível</a:t>
+            </a:r>
+          </a:p>
+          <a:p>
+            <a:pPr lvl="3"/>
+            <a:r>
+              <a:rPr lang="pt-BR"/>
+              <a:t>Quarto nível</a:t>
+            </a:r>
+          </a:p>
+          <a:p>
+            <a:pPr lvl="4"/>
+            <a:r>
+              <a:rPr lang="pt-BR"/>
+              <a:t>Quinto nível</a:t>
+            </a:r>
+            <a:endParaRPr lang="en-US" dirty="0"/>
+          </a:p>
+        </p:txBody>
+      </p:sp>
+      <p:sp>
+        <p:nvSpPr>
+          <p:cNvPr id="4" name="Text Placeholder 3"/>
+          <p:cNvSpPr>
+            <a:spLocks noGrp="1"/>
+          </p:cNvSpPr>
+          <p:nvPr>
+            <p:ph type="body" sz="half" idx="2"/>
           </p:nvPr>
         </p:nvSpPr>
         <p:spPr>
           <a:xfrm>
-            <a:off x="5183188" y="987425"/>
-            <a:ext cx="6172200" cy="4873625"/>
+            <a:off x="1141411" y="2971800"/>
+            <a:ext cx="3549121" cy="1828800"/>
           </a:xfrm>
         </p:spPr>
         <p:txBody>
-          <a:bodyPr/>
-          <a:lstStyle>
-            <a:lvl1pPr>
-              <a:defRPr sz="3200"/>
-            </a:lvl1pPr>
-            <a:lvl2pPr>
-              <a:defRPr sz="2800"/>
-            </a:lvl2pPr>
-            <a:lvl3pPr>
-              <a:defRPr sz="2400"/>
-            </a:lvl3pPr>
-            <a:lvl4pPr>
-              <a:defRPr sz="2000"/>
-            </a:lvl4pPr>
-            <a:lvl5pPr>
-              <a:defRPr sz="2000"/>
-            </a:lvl5pPr>
-            <a:lvl6pPr>
-              <a:defRPr sz="2000"/>
-            </a:lvl6pPr>
-            <a:lvl7pPr>
-              <a:defRPr sz="2000"/>
-            </a:lvl7pPr>
-            <a:lvl8pPr>
-              <a:defRPr sz="2000"/>
-            </a:lvl8pPr>
-            <a:lvl9pPr>
-              <a:defRPr sz="2000"/>
-            </a:lvl9pPr>
-          </a:lstStyle>
-          <a:p>
-            <a:pPr lvl="0"/>
-            <a:r>
-              <a:rPr lang="pt-BR"/>
-              <a:t>Clique para editar os estilos de texto Mestres</a:t>
-            </a:r>
-          </a:p>
-          <a:p>
-            <a:pPr lvl="1"/>
-            <a:r>
-              <a:rPr lang="pt-BR"/>
-              <a:t>Segundo nível</a:t>
-            </a:r>
-          </a:p>
-          <a:p>
-            <a:pPr lvl="2"/>
-            <a:r>
-              <a:rPr lang="pt-BR"/>
-              <a:t>Terceiro nível</a:t>
-            </a:r>
-          </a:p>
-          <a:p>
-            <a:pPr lvl="3"/>
-            <a:r>
-              <a:rPr lang="pt-BR"/>
-              <a:t>Quarto nível</a:t>
-            </a:r>
-          </a:p>
-          <a:p>
-            <a:pPr lvl="4"/>
-            <a:r>
-              <a:rPr lang="pt-BR"/>
-              <a:t>Quinto nível</a:t>
-            </a:r>
-          </a:p>
-        </p:txBody>
-      </p:sp>
-      <p:sp>
-        <p:nvSpPr>
-          <p:cNvPr id="4" name="Espaço Reservado para Texto 3">
-            <a:extLst>
-              <a:ext uri="{FF2B5EF4-FFF2-40B4-BE49-F238E27FC236}">
-                <a16:creationId xmlns:a16="http://schemas.microsoft.com/office/drawing/2014/main" id="{FA476FDC-83D5-4522-A432-C9C6C1F1DD12}"/>
-              </a:ext>
-            </a:extLst>
-          </p:cNvPr>
-          <p:cNvSpPr>
-            <a:spLocks noGrp="1"/>
-          </p:cNvSpPr>
-          <p:nvPr>
-            <p:ph type="body" sz="half" idx="2"/>
-          </p:nvPr>
-        </p:nvSpPr>
-        <p:spPr>
-          <a:xfrm>
-            <a:off x="839788" y="2057400"/>
-            <a:ext cx="3932237" cy="3811588"/>
-          </a:xfrm>
-        </p:spPr>
-        <p:txBody>
-          <a:bodyPr/>
+          <a:bodyPr>
+            <a:normAutofit/>
+          </a:bodyPr>
           <a:lstStyle>
             <a:lvl1pPr marL="0" indent="0">
               <a:buNone/>
@@ -2314,35 +4380,35 @@
             </a:lvl1pPr>
             <a:lvl2pPr marL="457200" indent="0">
               <a:buNone/>
-              <a:defRPr sz="1400"/>
+              <a:defRPr sz="1200"/>
             </a:lvl2pPr>
             <a:lvl3pPr marL="914400" indent="0">
               <a:buNone/>
-              <a:defRPr sz="1200"/>
+              <a:defRPr sz="1000"/>
             </a:lvl3pPr>
             <a:lvl4pPr marL="1371600" indent="0">
               <a:buNone/>
-              <a:defRPr sz="1000"/>
+              <a:defRPr sz="900"/>
             </a:lvl4pPr>
             <a:lvl5pPr marL="1828800" indent="0">
               <a:buNone/>
-              <a:defRPr sz="1000"/>
+              <a:defRPr sz="900"/>
             </a:lvl5pPr>
             <a:lvl6pPr marL="2286000" indent="0">
               <a:buNone/>
-              <a:defRPr sz="1000"/>
+              <a:defRPr sz="900"/>
             </a:lvl6pPr>
             <a:lvl7pPr marL="2743200" indent="0">
               <a:buNone/>
-              <a:defRPr sz="1000"/>
+              <a:defRPr sz="900"/>
             </a:lvl7pPr>
             <a:lvl8pPr marL="3200400" indent="0">
               <a:buNone/>
-              <a:defRPr sz="1000"/>
+              <a:defRPr sz="900"/>
             </a:lvl8pPr>
             <a:lvl9pPr marL="3657600" indent="0">
               <a:buNone/>
-              <a:defRPr sz="1000"/>
+              <a:defRPr sz="900"/>
             </a:lvl9pPr>
           </a:lstStyle>
           <a:p>
@@ -2356,13 +4422,7 @@
       </p:sp>
       <p:sp>
         <p:nvSpPr>
-          <p:cNvPr id="5" name="Espaço Reservado para Data 4">
-            <a:extLst>
-              <a:ext uri="{FF2B5EF4-FFF2-40B4-BE49-F238E27FC236}">
-                <a16:creationId xmlns:a16="http://schemas.microsoft.com/office/drawing/2014/main" id="{6C8E929E-D19D-4A01-93D6-684ECE4055DC}"/>
-              </a:ext>
-            </a:extLst>
-          </p:cNvPr>
+          <p:cNvPr id="5" name="Date Placeholder 4"/>
           <p:cNvSpPr>
             <a:spLocks noGrp="1"/>
           </p:cNvSpPr>
@@ -2385,13 +4445,7 @@
       </p:sp>
       <p:sp>
         <p:nvSpPr>
-          <p:cNvPr id="6" name="Espaço Reservado para Rodapé 5">
-            <a:extLst>
-              <a:ext uri="{FF2B5EF4-FFF2-40B4-BE49-F238E27FC236}">
-                <a16:creationId xmlns:a16="http://schemas.microsoft.com/office/drawing/2014/main" id="{290A774A-57AE-4853-9142-EB17FAEAFD82}"/>
-              </a:ext>
-            </a:extLst>
-          </p:cNvPr>
+          <p:cNvPr id="6" name="Footer Placeholder 5"/>
           <p:cNvSpPr>
             <a:spLocks noGrp="1"/>
           </p:cNvSpPr>
@@ -2410,13 +4464,7 @@
       </p:sp>
       <p:sp>
         <p:nvSpPr>
-          <p:cNvPr id="7" name="Espaço Reservado para Número de Slide 6">
-            <a:extLst>
-              <a:ext uri="{FF2B5EF4-FFF2-40B4-BE49-F238E27FC236}">
-                <a16:creationId xmlns:a16="http://schemas.microsoft.com/office/drawing/2014/main" id="{3298C36D-3D3F-48E9-BBFE-2B6B03F77E37}"/>
-              </a:ext>
-            </a:extLst>
-          </p:cNvPr>
+          <p:cNvPr id="7" name="Slide Number Placeholder 6"/>
           <p:cNvSpPr>
             <a:spLocks noGrp="1"/>
           </p:cNvSpPr>
@@ -2440,7 +4488,7 @@
     </p:spTree>
     <p:extLst>
       <p:ext uri="{BB962C8B-B14F-4D97-AF65-F5344CB8AC3E}">
-        <p14:creationId xmlns:p14="http://schemas.microsoft.com/office/powerpoint/2010/main" val="16141004"/>
+        <p14:creationId xmlns:p14="http://schemas.microsoft.com/office/powerpoint/2010/main" val="96459371"/>
       </p:ext>
     </p:extLst>
   </p:cSld>
@@ -2469,13 +4517,7 @@
       </p:grpSpPr>
       <p:sp>
         <p:nvSpPr>
-          <p:cNvPr id="2" name="Título 1">
-            <a:extLst>
-              <a:ext uri="{FF2B5EF4-FFF2-40B4-BE49-F238E27FC236}">
-                <a16:creationId xmlns:a16="http://schemas.microsoft.com/office/drawing/2014/main" id="{30FB52EE-4289-4DDE-B6F0-C1A5A8394B2D}"/>
-              </a:ext>
-            </a:extLst>
-          </p:cNvPr>
+          <p:cNvPr id="2" name="Title 1"/>
           <p:cNvSpPr>
             <a:spLocks noGrp="1"/>
           </p:cNvSpPr>
@@ -2485,15 +4527,17 @@
         </p:nvSpPr>
         <p:spPr>
           <a:xfrm>
-            <a:off x="839788" y="457200"/>
-            <a:ext cx="3932237" cy="1600200"/>
+            <a:off x="1141411" y="1600200"/>
+            <a:ext cx="5334001" cy="1371600"/>
           </a:xfrm>
         </p:spPr>
         <p:txBody>
-          <a:bodyPr anchor="b"/>
+          <a:bodyPr anchor="b">
+            <a:normAutofit/>
+          </a:bodyPr>
           <a:lstStyle>
-            <a:lvl1pPr>
-              <a:defRPr sz="3200"/>
+            <a:lvl1pPr algn="l">
+              <a:defRPr sz="2800" b="0"/>
             </a:lvl1pPr>
           </a:lstStyle>
           <a:p>
@@ -2501,20 +4545,15 @@
               <a:rPr lang="pt-BR"/>
               <a:t>Clique para editar o título Mestre</a:t>
             </a:r>
-          </a:p>
-        </p:txBody>
-      </p:sp>
-      <p:sp>
-        <p:nvSpPr>
-          <p:cNvPr id="3" name="Espaço Reservado para Imagem 2">
-            <a:extLst>
-              <a:ext uri="{FF2B5EF4-FFF2-40B4-BE49-F238E27FC236}">
-                <a16:creationId xmlns:a16="http://schemas.microsoft.com/office/drawing/2014/main" id="{9EC4D15E-1043-4650-99DD-3783F670175D}"/>
-              </a:ext>
-            </a:extLst>
-          </p:cNvPr>
-          <p:cNvSpPr>
-            <a:spLocks noGrp="1"/>
+            <a:endParaRPr lang="en-US" dirty="0"/>
+          </a:p>
+        </p:txBody>
+      </p:sp>
+      <p:sp>
+        <p:nvSpPr>
+          <p:cNvPr id="14" name="Picture Placeholder 2"/>
+          <p:cNvSpPr>
+            <a:spLocks noGrp="1" noChangeAspect="1"/>
           </p:cNvSpPr>
           <p:nvPr>
             <p:ph type="pic" idx="1"/>
@@ -2522,118 +4561,143 @@
         </p:nvSpPr>
         <p:spPr>
           <a:xfrm>
-            <a:off x="5183188" y="987425"/>
-            <a:ext cx="6172200" cy="4873625"/>
+            <a:off x="7433733" y="-18288"/>
+            <a:ext cx="3276599" cy="6903720"/>
           </a:xfrm>
+          <a:ln w="38100">
+            <a:gradFill flip="none" rotWithShape="1">
+              <a:gsLst>
+                <a:gs pos="0">
+                  <a:schemeClr val="bg2"/>
+                </a:gs>
+                <a:gs pos="100000">
+                  <a:schemeClr val="bg2">
+                    <a:lumMod val="75000"/>
+                  </a:schemeClr>
+                </a:gs>
+              </a:gsLst>
+              <a:lin ang="5400000" scaled="0"/>
+              <a:tileRect/>
+            </a:gradFill>
+          </a:ln>
+          <a:effectLst>
+            <a:innerShdw blurRad="57150" dist="38100" dir="10800000">
+              <a:srgbClr val="000000">
+                <a:alpha val="70000"/>
+              </a:srgbClr>
+            </a:innerShdw>
+          </a:effectLst>
         </p:spPr>
         <p:txBody>
-          <a:bodyPr/>
+          <a:bodyPr anchor="t">
+            <a:normAutofit/>
+          </a:bodyPr>
           <a:lstStyle>
-            <a:lvl1pPr marL="0" indent="0">
-              <a:buNone/>
-              <a:defRPr sz="3200"/>
-            </a:lvl1pPr>
-            <a:lvl2pPr marL="457200" indent="0">
-              <a:buNone/>
-              <a:defRPr sz="2800"/>
-            </a:lvl2pPr>
-            <a:lvl3pPr marL="914400" indent="0">
-              <a:buNone/>
-              <a:defRPr sz="2400"/>
-            </a:lvl3pPr>
-            <a:lvl4pPr marL="1371600" indent="0">
-              <a:buNone/>
-              <a:defRPr sz="2000"/>
-            </a:lvl4pPr>
-            <a:lvl5pPr marL="1828800" indent="0">
-              <a:buNone/>
-              <a:defRPr sz="2000"/>
-            </a:lvl5pPr>
-            <a:lvl6pPr marL="2286000" indent="0">
-              <a:buNone/>
-              <a:defRPr sz="2000"/>
-            </a:lvl6pPr>
-            <a:lvl7pPr marL="2743200" indent="0">
-              <a:buNone/>
-              <a:defRPr sz="2000"/>
-            </a:lvl7pPr>
-            <a:lvl8pPr marL="3200400" indent="0">
-              <a:buNone/>
-              <a:defRPr sz="2000"/>
-            </a:lvl8pPr>
-            <a:lvl9pPr marL="3657600" indent="0">
-              <a:buNone/>
-              <a:defRPr sz="2000"/>
-            </a:lvl9pPr>
-          </a:lstStyle>
-          <a:p>
-            <a:endParaRPr lang="pt-BR"/>
-          </a:p>
-        </p:txBody>
-      </p:sp>
-      <p:sp>
-        <p:nvSpPr>
-          <p:cNvPr id="4" name="Espaço Reservado para Texto 3">
-            <a:extLst>
-              <a:ext uri="{FF2B5EF4-FFF2-40B4-BE49-F238E27FC236}">
-                <a16:creationId xmlns:a16="http://schemas.microsoft.com/office/drawing/2014/main" id="{3EEDB799-5FC5-4D30-9BE7-C8B75234FDBE}"/>
-              </a:ext>
-            </a:extLst>
-          </p:cNvPr>
-          <p:cNvSpPr>
-            <a:spLocks noGrp="1"/>
-          </p:cNvSpPr>
-          <p:nvPr>
-            <p:ph type="body" sz="half" idx="2"/>
-          </p:nvPr>
-        </p:nvSpPr>
-        <p:spPr>
-          <a:xfrm>
-            <a:off x="839788" y="2057400"/>
-            <a:ext cx="3932237" cy="3811588"/>
-          </a:xfrm>
-        </p:spPr>
-        <p:txBody>
-          <a:bodyPr/>
-          <a:lstStyle>
-            <a:lvl1pPr marL="0" indent="0">
+            <a:lvl1pPr marL="0" indent="0" algn="ctr">
               <a:buNone/>
               <a:defRPr sz="1600"/>
             </a:lvl1pPr>
             <a:lvl2pPr marL="457200" indent="0">
               <a:buNone/>
-              <a:defRPr sz="1400"/>
+              <a:defRPr sz="1600"/>
             </a:lvl2pPr>
             <a:lvl3pPr marL="914400" indent="0">
               <a:buNone/>
-              <a:defRPr sz="1200"/>
+              <a:defRPr sz="1600"/>
             </a:lvl3pPr>
             <a:lvl4pPr marL="1371600" indent="0">
               <a:buNone/>
-              <a:defRPr sz="1000"/>
+              <a:defRPr sz="1600"/>
             </a:lvl4pPr>
             <a:lvl5pPr marL="1828800" indent="0">
               <a:buNone/>
-              <a:defRPr sz="1000"/>
+              <a:defRPr sz="1600"/>
             </a:lvl5pPr>
             <a:lvl6pPr marL="2286000" indent="0">
               <a:buNone/>
-              <a:defRPr sz="1000"/>
+              <a:defRPr sz="1600"/>
             </a:lvl6pPr>
             <a:lvl7pPr marL="2743200" indent="0">
               <a:buNone/>
-              <a:defRPr sz="1000"/>
+              <a:defRPr sz="1600"/>
             </a:lvl7pPr>
             <a:lvl8pPr marL="3200400" indent="0">
               <a:buNone/>
-              <a:defRPr sz="1000"/>
+              <a:defRPr sz="1600"/>
             </a:lvl8pPr>
             <a:lvl9pPr marL="3657600" indent="0">
               <a:buNone/>
-              <a:defRPr sz="1000"/>
+              <a:defRPr sz="1600"/>
             </a:lvl9pPr>
           </a:lstStyle>
           <a:p>
+            <a:r>
+              <a:rPr lang="pt-BR"/>
+              <a:t>Clique no ícone para adicionar uma imagem</a:t>
+            </a:r>
+            <a:endParaRPr lang="en-US" dirty="0"/>
+          </a:p>
+        </p:txBody>
+      </p:sp>
+      <p:sp>
+        <p:nvSpPr>
+          <p:cNvPr id="4" name="Text Placeholder 3"/>
+          <p:cNvSpPr>
+            <a:spLocks noGrp="1"/>
+          </p:cNvSpPr>
+          <p:nvPr>
+            <p:ph type="body" sz="half" idx="2"/>
+          </p:nvPr>
+        </p:nvSpPr>
+        <p:spPr>
+          <a:xfrm>
+            <a:off x="1141411" y="2971800"/>
+            <a:ext cx="5334001" cy="1828800"/>
+          </a:xfrm>
+        </p:spPr>
+        <p:txBody>
+          <a:bodyPr>
+            <a:normAutofit/>
+          </a:bodyPr>
+          <a:lstStyle>
+            <a:lvl1pPr marL="0" indent="0">
+              <a:buNone/>
+              <a:defRPr sz="1800"/>
+            </a:lvl1pPr>
+            <a:lvl2pPr marL="457200" indent="0">
+              <a:buNone/>
+              <a:defRPr sz="1200"/>
+            </a:lvl2pPr>
+            <a:lvl3pPr marL="914400" indent="0">
+              <a:buNone/>
+              <a:defRPr sz="1000"/>
+            </a:lvl3pPr>
+            <a:lvl4pPr marL="1371600" indent="0">
+              <a:buNone/>
+              <a:defRPr sz="900"/>
+            </a:lvl4pPr>
+            <a:lvl5pPr marL="1828800" indent="0">
+              <a:buNone/>
+              <a:defRPr sz="900"/>
+            </a:lvl5pPr>
+            <a:lvl6pPr marL="2286000" indent="0">
+              <a:buNone/>
+              <a:defRPr sz="900"/>
+            </a:lvl6pPr>
+            <a:lvl7pPr marL="2743200" indent="0">
+              <a:buNone/>
+              <a:defRPr sz="900"/>
+            </a:lvl7pPr>
+            <a:lvl8pPr marL="3200400" indent="0">
+              <a:buNone/>
+              <a:defRPr sz="900"/>
+            </a:lvl8pPr>
+            <a:lvl9pPr marL="3657600" indent="0">
+              <a:buNone/>
+              <a:defRPr sz="900"/>
+            </a:lvl9pPr>
+          </a:lstStyle>
+          <a:p>
             <a:pPr lvl="0"/>
             <a:r>
               <a:rPr lang="pt-BR"/>
@@ -2644,13 +4708,7 @@
       </p:sp>
       <p:sp>
         <p:nvSpPr>
-          <p:cNvPr id="5" name="Espaço Reservado para Data 4">
-            <a:extLst>
-              <a:ext uri="{FF2B5EF4-FFF2-40B4-BE49-F238E27FC236}">
-                <a16:creationId xmlns:a16="http://schemas.microsoft.com/office/drawing/2014/main" id="{7C7D89BC-0A1D-4864-816A-C66688D3A7A8}"/>
-              </a:ext>
-            </a:extLst>
-          </p:cNvPr>
+          <p:cNvPr id="5" name="Date Placeholder 4"/>
           <p:cNvSpPr>
             <a:spLocks noGrp="1"/>
           </p:cNvSpPr>
@@ -2658,7 +4716,12 @@
             <p:ph type="dt" sz="half" idx="10"/>
           </p:nvPr>
         </p:nvSpPr>
-        <p:spPr/>
+        <p:spPr>
+          <a:xfrm>
+            <a:off x="6399212" y="5883275"/>
+            <a:ext cx="914400" cy="365125"/>
+          </a:xfrm>
+        </p:spPr>
         <p:txBody>
           <a:bodyPr/>
           <a:lstStyle/>
@@ -2673,13 +4736,7 @@
       </p:sp>
       <p:sp>
         <p:nvSpPr>
-          <p:cNvPr id="6" name="Espaço Reservado para Rodapé 5">
-            <a:extLst>
-              <a:ext uri="{FF2B5EF4-FFF2-40B4-BE49-F238E27FC236}">
-                <a16:creationId xmlns:a16="http://schemas.microsoft.com/office/drawing/2014/main" id="{118F3651-C2F7-41EB-A86E-3F6173DF03FC}"/>
-              </a:ext>
-            </a:extLst>
-          </p:cNvPr>
+          <p:cNvPr id="6" name="Footer Placeholder 5"/>
           <p:cNvSpPr>
             <a:spLocks noGrp="1"/>
           </p:cNvSpPr>
@@ -2687,7 +4744,12 @@
             <p:ph type="ftr" sz="quarter" idx="11"/>
           </p:nvPr>
         </p:nvSpPr>
-        <p:spPr/>
+        <p:spPr>
+          <a:xfrm>
+            <a:off x="1141412" y="5883275"/>
+            <a:ext cx="5105400" cy="365125"/>
+          </a:xfrm>
+        </p:spPr>
         <p:txBody>
           <a:bodyPr/>
           <a:lstStyle/>
@@ -2698,13 +4760,7 @@
       </p:sp>
       <p:sp>
         <p:nvSpPr>
-          <p:cNvPr id="7" name="Espaço Reservado para Número de Slide 6">
-            <a:extLst>
-              <a:ext uri="{FF2B5EF4-FFF2-40B4-BE49-F238E27FC236}">
-                <a16:creationId xmlns:a16="http://schemas.microsoft.com/office/drawing/2014/main" id="{15DD3292-E972-4616-97F4-391F254F8E76}"/>
-              </a:ext>
-            </a:extLst>
-          </p:cNvPr>
+          <p:cNvPr id="7" name="Slide Number Placeholder 6"/>
           <p:cNvSpPr>
             <a:spLocks noGrp="1"/>
           </p:cNvSpPr>
@@ -2712,7 +4768,12 @@
             <p:ph type="sldNum" sz="quarter" idx="12"/>
           </p:nvPr>
         </p:nvSpPr>
-        <p:spPr/>
+        <p:spPr>
+          <a:xfrm>
+            <a:off x="10742612" y="5883275"/>
+            <a:ext cx="322567" cy="365125"/>
+          </a:xfrm>
+        </p:spPr>
         <p:txBody>
           <a:bodyPr/>
           <a:lstStyle/>
@@ -2728,7 +4789,7 @@
     </p:spTree>
     <p:extLst>
       <p:ext uri="{BB962C8B-B14F-4D97-AF65-F5344CB8AC3E}">
-        <p14:creationId xmlns:p14="http://schemas.microsoft.com/office/powerpoint/2010/main" val="619628298"/>
+        <p14:creationId xmlns:p14="http://schemas.microsoft.com/office/powerpoint/2010/main" val="4089952150"/>
       </p:ext>
     </p:extLst>
   </p:cSld>
@@ -2742,8 +4803,8 @@
 <p:sldMaster xmlns:a="http://schemas.openxmlformats.org/drawingml/2006/main" xmlns:r="http://schemas.openxmlformats.org/officeDocument/2006/relationships" xmlns:p="http://schemas.openxmlformats.org/presentationml/2006/main">
   <p:cSld>
     <p:bg>
-      <p:bgRef idx="1001">
-        <a:schemeClr val="bg1"/>
+      <p:bgRef idx="1003">
+        <a:schemeClr val="bg2"/>
       </p:bgRef>
     </p:bg>
     <p:spTree>
@@ -2762,13 +4823,7 @@
       </p:grpSpPr>
       <p:sp>
         <p:nvSpPr>
-          <p:cNvPr id="2" name="Espaço Reservado para Título 1">
-            <a:extLst>
-              <a:ext uri="{FF2B5EF4-FFF2-40B4-BE49-F238E27FC236}">
-                <a16:creationId xmlns:a16="http://schemas.microsoft.com/office/drawing/2014/main" id="{B6AD7F19-EE27-4B5F-A538-E8DB169DCEAE}"/>
-              </a:ext>
-            </a:extLst>
-          </p:cNvPr>
+          <p:cNvPr id="2" name="Title Placeholder 1"/>
           <p:cNvSpPr>
             <a:spLocks noGrp="1"/>
           </p:cNvSpPr>
@@ -2778,8 +4833,8 @@
         </p:nvSpPr>
         <p:spPr>
           <a:xfrm>
-            <a:off x="838200" y="365125"/>
-            <a:ext cx="10515600" cy="1325563"/>
+            <a:off x="1141413" y="609600"/>
+            <a:ext cx="9905998" cy="1905000"/>
           </a:xfrm>
           <a:prstGeom prst="rect">
             <a:avLst/>
@@ -2795,18 +4850,13 @@
               <a:rPr lang="pt-BR"/>
               <a:t>Clique para editar o título Mestre</a:t>
             </a:r>
-          </a:p>
-        </p:txBody>
-      </p:sp>
-      <p:sp>
-        <p:nvSpPr>
-          <p:cNvPr id="3" name="Espaço Reservado para Texto 2">
-            <a:extLst>
-              <a:ext uri="{FF2B5EF4-FFF2-40B4-BE49-F238E27FC236}">
-                <a16:creationId xmlns:a16="http://schemas.microsoft.com/office/drawing/2014/main" id="{412D165B-D393-4B35-8639-E28A09F184AC}"/>
-              </a:ext>
-            </a:extLst>
-          </p:cNvPr>
+            <a:endParaRPr lang="en-US" dirty="0"/>
+          </a:p>
+        </p:txBody>
+      </p:sp>
+      <p:sp>
+        <p:nvSpPr>
+          <p:cNvPr id="3" name="Text Placeholder 2"/>
           <p:cNvSpPr>
             <a:spLocks noGrp="1"/>
           </p:cNvSpPr>
@@ -2816,15 +4866,15 @@
         </p:nvSpPr>
         <p:spPr>
           <a:xfrm>
-            <a:off x="838200" y="1825625"/>
-            <a:ext cx="10515600" cy="4351338"/>
+            <a:off x="1141413" y="2666999"/>
+            <a:ext cx="9905998" cy="3124201"/>
           </a:xfrm>
           <a:prstGeom prst="rect">
             <a:avLst/>
           </a:prstGeom>
         </p:spPr>
         <p:txBody>
-          <a:bodyPr vert="horz" lIns="91440" tIns="45720" rIns="91440" bIns="45720" rtlCol="0">
+          <a:bodyPr vert="horz" lIns="91440" tIns="45720" rIns="91440" bIns="45720" rtlCol="0" anchor="ctr">
             <a:normAutofit/>
           </a:bodyPr>
           <a:lstStyle/>
@@ -2862,18 +4912,13 @@
               <a:rPr lang="pt-BR"/>
               <a:t>Quinto nível</a:t>
             </a:r>
-          </a:p>
-        </p:txBody>
-      </p:sp>
-      <p:sp>
-        <p:nvSpPr>
-          <p:cNvPr id="4" name="Espaço Reservado para Data 3">
-            <a:extLst>
-              <a:ext uri="{FF2B5EF4-FFF2-40B4-BE49-F238E27FC236}">
-                <a16:creationId xmlns:a16="http://schemas.microsoft.com/office/drawing/2014/main" id="{9A784226-2F53-4258-8AFD-F92E5A85DD33}"/>
-              </a:ext>
-            </a:extLst>
-          </p:cNvPr>
+            <a:endParaRPr lang="en-US" dirty="0"/>
+          </a:p>
+        </p:txBody>
+      </p:sp>
+      <p:sp>
+        <p:nvSpPr>
+          <p:cNvPr id="4" name="Date Placeholder 3"/>
           <p:cNvSpPr>
             <a:spLocks noGrp="1"/>
           </p:cNvSpPr>
@@ -2883,8 +4928,8 @@
         </p:nvSpPr>
         <p:spPr>
           <a:xfrm>
-            <a:off x="838200" y="6356350"/>
-            <a:ext cx="2743200" cy="365125"/>
+            <a:off x="8837612" y="5883275"/>
+            <a:ext cx="1600200" cy="365125"/>
           </a:xfrm>
           <a:prstGeom prst="rect">
             <a:avLst/>
@@ -2893,13 +4938,21 @@
         <p:txBody>
           <a:bodyPr vert="horz" lIns="91440" tIns="45720" rIns="91440" bIns="45720" rtlCol="0" anchor="ctr"/>
           <a:lstStyle>
-            <a:lvl1pPr algn="l">
-              <a:defRPr sz="1200">
+            <a:lvl1pPr algn="r">
+              <a:defRPr sz="900" b="1" i="0">
                 <a:solidFill>
                   <a:schemeClr val="tx1">
-                    <a:tint val="75000"/>
+                    <a:lumMod val="75000"/>
                   </a:schemeClr>
                 </a:solidFill>
+                <a:effectLst>
+                  <a:outerShdw blurRad="50800" dist="38100" dir="2700000" algn="tl" rotWithShape="0">
+                    <a:srgbClr val="000000">
+                      <a:alpha val="43000"/>
+                    </a:srgbClr>
+                  </a:outerShdw>
+                </a:effectLst>
+                <a:latin typeface="+mn-lt"/>
               </a:defRPr>
             </a:lvl1pPr>
           </a:lstStyle>
@@ -2914,13 +4967,7 @@
       </p:sp>
       <p:sp>
         <p:nvSpPr>
-          <p:cNvPr id="5" name="Espaço Reservado para Rodapé 4">
-            <a:extLst>
-              <a:ext uri="{FF2B5EF4-FFF2-40B4-BE49-F238E27FC236}">
-                <a16:creationId xmlns:a16="http://schemas.microsoft.com/office/drawing/2014/main" id="{BFB33862-2C15-4224-9C7F-9406B4C43D08}"/>
-              </a:ext>
-            </a:extLst>
-          </p:cNvPr>
+          <p:cNvPr id="5" name="Footer Placeholder 4"/>
           <p:cNvSpPr>
             <a:spLocks noGrp="1"/>
           </p:cNvSpPr>
@@ -2930,8 +4977,8 @@
         </p:nvSpPr>
         <p:spPr>
           <a:xfrm>
-            <a:off x="4038600" y="6356350"/>
-            <a:ext cx="4114800" cy="365125"/>
+            <a:off x="1141412" y="5883275"/>
+            <a:ext cx="7543800" cy="365125"/>
           </a:xfrm>
           <a:prstGeom prst="rect">
             <a:avLst/>
@@ -2940,13 +4987,21 @@
         <p:txBody>
           <a:bodyPr vert="horz" lIns="91440" tIns="45720" rIns="91440" bIns="45720" rtlCol="0" anchor="ctr"/>
           <a:lstStyle>
-            <a:lvl1pPr algn="ctr">
-              <a:defRPr sz="1200">
+            <a:lvl1pPr algn="l">
+              <a:defRPr sz="900" b="1" i="0">
                 <a:solidFill>
                   <a:schemeClr val="tx1">
-                    <a:tint val="75000"/>
+                    <a:lumMod val="75000"/>
                   </a:schemeClr>
                 </a:solidFill>
+                <a:effectLst>
+                  <a:outerShdw blurRad="50800" dist="38100" dir="2700000" algn="tl" rotWithShape="0">
+                    <a:srgbClr val="000000">
+                      <a:alpha val="43000"/>
+                    </a:srgbClr>
+                  </a:outerShdw>
+                </a:effectLst>
+                <a:latin typeface="+mn-lt"/>
               </a:defRPr>
             </a:lvl1pPr>
           </a:lstStyle>
@@ -2957,13 +5012,7 @@
       </p:sp>
       <p:sp>
         <p:nvSpPr>
-          <p:cNvPr id="6" name="Espaço Reservado para Número de Slide 5">
-            <a:extLst>
-              <a:ext uri="{FF2B5EF4-FFF2-40B4-BE49-F238E27FC236}">
-                <a16:creationId xmlns:a16="http://schemas.microsoft.com/office/drawing/2014/main" id="{0145C354-8A4D-4858-817C-A8BB5134C41D}"/>
-              </a:ext>
-            </a:extLst>
-          </p:cNvPr>
+          <p:cNvPr id="6" name="Slide Number Placeholder 5"/>
           <p:cNvSpPr>
             <a:spLocks noGrp="1"/>
           </p:cNvSpPr>
@@ -2973,8 +5022,8 @@
         </p:nvSpPr>
         <p:spPr>
           <a:xfrm>
-            <a:off x="8610600" y="6356350"/>
-            <a:ext cx="2743200" cy="365125"/>
+            <a:off x="10514012" y="5883275"/>
+            <a:ext cx="551167" cy="365125"/>
           </a:xfrm>
           <a:prstGeom prst="rect">
             <a:avLst/>
@@ -2984,12 +5033,20 @@
           <a:bodyPr vert="horz" lIns="91440" tIns="45720" rIns="91440" bIns="45720" rtlCol="0" anchor="ctr"/>
           <a:lstStyle>
             <a:lvl1pPr algn="r">
-              <a:defRPr sz="1200">
+              <a:defRPr sz="900" b="1" i="0">
                 <a:solidFill>
                   <a:schemeClr val="tx1">
-                    <a:tint val="75000"/>
+                    <a:lumMod val="75000"/>
                   </a:schemeClr>
                 </a:solidFill>
+                <a:effectLst>
+                  <a:outerShdw blurRad="50800" dist="38100" dir="2700000" algn="tl" rotWithShape="0">
+                    <a:srgbClr val="000000">
+                      <a:alpha val="43000"/>
+                    </a:srgbClr>
+                  </a:outerShdw>
+                </a:effectLst>
+                <a:latin typeface="+mn-lt"/>
               </a:defRPr>
             </a:lvl1pPr>
           </a:lstStyle>
@@ -3005,55 +5062,562 @@
     </p:spTree>
     <p:extLst>
       <p:ext uri="{BB962C8B-B14F-4D97-AF65-F5344CB8AC3E}">
-        <p14:creationId xmlns:p14="http://schemas.microsoft.com/office/powerpoint/2010/main" val="283315684"/>
+        <p14:creationId xmlns:p14="http://schemas.microsoft.com/office/powerpoint/2010/main" val="3624259785"/>
       </p:ext>
     </p:extLst>
   </p:cSld>
-  <p:clrMap bg1="lt1" tx1="dk1" bg2="lt2" tx2="dk2" accent1="accent1" accent2="accent2" accent3="accent3" accent4="accent4" accent5="accent5" accent6="accent6" hlink="hlink" folHlink="folHlink"/>
+  <p:clrMap bg1="dk1" tx1="lt1" bg2="dk2" tx2="lt2" accent1="accent1" accent2="accent2" accent3="accent3" accent4="accent4" accent5="accent5" accent6="accent6" hlink="hlink" folHlink="folHlink"/>
   <p:sldLayoutIdLst>
-    <p:sldLayoutId id="2147483649" r:id="rId1"/>
-    <p:sldLayoutId id="2147483650" r:id="rId2"/>
-    <p:sldLayoutId id="2147483651" r:id="rId3"/>
-    <p:sldLayoutId id="2147483652" r:id="rId4"/>
-    <p:sldLayoutId id="2147483653" r:id="rId5"/>
-    <p:sldLayoutId id="2147483654" r:id="rId6"/>
-    <p:sldLayoutId id="2147483655" r:id="rId7"/>
-    <p:sldLayoutId id="2147483656" r:id="rId8"/>
-    <p:sldLayoutId id="2147483657" r:id="rId9"/>
-    <p:sldLayoutId id="2147483658" r:id="rId10"/>
-    <p:sldLayoutId id="2147483659" r:id="rId11"/>
+    <p:sldLayoutId id="2147483805" r:id="rId1"/>
+    <p:sldLayoutId id="2147483806" r:id="rId2"/>
+    <p:sldLayoutId id="2147483807" r:id="rId3"/>
+    <p:sldLayoutId id="2147483808" r:id="rId4"/>
+    <p:sldLayoutId id="2147483809" r:id="rId5"/>
+    <p:sldLayoutId id="2147483810" r:id="rId6"/>
+    <p:sldLayoutId id="2147483811" r:id="rId7"/>
+    <p:sldLayoutId id="2147483812" r:id="rId8"/>
+    <p:sldLayoutId id="2147483813" r:id="rId9"/>
+    <p:sldLayoutId id="2147483814" r:id="rId10"/>
+    <p:sldLayoutId id="2147483815" r:id="rId11"/>
+    <p:sldLayoutId id="2147483816" r:id="rId12"/>
+    <p:sldLayoutId id="2147483817" r:id="rId13"/>
+    <p:sldLayoutId id="2147483818" r:id="rId14"/>
+    <p:sldLayoutId id="2147483819" r:id="rId15"/>
+    <p:sldLayoutId id="2147483820" r:id="rId16"/>
+    <p:sldLayoutId id="2147483821" r:id="rId17"/>
   </p:sldLayoutIdLst>
   <p:txStyles>
     <p:titleStyle>
-      <a:lvl1pPr algn="l" defTabSz="914400" rtl="0" eaLnBrk="1" latinLnBrk="0" hangingPunct="1">
-        <a:lnSpc>
-          <a:spcPct val="90000"/>
-        </a:lnSpc>
+      <a:lvl1pPr algn="l" defTabSz="457200" rtl="0" eaLnBrk="1" latinLnBrk="0" hangingPunct="1">
         <a:spcBef>
           <a:spcPct val="0"/>
         </a:spcBef>
         <a:buNone/>
-        <a:defRPr sz="4400" kern="1200">
-          <a:solidFill>
-            <a:schemeClr val="tx1"/>
-          </a:solidFill>
+        <a:defRPr sz="3200" kern="1200" cap="all">
+          <a:ln w="3175" cmpd="sng">
+            <a:noFill/>
+          </a:ln>
+          <a:gradFill flip="none" rotWithShape="1">
+            <a:gsLst>
+              <a:gs pos="0">
+                <a:schemeClr val="tx1"/>
+              </a:gs>
+              <a:gs pos="100000">
+                <a:schemeClr val="tx1">
+                  <a:lumMod val="65000"/>
+                </a:schemeClr>
+              </a:gs>
+            </a:gsLst>
+            <a:lin ang="5580000" scaled="0"/>
+            <a:tileRect/>
+          </a:gradFill>
+          <a:effectLst>
+            <a:glow rad="38100">
+              <a:schemeClr val="bg1">
+                <a:lumMod val="65000"/>
+                <a:lumOff val="35000"/>
+                <a:alpha val="40000"/>
+              </a:schemeClr>
+            </a:glow>
+            <a:outerShdw blurRad="28575" dist="38100" dir="14040000" algn="tl" rotWithShape="0">
+              <a:srgbClr val="000000">
+                <a:alpha val="25000"/>
+              </a:srgbClr>
+            </a:outerShdw>
+          </a:effectLst>
           <a:latin typeface="+mj-lt"/>
           <a:ea typeface="+mj-ea"/>
           <a:cs typeface="+mj-cs"/>
         </a:defRPr>
       </a:lvl1pPr>
+      <a:lvl2pPr eaLnBrk="1" hangingPunct="1">
+        <a:defRPr>
+          <a:solidFill>
+            <a:schemeClr val="tx2"/>
+          </a:solidFill>
+        </a:defRPr>
+      </a:lvl2pPr>
+      <a:lvl3pPr eaLnBrk="1" hangingPunct="1">
+        <a:defRPr>
+          <a:solidFill>
+            <a:schemeClr val="tx2"/>
+          </a:solidFill>
+        </a:defRPr>
+      </a:lvl3pPr>
+      <a:lvl4pPr eaLnBrk="1" hangingPunct="1">
+        <a:defRPr>
+          <a:solidFill>
+            <a:schemeClr val="tx2"/>
+          </a:solidFill>
+        </a:defRPr>
+      </a:lvl4pPr>
+      <a:lvl5pPr eaLnBrk="1" hangingPunct="1">
+        <a:defRPr>
+          <a:solidFill>
+            <a:schemeClr val="tx2"/>
+          </a:solidFill>
+        </a:defRPr>
+      </a:lvl5pPr>
+      <a:lvl6pPr eaLnBrk="1" hangingPunct="1">
+        <a:defRPr>
+          <a:solidFill>
+            <a:schemeClr val="tx2"/>
+          </a:solidFill>
+        </a:defRPr>
+      </a:lvl6pPr>
+      <a:lvl7pPr eaLnBrk="1" hangingPunct="1">
+        <a:defRPr>
+          <a:solidFill>
+            <a:schemeClr val="tx2"/>
+          </a:solidFill>
+        </a:defRPr>
+      </a:lvl7pPr>
+      <a:lvl8pPr eaLnBrk="1" hangingPunct="1">
+        <a:defRPr>
+          <a:solidFill>
+            <a:schemeClr val="tx2"/>
+          </a:solidFill>
+        </a:defRPr>
+      </a:lvl8pPr>
+      <a:lvl9pPr eaLnBrk="1" hangingPunct="1">
+        <a:defRPr>
+          <a:solidFill>
+            <a:schemeClr val="tx2"/>
+          </a:solidFill>
+        </a:defRPr>
+      </a:lvl9pPr>
     </p:titleStyle>
     <p:bodyStyle>
-      <a:lvl1pPr marL="228600" indent="-228600" algn="l" defTabSz="914400" rtl="0" eaLnBrk="1" latinLnBrk="0" hangingPunct="1">
-        <a:lnSpc>
-          <a:spcPct val="90000"/>
-        </a:lnSpc>
+      <a:lvl1pPr marL="285750" indent="-285750" algn="l" defTabSz="457200" rtl="0" eaLnBrk="1" latinLnBrk="0" hangingPunct="1">
         <a:spcBef>
-          <a:spcPts val="1000"/>
+          <a:spcPct val="20000"/>
         </a:spcBef>
-        <a:buFont typeface="Arial" panose="020B0604020202020204" pitchFamily="34" charset="0"/>
+        <a:spcAft>
+          <a:spcPts val="600"/>
+        </a:spcAft>
+        <a:buClr>
+          <a:schemeClr val="tx1"/>
+        </a:buClr>
+        <a:buSzPct val="100000"/>
+        <a:buFont typeface="Arial"/>
         <a:buChar char="•"/>
-        <a:defRPr sz="2800" kern="1200">
+        <a:defRPr sz="2000" kern="1200" cap="small">
+          <a:gradFill flip="none" rotWithShape="1">
+            <a:gsLst>
+              <a:gs pos="0">
+                <a:schemeClr val="tx1"/>
+              </a:gs>
+              <a:gs pos="100000">
+                <a:schemeClr val="tx1">
+                  <a:lumMod val="75000"/>
+                </a:schemeClr>
+              </a:gs>
+            </a:gsLst>
+            <a:lin ang="5580000" scaled="0"/>
+            <a:tileRect/>
+          </a:gradFill>
+          <a:effectLst>
+            <a:glow rad="38100">
+              <a:schemeClr val="bg1">
+                <a:lumMod val="50000"/>
+                <a:lumOff val="50000"/>
+                <a:alpha val="20000"/>
+              </a:schemeClr>
+            </a:glow>
+            <a:outerShdw blurRad="44450" dist="12700" dir="13860000" algn="tl" rotWithShape="0">
+              <a:srgbClr val="000000">
+                <a:alpha val="20000"/>
+              </a:srgbClr>
+            </a:outerShdw>
+          </a:effectLst>
+          <a:latin typeface="+mn-lt"/>
+          <a:ea typeface="+mn-ea"/>
+          <a:cs typeface="+mn-cs"/>
+        </a:defRPr>
+      </a:lvl1pPr>
+      <a:lvl2pPr marL="742950" indent="-285750" algn="l" defTabSz="457200" rtl="0" eaLnBrk="1" latinLnBrk="0" hangingPunct="1">
+        <a:spcBef>
+          <a:spcPct val="20000"/>
+        </a:spcBef>
+        <a:spcAft>
+          <a:spcPts val="600"/>
+        </a:spcAft>
+        <a:buClr>
+          <a:schemeClr val="tx1"/>
+        </a:buClr>
+        <a:buSzPct val="100000"/>
+        <a:buFont typeface="Arial"/>
+        <a:buChar char="•"/>
+        <a:defRPr sz="1800" kern="1200" cap="small">
+          <a:gradFill flip="none" rotWithShape="1">
+            <a:gsLst>
+              <a:gs pos="0">
+                <a:schemeClr val="tx1"/>
+              </a:gs>
+              <a:gs pos="100000">
+                <a:schemeClr val="tx1">
+                  <a:lumMod val="75000"/>
+                </a:schemeClr>
+              </a:gs>
+            </a:gsLst>
+            <a:lin ang="5580000" scaled="0"/>
+            <a:tileRect/>
+          </a:gradFill>
+          <a:effectLst>
+            <a:glow rad="38100">
+              <a:schemeClr val="bg1">
+                <a:lumMod val="50000"/>
+                <a:lumOff val="50000"/>
+                <a:alpha val="20000"/>
+              </a:schemeClr>
+            </a:glow>
+            <a:outerShdw blurRad="44450" dist="12700" dir="13860000" algn="tl" rotWithShape="0">
+              <a:srgbClr val="000000">
+                <a:alpha val="20000"/>
+              </a:srgbClr>
+            </a:outerShdw>
+          </a:effectLst>
+          <a:latin typeface="+mn-lt"/>
+          <a:ea typeface="+mn-ea"/>
+          <a:cs typeface="+mn-cs"/>
+        </a:defRPr>
+      </a:lvl2pPr>
+      <a:lvl3pPr marL="1200150" indent="-285750" algn="l" defTabSz="457200" rtl="0" eaLnBrk="1" latinLnBrk="0" hangingPunct="1">
+        <a:spcBef>
+          <a:spcPct val="20000"/>
+        </a:spcBef>
+        <a:spcAft>
+          <a:spcPts val="600"/>
+        </a:spcAft>
+        <a:buClr>
+          <a:schemeClr val="tx1"/>
+        </a:buClr>
+        <a:buSzPct val="100000"/>
+        <a:buFont typeface="Arial"/>
+        <a:buChar char="•"/>
+        <a:defRPr sz="1600" kern="1200" cap="small">
+          <a:gradFill flip="none" rotWithShape="1">
+            <a:gsLst>
+              <a:gs pos="0">
+                <a:schemeClr val="tx1"/>
+              </a:gs>
+              <a:gs pos="100000">
+                <a:schemeClr val="tx1">
+                  <a:lumMod val="75000"/>
+                </a:schemeClr>
+              </a:gs>
+            </a:gsLst>
+            <a:lin ang="5580000" scaled="0"/>
+            <a:tileRect/>
+          </a:gradFill>
+          <a:effectLst>
+            <a:glow rad="38100">
+              <a:schemeClr val="bg1">
+                <a:lumMod val="50000"/>
+                <a:lumOff val="50000"/>
+                <a:alpha val="20000"/>
+              </a:schemeClr>
+            </a:glow>
+            <a:outerShdw blurRad="44450" dist="12700" dir="13860000" algn="tl" rotWithShape="0">
+              <a:srgbClr val="000000">
+                <a:alpha val="20000"/>
+              </a:srgbClr>
+            </a:outerShdw>
+          </a:effectLst>
+          <a:latin typeface="+mn-lt"/>
+          <a:ea typeface="+mn-ea"/>
+          <a:cs typeface="+mn-cs"/>
+        </a:defRPr>
+      </a:lvl3pPr>
+      <a:lvl4pPr marL="1543050" indent="-171450" algn="l" defTabSz="457200" rtl="0" eaLnBrk="1" latinLnBrk="0" hangingPunct="1">
+        <a:spcBef>
+          <a:spcPct val="20000"/>
+        </a:spcBef>
+        <a:spcAft>
+          <a:spcPts val="600"/>
+        </a:spcAft>
+        <a:buClr>
+          <a:schemeClr val="tx1"/>
+        </a:buClr>
+        <a:buSzPct val="100000"/>
+        <a:buFont typeface="Arial"/>
+        <a:buChar char="•"/>
+        <a:defRPr sz="1400" kern="1200" cap="small">
+          <a:gradFill flip="none" rotWithShape="1">
+            <a:gsLst>
+              <a:gs pos="0">
+                <a:schemeClr val="tx1"/>
+              </a:gs>
+              <a:gs pos="100000">
+                <a:schemeClr val="tx1">
+                  <a:lumMod val="75000"/>
+                </a:schemeClr>
+              </a:gs>
+            </a:gsLst>
+            <a:lin ang="5580000" scaled="0"/>
+            <a:tileRect/>
+          </a:gradFill>
+          <a:effectLst>
+            <a:glow rad="38100">
+              <a:schemeClr val="bg1">
+                <a:lumMod val="50000"/>
+                <a:lumOff val="50000"/>
+                <a:alpha val="20000"/>
+              </a:schemeClr>
+            </a:glow>
+            <a:outerShdw blurRad="44450" dist="12700" dir="13860000" algn="tl" rotWithShape="0">
+              <a:srgbClr val="000000">
+                <a:alpha val="20000"/>
+              </a:srgbClr>
+            </a:outerShdw>
+          </a:effectLst>
+          <a:latin typeface="+mn-lt"/>
+          <a:ea typeface="+mn-ea"/>
+          <a:cs typeface="+mn-cs"/>
+        </a:defRPr>
+      </a:lvl4pPr>
+      <a:lvl5pPr marL="2000250" indent="-171450" algn="l" defTabSz="457200" rtl="0" eaLnBrk="1" latinLnBrk="0" hangingPunct="1">
+        <a:spcBef>
+          <a:spcPct val="20000"/>
+        </a:spcBef>
+        <a:spcAft>
+          <a:spcPts val="600"/>
+        </a:spcAft>
+        <a:buClr>
+          <a:schemeClr val="tx1"/>
+        </a:buClr>
+        <a:buSzPct val="100000"/>
+        <a:buFont typeface="Arial"/>
+        <a:buChar char="•"/>
+        <a:defRPr sz="1400" kern="1200" cap="small">
+          <a:gradFill flip="none" rotWithShape="1">
+            <a:gsLst>
+              <a:gs pos="0">
+                <a:schemeClr val="tx1"/>
+              </a:gs>
+              <a:gs pos="100000">
+                <a:schemeClr val="tx1">
+                  <a:lumMod val="75000"/>
+                </a:schemeClr>
+              </a:gs>
+            </a:gsLst>
+            <a:lin ang="5580000" scaled="0"/>
+            <a:tileRect/>
+          </a:gradFill>
+          <a:effectLst>
+            <a:glow rad="38100">
+              <a:schemeClr val="bg1">
+                <a:lumMod val="50000"/>
+                <a:lumOff val="50000"/>
+                <a:alpha val="20000"/>
+              </a:schemeClr>
+            </a:glow>
+            <a:outerShdw blurRad="44450" dist="12700" dir="13860000" algn="tl" rotWithShape="0">
+              <a:srgbClr val="000000">
+                <a:alpha val="20000"/>
+              </a:srgbClr>
+            </a:outerShdw>
+          </a:effectLst>
+          <a:latin typeface="+mn-lt"/>
+          <a:ea typeface="+mn-ea"/>
+          <a:cs typeface="+mn-cs"/>
+        </a:defRPr>
+      </a:lvl5pPr>
+      <a:lvl6pPr marL="2514600" indent="-228600" algn="l" defTabSz="457200" rtl="0" eaLnBrk="1" latinLnBrk="0" hangingPunct="1">
+        <a:spcBef>
+          <a:spcPct val="20000"/>
+        </a:spcBef>
+        <a:spcAft>
+          <a:spcPts val="600"/>
+        </a:spcAft>
+        <a:buClr>
+          <a:schemeClr val="tx1"/>
+        </a:buClr>
+        <a:buSzPct val="100000"/>
+        <a:buFont typeface="Arial"/>
+        <a:buChar char="•"/>
+        <a:defRPr sz="1200" kern="1200" cap="small">
+          <a:gradFill flip="none" rotWithShape="1">
+            <a:gsLst>
+              <a:gs pos="0">
+                <a:schemeClr val="tx1"/>
+              </a:gs>
+              <a:gs pos="100000">
+                <a:schemeClr val="tx1">
+                  <a:lumMod val="75000"/>
+                </a:schemeClr>
+              </a:gs>
+            </a:gsLst>
+            <a:lin ang="5580000" scaled="0"/>
+            <a:tileRect/>
+          </a:gradFill>
+          <a:effectLst>
+            <a:glow rad="38100">
+              <a:schemeClr val="bg1">
+                <a:lumMod val="50000"/>
+                <a:lumOff val="50000"/>
+                <a:alpha val="20000"/>
+              </a:schemeClr>
+            </a:glow>
+            <a:outerShdw blurRad="44450" dist="12700" dir="13860000" algn="tl" rotWithShape="0">
+              <a:srgbClr val="000000">
+                <a:alpha val="20000"/>
+              </a:srgbClr>
+            </a:outerShdw>
+          </a:effectLst>
+          <a:latin typeface="+mn-lt"/>
+          <a:ea typeface="+mn-ea"/>
+          <a:cs typeface="+mn-cs"/>
+        </a:defRPr>
+      </a:lvl6pPr>
+      <a:lvl7pPr marL="2971800" indent="-228600" algn="l" defTabSz="457200" rtl="0" eaLnBrk="1" latinLnBrk="0" hangingPunct="1">
+        <a:spcBef>
+          <a:spcPct val="20000"/>
+        </a:spcBef>
+        <a:spcAft>
+          <a:spcPts val="600"/>
+        </a:spcAft>
+        <a:buClr>
+          <a:schemeClr val="tx1"/>
+        </a:buClr>
+        <a:buSzPct val="100000"/>
+        <a:buFont typeface="Arial"/>
+        <a:buChar char="•"/>
+        <a:defRPr sz="1200" kern="1200" cap="small">
+          <a:gradFill flip="none" rotWithShape="1">
+            <a:gsLst>
+              <a:gs pos="0">
+                <a:schemeClr val="tx1"/>
+              </a:gs>
+              <a:gs pos="100000">
+                <a:schemeClr val="tx1">
+                  <a:lumMod val="75000"/>
+                </a:schemeClr>
+              </a:gs>
+            </a:gsLst>
+            <a:lin ang="5580000" scaled="0"/>
+            <a:tileRect/>
+          </a:gradFill>
+          <a:effectLst>
+            <a:glow rad="38100">
+              <a:schemeClr val="bg1">
+                <a:lumMod val="50000"/>
+                <a:lumOff val="50000"/>
+                <a:alpha val="20000"/>
+              </a:schemeClr>
+            </a:glow>
+            <a:outerShdw blurRad="44450" dist="12700" dir="13860000" algn="tl" rotWithShape="0">
+              <a:srgbClr val="000000">
+                <a:alpha val="20000"/>
+              </a:srgbClr>
+            </a:outerShdw>
+          </a:effectLst>
+          <a:latin typeface="+mn-lt"/>
+          <a:ea typeface="+mn-ea"/>
+          <a:cs typeface="+mn-cs"/>
+        </a:defRPr>
+      </a:lvl7pPr>
+      <a:lvl8pPr marL="3429000" indent="-228600" algn="l" defTabSz="457200" rtl="0" eaLnBrk="1" latinLnBrk="0" hangingPunct="1">
+        <a:spcBef>
+          <a:spcPct val="20000"/>
+        </a:spcBef>
+        <a:spcAft>
+          <a:spcPts val="600"/>
+        </a:spcAft>
+        <a:buClr>
+          <a:schemeClr val="tx1"/>
+        </a:buClr>
+        <a:buSzPct val="100000"/>
+        <a:buFont typeface="Arial"/>
+        <a:buChar char="•"/>
+        <a:defRPr sz="1200" kern="1200" cap="small">
+          <a:gradFill flip="none" rotWithShape="1">
+            <a:gsLst>
+              <a:gs pos="0">
+                <a:schemeClr val="tx1"/>
+              </a:gs>
+              <a:gs pos="100000">
+                <a:schemeClr val="tx1">
+                  <a:lumMod val="75000"/>
+                </a:schemeClr>
+              </a:gs>
+            </a:gsLst>
+            <a:lin ang="5580000" scaled="0"/>
+            <a:tileRect/>
+          </a:gradFill>
+          <a:effectLst>
+            <a:glow rad="38100">
+              <a:schemeClr val="bg1">
+                <a:lumMod val="50000"/>
+                <a:lumOff val="50000"/>
+                <a:alpha val="20000"/>
+              </a:schemeClr>
+            </a:glow>
+            <a:outerShdw blurRad="44450" dist="12700" dir="13860000" algn="tl" rotWithShape="0">
+              <a:srgbClr val="000000">
+                <a:alpha val="20000"/>
+              </a:srgbClr>
+            </a:outerShdw>
+          </a:effectLst>
+          <a:latin typeface="+mn-lt"/>
+          <a:ea typeface="+mn-ea"/>
+          <a:cs typeface="+mn-cs"/>
+        </a:defRPr>
+      </a:lvl8pPr>
+      <a:lvl9pPr marL="3886200" indent="-228600" algn="l" defTabSz="457200" rtl="0" eaLnBrk="1" latinLnBrk="0" hangingPunct="1">
+        <a:spcBef>
+          <a:spcPct val="20000"/>
+        </a:spcBef>
+        <a:spcAft>
+          <a:spcPts val="600"/>
+        </a:spcAft>
+        <a:buClr>
+          <a:schemeClr val="tx1"/>
+        </a:buClr>
+        <a:buSzPct val="100000"/>
+        <a:buFont typeface="Arial"/>
+        <a:buChar char="•"/>
+        <a:defRPr sz="1200" kern="1200" cap="small">
+          <a:gradFill flip="none" rotWithShape="1">
+            <a:gsLst>
+              <a:gs pos="0">
+                <a:schemeClr val="tx1"/>
+              </a:gs>
+              <a:gs pos="100000">
+                <a:schemeClr val="tx1">
+                  <a:lumMod val="75000"/>
+                </a:schemeClr>
+              </a:gs>
+            </a:gsLst>
+            <a:lin ang="5580000" scaled="0"/>
+            <a:tileRect/>
+          </a:gradFill>
+          <a:effectLst>
+            <a:glow rad="38100">
+              <a:schemeClr val="bg1">
+                <a:lumMod val="50000"/>
+                <a:lumOff val="50000"/>
+                <a:alpha val="20000"/>
+              </a:schemeClr>
+            </a:glow>
+            <a:outerShdw blurRad="44450" dist="12700" dir="13860000" algn="tl" rotWithShape="0">
+              <a:srgbClr val="000000">
+                <a:alpha val="20000"/>
+              </a:srgbClr>
+            </a:outerShdw>
+          </a:effectLst>
+          <a:latin typeface="+mn-lt"/>
+          <a:ea typeface="+mn-ea"/>
+          <a:cs typeface="+mn-cs"/>
+        </a:defRPr>
+      </a:lvl9pPr>
+    </p:bodyStyle>
+    <p:otherStyle>
+      <a:defPPr>
+        <a:defRPr lang="en-US"/>
+      </a:defPPr>
+      <a:lvl1pPr marL="0" algn="l" defTabSz="457200" rtl="0" eaLnBrk="1" latinLnBrk="0" hangingPunct="1">
+        <a:defRPr sz="1800" kern="1200">
           <a:solidFill>
             <a:schemeClr val="tx1"/>
           </a:solidFill>
@@ -3062,16 +5626,8 @@
           <a:cs typeface="+mn-cs"/>
         </a:defRPr>
       </a:lvl1pPr>
-      <a:lvl2pPr marL="685800" indent="-228600" algn="l" defTabSz="914400" rtl="0" eaLnBrk="1" latinLnBrk="0" hangingPunct="1">
-        <a:lnSpc>
-          <a:spcPct val="90000"/>
-        </a:lnSpc>
-        <a:spcBef>
-          <a:spcPts val="500"/>
-        </a:spcBef>
-        <a:buFont typeface="Arial" panose="020B0604020202020204" pitchFamily="34" charset="0"/>
-        <a:buChar char="•"/>
-        <a:defRPr sz="2400" kern="1200">
+      <a:lvl2pPr marL="457200" algn="l" defTabSz="457200" rtl="0" eaLnBrk="1" latinLnBrk="0" hangingPunct="1">
+        <a:defRPr sz="1800" kern="1200">
           <a:solidFill>
             <a:schemeClr val="tx1"/>
           </a:solidFill>
@@ -3080,16 +5636,8 @@
           <a:cs typeface="+mn-cs"/>
         </a:defRPr>
       </a:lvl2pPr>
-      <a:lvl3pPr marL="1143000" indent="-228600" algn="l" defTabSz="914400" rtl="0" eaLnBrk="1" latinLnBrk="0" hangingPunct="1">
-        <a:lnSpc>
-          <a:spcPct val="90000"/>
-        </a:lnSpc>
-        <a:spcBef>
-          <a:spcPts val="500"/>
-        </a:spcBef>
-        <a:buFont typeface="Arial" panose="020B0604020202020204" pitchFamily="34" charset="0"/>
-        <a:buChar char="•"/>
-        <a:defRPr sz="2000" kern="1200">
+      <a:lvl3pPr marL="914400" algn="l" defTabSz="457200" rtl="0" eaLnBrk="1" latinLnBrk="0" hangingPunct="1">
+        <a:defRPr sz="1800" kern="1200">
           <a:solidFill>
             <a:schemeClr val="tx1"/>
           </a:solidFill>
@@ -3098,15 +5646,7 @@
           <a:cs typeface="+mn-cs"/>
         </a:defRPr>
       </a:lvl3pPr>
-      <a:lvl4pPr marL="1600200" indent="-228600" algn="l" defTabSz="914400" rtl="0" eaLnBrk="1" latinLnBrk="0" hangingPunct="1">
-        <a:lnSpc>
-          <a:spcPct val="90000"/>
-        </a:lnSpc>
-        <a:spcBef>
-          <a:spcPts val="500"/>
-        </a:spcBef>
-        <a:buFont typeface="Arial" panose="020B0604020202020204" pitchFamily="34" charset="0"/>
-        <a:buChar char="•"/>
+      <a:lvl4pPr marL="1371600" algn="l" defTabSz="457200" rtl="0" eaLnBrk="1" latinLnBrk="0" hangingPunct="1">
         <a:defRPr sz="1800" kern="1200">
           <a:solidFill>
             <a:schemeClr val="tx1"/>
@@ -3116,15 +5656,7 @@
           <a:cs typeface="+mn-cs"/>
         </a:defRPr>
       </a:lvl4pPr>
-      <a:lvl5pPr marL="2057400" indent="-228600" algn="l" defTabSz="914400" rtl="0" eaLnBrk="1" latinLnBrk="0" hangingPunct="1">
-        <a:lnSpc>
-          <a:spcPct val="90000"/>
-        </a:lnSpc>
-        <a:spcBef>
-          <a:spcPts val="500"/>
-        </a:spcBef>
-        <a:buFont typeface="Arial" panose="020B0604020202020204" pitchFamily="34" charset="0"/>
-        <a:buChar char="•"/>
+      <a:lvl5pPr marL="1828800" algn="l" defTabSz="457200" rtl="0" eaLnBrk="1" latinLnBrk="0" hangingPunct="1">
         <a:defRPr sz="1800" kern="1200">
           <a:solidFill>
             <a:schemeClr val="tx1"/>
@@ -3134,15 +5666,7 @@
           <a:cs typeface="+mn-cs"/>
         </a:defRPr>
       </a:lvl5pPr>
-      <a:lvl6pPr marL="2514600" indent="-228600" algn="l" defTabSz="914400" rtl="0" eaLnBrk="1" latinLnBrk="0" hangingPunct="1">
-        <a:lnSpc>
-          <a:spcPct val="90000"/>
-        </a:lnSpc>
-        <a:spcBef>
-          <a:spcPts val="500"/>
-        </a:spcBef>
-        <a:buFont typeface="Arial" panose="020B0604020202020204" pitchFamily="34" charset="0"/>
-        <a:buChar char="•"/>
+      <a:lvl6pPr marL="2286000" algn="l" defTabSz="457200" rtl="0" eaLnBrk="1" latinLnBrk="0" hangingPunct="1">
         <a:defRPr sz="1800" kern="1200">
           <a:solidFill>
             <a:schemeClr val="tx1"/>
@@ -3152,15 +5676,7 @@
           <a:cs typeface="+mn-cs"/>
         </a:defRPr>
       </a:lvl6pPr>
-      <a:lvl7pPr marL="2971800" indent="-228600" algn="l" defTabSz="914400" rtl="0" eaLnBrk="1" latinLnBrk="0" hangingPunct="1">
-        <a:lnSpc>
-          <a:spcPct val="90000"/>
-        </a:lnSpc>
-        <a:spcBef>
-          <a:spcPts val="500"/>
-        </a:spcBef>
-        <a:buFont typeface="Arial" panose="020B0604020202020204" pitchFamily="34" charset="0"/>
-        <a:buChar char="•"/>
+      <a:lvl7pPr marL="2743200" algn="l" defTabSz="457200" rtl="0" eaLnBrk="1" latinLnBrk="0" hangingPunct="1">
         <a:defRPr sz="1800" kern="1200">
           <a:solidFill>
             <a:schemeClr val="tx1"/>
@@ -3170,15 +5686,7 @@
           <a:cs typeface="+mn-cs"/>
         </a:defRPr>
       </a:lvl7pPr>
-      <a:lvl8pPr marL="3429000" indent="-228600" algn="l" defTabSz="914400" rtl="0" eaLnBrk="1" latinLnBrk="0" hangingPunct="1">
-        <a:lnSpc>
-          <a:spcPct val="90000"/>
-        </a:lnSpc>
-        <a:spcBef>
-          <a:spcPts val="500"/>
-        </a:spcBef>
-        <a:buFont typeface="Arial" panose="020B0604020202020204" pitchFamily="34" charset="0"/>
-        <a:buChar char="•"/>
+      <a:lvl8pPr marL="3200400" algn="l" defTabSz="457200" rtl="0" eaLnBrk="1" latinLnBrk="0" hangingPunct="1">
         <a:defRPr sz="1800" kern="1200">
           <a:solidFill>
             <a:schemeClr val="tx1"/>
@@ -3188,110 +5696,7 @@
           <a:cs typeface="+mn-cs"/>
         </a:defRPr>
       </a:lvl8pPr>
-      <a:lvl9pPr marL="3886200" indent="-228600" algn="l" defTabSz="914400" rtl="0" eaLnBrk="1" latinLnBrk="0" hangingPunct="1">
-        <a:lnSpc>
-          <a:spcPct val="90000"/>
-        </a:lnSpc>
-        <a:spcBef>
-          <a:spcPts val="500"/>
-        </a:spcBef>
-        <a:buFont typeface="Arial" panose="020B0604020202020204" pitchFamily="34" charset="0"/>
-        <a:buChar char="•"/>
-        <a:defRPr sz="1800" kern="1200">
-          <a:solidFill>
-            <a:schemeClr val="tx1"/>
-          </a:solidFill>
-          <a:latin typeface="+mn-lt"/>
-          <a:ea typeface="+mn-ea"/>
-          <a:cs typeface="+mn-cs"/>
-        </a:defRPr>
-      </a:lvl9pPr>
-    </p:bodyStyle>
-    <p:otherStyle>
-      <a:defPPr>
-        <a:defRPr lang="pt-BR"/>
-      </a:defPPr>
-      <a:lvl1pPr marL="0" algn="l" defTabSz="914400" rtl="0" eaLnBrk="1" latinLnBrk="0" hangingPunct="1">
-        <a:defRPr sz="1800" kern="1200">
-          <a:solidFill>
-            <a:schemeClr val="tx1"/>
-          </a:solidFill>
-          <a:latin typeface="+mn-lt"/>
-          <a:ea typeface="+mn-ea"/>
-          <a:cs typeface="+mn-cs"/>
-        </a:defRPr>
-      </a:lvl1pPr>
-      <a:lvl2pPr marL="457200" algn="l" defTabSz="914400" rtl="0" eaLnBrk="1" latinLnBrk="0" hangingPunct="1">
-        <a:defRPr sz="1800" kern="1200">
-          <a:solidFill>
-            <a:schemeClr val="tx1"/>
-          </a:solidFill>
-          <a:latin typeface="+mn-lt"/>
-          <a:ea typeface="+mn-ea"/>
-          <a:cs typeface="+mn-cs"/>
-        </a:defRPr>
-      </a:lvl2pPr>
-      <a:lvl3pPr marL="914400" algn="l" defTabSz="914400" rtl="0" eaLnBrk="1" latinLnBrk="0" hangingPunct="1">
-        <a:defRPr sz="1800" kern="1200">
-          <a:solidFill>
-            <a:schemeClr val="tx1"/>
-          </a:solidFill>
-          <a:latin typeface="+mn-lt"/>
-          <a:ea typeface="+mn-ea"/>
-          <a:cs typeface="+mn-cs"/>
-        </a:defRPr>
-      </a:lvl3pPr>
-      <a:lvl4pPr marL="1371600" algn="l" defTabSz="914400" rtl="0" eaLnBrk="1" latinLnBrk="0" hangingPunct="1">
-        <a:defRPr sz="1800" kern="1200">
-          <a:solidFill>
-            <a:schemeClr val="tx1"/>
-          </a:solidFill>
-          <a:latin typeface="+mn-lt"/>
-          <a:ea typeface="+mn-ea"/>
-          <a:cs typeface="+mn-cs"/>
-        </a:defRPr>
-      </a:lvl4pPr>
-      <a:lvl5pPr marL="1828800" algn="l" defTabSz="914400" rtl="0" eaLnBrk="1" latinLnBrk="0" hangingPunct="1">
-        <a:defRPr sz="1800" kern="1200">
-          <a:solidFill>
-            <a:schemeClr val="tx1"/>
-          </a:solidFill>
-          <a:latin typeface="+mn-lt"/>
-          <a:ea typeface="+mn-ea"/>
-          <a:cs typeface="+mn-cs"/>
-        </a:defRPr>
-      </a:lvl5pPr>
-      <a:lvl6pPr marL="2286000" algn="l" defTabSz="914400" rtl="0" eaLnBrk="1" latinLnBrk="0" hangingPunct="1">
-        <a:defRPr sz="1800" kern="1200">
-          <a:solidFill>
-            <a:schemeClr val="tx1"/>
-          </a:solidFill>
-          <a:latin typeface="+mn-lt"/>
-          <a:ea typeface="+mn-ea"/>
-          <a:cs typeface="+mn-cs"/>
-        </a:defRPr>
-      </a:lvl6pPr>
-      <a:lvl7pPr marL="2743200" algn="l" defTabSz="914400" rtl="0" eaLnBrk="1" latinLnBrk="0" hangingPunct="1">
-        <a:defRPr sz="1800" kern="1200">
-          <a:solidFill>
-            <a:schemeClr val="tx1"/>
-          </a:solidFill>
-          <a:latin typeface="+mn-lt"/>
-          <a:ea typeface="+mn-ea"/>
-          <a:cs typeface="+mn-cs"/>
-        </a:defRPr>
-      </a:lvl7pPr>
-      <a:lvl8pPr marL="3200400" algn="l" defTabSz="914400" rtl="0" eaLnBrk="1" latinLnBrk="0" hangingPunct="1">
-        <a:defRPr sz="1800" kern="1200">
-          <a:solidFill>
-            <a:schemeClr val="tx1"/>
-          </a:solidFill>
-          <a:latin typeface="+mn-lt"/>
-          <a:ea typeface="+mn-ea"/>
-          <a:cs typeface="+mn-cs"/>
-        </a:defRPr>
-      </a:lvl8pPr>
-      <a:lvl9pPr marL="3657600" algn="l" defTabSz="914400" rtl="0" eaLnBrk="1" latinLnBrk="0" hangingPunct="1">
+      <a:lvl9pPr marL="3657600" algn="l" defTabSz="457200" rtl="0" eaLnBrk="1" latinLnBrk="0" hangingPunct="1">
         <a:defRPr sz="1800" kern="1200">
           <a:solidFill>
             <a:schemeClr val="tx1"/>
@@ -3339,63 +5744,1118 @@
             <p:ph type="ctrTitle"/>
           </p:nvPr>
         </p:nvSpPr>
-        <p:spPr/>
+        <p:spPr>
+          <a:xfrm>
+            <a:off x="1520647" y="83481"/>
+            <a:ext cx="8676222" cy="1158629"/>
+          </a:xfrm>
+        </p:spPr>
         <p:txBody>
           <a:bodyPr/>
           <a:lstStyle/>
           <a:p>
             <a:r>
-              <a:rPr lang="pt-BR" dirty="0">
-                <a:hlinkClick r:id="rId2" action="ppaction://hlinksldjump"/>
+              <a:rPr lang="pt-BR" b="1" dirty="0">
+                <a:solidFill>
+                  <a:schemeClr val="tx1">
+                    <a:lumMod val="75000"/>
+                  </a:schemeClr>
+                </a:solidFill>
+                <a:effectLst>
+                  <a:glow rad="38100">
+                    <a:schemeClr val="bg1">
+                      <a:lumMod val="65000"/>
+                      <a:lumOff val="35000"/>
+                      <a:alpha val="50000"/>
+                    </a:schemeClr>
+                  </a:glow>
+                </a:effectLst>
+                <a:hlinkClick r:id="rId2" action="ppaction://hlinksldjump">
+                  <a:extLst>
+                    <a:ext uri="{A12FA001-AC4F-418D-AE19-62706E023703}">
+                      <ahyp:hlinkClr xmlns:ahyp="http://schemas.microsoft.com/office/drawing/2018/hyperlinkcolor" val="tx"/>
+                    </a:ext>
+                  </a:extLst>
+                </a:hlinkClick>
               </a:rPr>
-              <a:t>Teste</a:t>
-            </a:r>
-            <a:br>
-              <a:rPr lang="pt-BR" dirty="0">
-                <a:hlinkClick r:id="rId2" action="ppaction://hlinksldjump"/>
-              </a:rPr>
-            </a:br>
-            <a:endParaRPr lang="pt-BR" dirty="0">
-              <a:hlinkClick r:id="rId2" action="ppaction://hlinksldjump"/>
+              <a:t>Ml Roadmap</a:t>
+            </a:r>
+            <a:endParaRPr lang="pt-BR" b="1" dirty="0">
+              <a:solidFill>
+                <a:schemeClr val="tx1">
+                  <a:lumMod val="75000"/>
+                </a:schemeClr>
+              </a:solidFill>
+              <a:effectLst>
+                <a:glow rad="38100">
+                  <a:schemeClr val="bg1">
+                    <a:lumMod val="65000"/>
+                    <a:lumOff val="35000"/>
+                    <a:alpha val="50000"/>
+                  </a:schemeClr>
+                </a:glow>
+              </a:effectLst>
+              <a:hlinkClick r:id="rId2" action="ppaction://hlinksldjump">
+                <a:extLst>
+                  <a:ext uri="{A12FA001-AC4F-418D-AE19-62706E023703}">
+                    <ahyp:hlinkClr xmlns:ahyp="http://schemas.microsoft.com/office/drawing/2018/hyperlinkcolor" val="tx"/>
+                  </a:ext>
+                </a:extLst>
+              </a:hlinkClick>
             </a:endParaRPr>
           </a:p>
         </p:txBody>
       </p:sp>
       <p:sp>
         <p:nvSpPr>
-          <p:cNvPr id="3" name="Subtítulo 2">
+          <p:cNvPr id="5" name="CaixaDeTexto 4">
+            <a:hlinkClick r:id="rId2" action="ppaction://hlinksldjump"/>
             <a:extLst>
               <a:ext uri="{FF2B5EF4-FFF2-40B4-BE49-F238E27FC236}">
-                <a16:creationId xmlns:a16="http://schemas.microsoft.com/office/drawing/2014/main" id="{91523075-B30D-439E-AACB-22ECF68A94CF}"/>
+                <a16:creationId xmlns:a16="http://schemas.microsoft.com/office/drawing/2014/main" id="{79C8C7D5-4636-48DA-B1A8-E65E318E0F4F}"/>
               </a:ext>
             </a:extLst>
           </p:cNvPr>
-          <p:cNvSpPr>
-            <a:spLocks noGrp="1"/>
-          </p:cNvSpPr>
-          <p:nvPr>
-            <p:ph type="subTitle" idx="1"/>
-          </p:nvPr>
-        </p:nvSpPr>
-        <p:spPr/>
-        <p:txBody>
-          <a:bodyPr/>
+          <p:cNvSpPr txBox="1"/>
+          <p:nvPr/>
+        </p:nvSpPr>
+        <p:spPr>
+          <a:xfrm>
+            <a:off x="1073426" y="2955401"/>
+            <a:ext cx="3010040" cy="510778"/>
+          </a:xfrm>
+          <a:prstGeom prst="roundRect">
+            <a:avLst/>
+          </a:prstGeom>
+          <a:solidFill>
+            <a:srgbClr val="00B050"/>
+          </a:solidFill>
+        </p:spPr>
+        <p:style>
+          <a:lnRef idx="2">
+            <a:schemeClr val="accent1"/>
+          </a:lnRef>
+          <a:fillRef idx="1">
+            <a:schemeClr val="lt1"/>
+          </a:fillRef>
+          <a:effectRef idx="0">
+            <a:schemeClr val="accent1"/>
+          </a:effectRef>
+          <a:fontRef idx="minor">
+            <a:schemeClr val="dk1"/>
+          </a:fontRef>
+        </p:style>
+        <p:txBody>
+          <a:bodyPr wrap="square" rtlCol="0">
+            <a:spAutoFit/>
+          </a:bodyPr>
           <a:lstStyle/>
           <a:p>
-            <a:r>
-              <a:rPr lang="pt-BR" dirty="0">
-                <a:hlinkClick r:id="rId3" action="ppaction://hlinksldjump"/>
-              </a:rPr>
-              <a:t>Outro teste</a:t>
-            </a:r>
-          </a:p>
-          <a:p>
-            <a:endParaRPr lang="pt-BR" dirty="0">
-              <a:hlinkClick r:id="rId3" action="ppaction://hlinksldjump"/>
-            </a:endParaRPr>
-          </a:p>
-        </p:txBody>
-      </p:sp>
+            <a:pPr algn="ctr"/>
+            <a:r>
+              <a:rPr lang="pt-BR" sz="2400" b="1" dirty="0" err="1"/>
+              <a:t>Statistics</a:t>
+            </a:r>
+            <a:endParaRPr lang="pt-BR" sz="2400" b="1" dirty="0"/>
+          </a:p>
+        </p:txBody>
+      </p:sp>
+      <p:sp>
+        <p:nvSpPr>
+          <p:cNvPr id="6" name="CaixaDeTexto 5">
+            <a:hlinkClick r:id="rId3" action="ppaction://hlinksldjump"/>
+            <a:extLst>
+              <a:ext uri="{FF2B5EF4-FFF2-40B4-BE49-F238E27FC236}">
+                <a16:creationId xmlns:a16="http://schemas.microsoft.com/office/drawing/2014/main" id="{37C06CEE-AE8A-4D29-855A-1533ACA0C72C}"/>
+              </a:ext>
+            </a:extLst>
+          </p:cNvPr>
+          <p:cNvSpPr txBox="1"/>
+          <p:nvPr/>
+        </p:nvSpPr>
+        <p:spPr>
+          <a:xfrm>
+            <a:off x="1073426" y="3609175"/>
+            <a:ext cx="3010040" cy="510778"/>
+          </a:xfrm>
+          <a:prstGeom prst="roundRect">
+            <a:avLst/>
+          </a:prstGeom>
+          <a:solidFill>
+            <a:srgbClr val="00B050"/>
+          </a:solidFill>
+        </p:spPr>
+        <p:style>
+          <a:lnRef idx="2">
+            <a:schemeClr val="accent1"/>
+          </a:lnRef>
+          <a:fillRef idx="1">
+            <a:schemeClr val="lt1"/>
+          </a:fillRef>
+          <a:effectRef idx="0">
+            <a:schemeClr val="accent1"/>
+          </a:effectRef>
+          <a:fontRef idx="minor">
+            <a:schemeClr val="dk1"/>
+          </a:fontRef>
+        </p:style>
+        <p:txBody>
+          <a:bodyPr wrap="square" rtlCol="0">
+            <a:spAutoFit/>
+          </a:bodyPr>
+          <a:lstStyle/>
+          <a:p>
+            <a:pPr algn="ctr"/>
+            <a:r>
+              <a:rPr lang="pt-BR" sz="2400" b="1" dirty="0"/>
+              <a:t>Linear </a:t>
+            </a:r>
+            <a:r>
+              <a:rPr lang="pt-BR" sz="2400" b="1" dirty="0" err="1"/>
+              <a:t>Algebra</a:t>
+            </a:r>
+            <a:endParaRPr lang="pt-BR" sz="2400" b="1" dirty="0"/>
+          </a:p>
+        </p:txBody>
+      </p:sp>
+      <p:sp>
+        <p:nvSpPr>
+          <p:cNvPr id="7" name="CaixaDeTexto 6">
+            <a:hlinkClick r:id="rId4" action="ppaction://hlinksldjump"/>
+            <a:extLst>
+              <a:ext uri="{FF2B5EF4-FFF2-40B4-BE49-F238E27FC236}">
+                <a16:creationId xmlns:a16="http://schemas.microsoft.com/office/drawing/2014/main" id="{ECA7D715-5DF7-4BCD-927B-570F24A3BEFD}"/>
+              </a:ext>
+            </a:extLst>
+          </p:cNvPr>
+          <p:cNvSpPr txBox="1"/>
+          <p:nvPr/>
+        </p:nvSpPr>
+        <p:spPr>
+          <a:xfrm>
+            <a:off x="4599303" y="2067503"/>
+            <a:ext cx="2757451" cy="510778"/>
+          </a:xfrm>
+          <a:prstGeom prst="roundRect">
+            <a:avLst/>
+          </a:prstGeom>
+          <a:solidFill>
+            <a:srgbClr val="FFFF00"/>
+          </a:solidFill>
+        </p:spPr>
+        <p:style>
+          <a:lnRef idx="2">
+            <a:schemeClr val="accent1"/>
+          </a:lnRef>
+          <a:fillRef idx="1">
+            <a:schemeClr val="lt1"/>
+          </a:fillRef>
+          <a:effectRef idx="0">
+            <a:schemeClr val="accent1"/>
+          </a:effectRef>
+          <a:fontRef idx="minor">
+            <a:schemeClr val="dk1"/>
+          </a:fontRef>
+        </p:style>
+        <p:txBody>
+          <a:bodyPr wrap="square" rtlCol="0">
+            <a:spAutoFit/>
+          </a:bodyPr>
+          <a:lstStyle/>
+          <a:p>
+            <a:pPr algn="ctr"/>
+            <a:r>
+              <a:rPr lang="pt-BR" sz="2400" b="1" dirty="0"/>
+              <a:t>Python</a:t>
+            </a:r>
+          </a:p>
+        </p:txBody>
+      </p:sp>
+      <p:sp>
+        <p:nvSpPr>
+          <p:cNvPr id="8" name="CaixaDeTexto 7">
+            <a:extLst>
+              <a:ext uri="{FF2B5EF4-FFF2-40B4-BE49-F238E27FC236}">
+                <a16:creationId xmlns:a16="http://schemas.microsoft.com/office/drawing/2014/main" id="{49B8D0E0-056F-470B-A3C1-793A72CA247B}"/>
+              </a:ext>
+            </a:extLst>
+          </p:cNvPr>
+          <p:cNvSpPr txBox="1"/>
+          <p:nvPr/>
+        </p:nvSpPr>
+        <p:spPr>
+          <a:xfrm>
+            <a:off x="4603037" y="2877104"/>
+            <a:ext cx="2757451" cy="510778"/>
+          </a:xfrm>
+          <a:prstGeom prst="roundRect">
+            <a:avLst/>
+          </a:prstGeom>
+          <a:solidFill>
+            <a:srgbClr val="FFFF00"/>
+          </a:solidFill>
+        </p:spPr>
+        <p:style>
+          <a:lnRef idx="2">
+            <a:schemeClr val="accent1"/>
+          </a:lnRef>
+          <a:fillRef idx="1">
+            <a:schemeClr val="lt1"/>
+          </a:fillRef>
+          <a:effectRef idx="0">
+            <a:schemeClr val="accent1"/>
+          </a:effectRef>
+          <a:fontRef idx="minor">
+            <a:schemeClr val="dk1"/>
+          </a:fontRef>
+        </p:style>
+        <p:txBody>
+          <a:bodyPr wrap="square" rtlCol="0">
+            <a:spAutoFit/>
+          </a:bodyPr>
+          <a:lstStyle/>
+          <a:p>
+            <a:pPr algn="ctr"/>
+            <a:r>
+              <a:rPr lang="pt-BR" sz="2400" b="1" dirty="0"/>
+              <a:t>SQL</a:t>
+            </a:r>
+          </a:p>
+        </p:txBody>
+      </p:sp>
+      <p:sp>
+        <p:nvSpPr>
+          <p:cNvPr id="9" name="CaixaDeTexto 8">
+            <a:extLst>
+              <a:ext uri="{FF2B5EF4-FFF2-40B4-BE49-F238E27FC236}">
+                <a16:creationId xmlns:a16="http://schemas.microsoft.com/office/drawing/2014/main" id="{DF650464-BF57-47EF-9F15-72F8B0B84C92}"/>
+              </a:ext>
+            </a:extLst>
+          </p:cNvPr>
+          <p:cNvSpPr txBox="1"/>
+          <p:nvPr/>
+        </p:nvSpPr>
+        <p:spPr>
+          <a:xfrm>
+            <a:off x="4599303" y="3704136"/>
+            <a:ext cx="2757451" cy="510778"/>
+          </a:xfrm>
+          <a:prstGeom prst="roundRect">
+            <a:avLst/>
+          </a:prstGeom>
+        </p:spPr>
+        <p:style>
+          <a:lnRef idx="2">
+            <a:schemeClr val="accent1"/>
+          </a:lnRef>
+          <a:fillRef idx="1">
+            <a:schemeClr val="lt1"/>
+          </a:fillRef>
+          <a:effectRef idx="0">
+            <a:schemeClr val="accent1"/>
+          </a:effectRef>
+          <a:fontRef idx="minor">
+            <a:schemeClr val="dk1"/>
+          </a:fontRef>
+        </p:style>
+        <p:txBody>
+          <a:bodyPr wrap="square" rtlCol="0">
+            <a:spAutoFit/>
+          </a:bodyPr>
+          <a:lstStyle/>
+          <a:p>
+            <a:pPr algn="ctr"/>
+            <a:r>
+              <a:rPr lang="pt-BR" sz="2400" b="1" dirty="0"/>
+              <a:t>R</a:t>
+            </a:r>
+          </a:p>
+        </p:txBody>
+      </p:sp>
+      <p:sp>
+        <p:nvSpPr>
+          <p:cNvPr id="10" name="CaixaDeTexto 9">
+            <a:extLst>
+              <a:ext uri="{FF2B5EF4-FFF2-40B4-BE49-F238E27FC236}">
+                <a16:creationId xmlns:a16="http://schemas.microsoft.com/office/drawing/2014/main" id="{9AC971F6-B2DF-47A4-84AB-18089DC800DE}"/>
+              </a:ext>
+            </a:extLst>
+          </p:cNvPr>
+          <p:cNvSpPr txBox="1"/>
+          <p:nvPr/>
+        </p:nvSpPr>
+        <p:spPr>
+          <a:xfrm>
+            <a:off x="4599304" y="4550742"/>
+            <a:ext cx="2757451" cy="510778"/>
+          </a:xfrm>
+          <a:prstGeom prst="roundRect">
+            <a:avLst/>
+          </a:prstGeom>
+        </p:spPr>
+        <p:style>
+          <a:lnRef idx="2">
+            <a:schemeClr val="accent1"/>
+          </a:lnRef>
+          <a:fillRef idx="1">
+            <a:schemeClr val="lt1"/>
+          </a:fillRef>
+          <a:effectRef idx="0">
+            <a:schemeClr val="accent1"/>
+          </a:effectRef>
+          <a:fontRef idx="minor">
+            <a:schemeClr val="dk1"/>
+          </a:fontRef>
+        </p:style>
+        <p:txBody>
+          <a:bodyPr wrap="square" rtlCol="0">
+            <a:spAutoFit/>
+          </a:bodyPr>
+          <a:lstStyle/>
+          <a:p>
+            <a:pPr algn="ctr"/>
+            <a:r>
+              <a:rPr lang="pt-BR" sz="2400" b="1" dirty="0" err="1"/>
+              <a:t>Django</a:t>
+            </a:r>
+            <a:endParaRPr lang="pt-BR" sz="2400" b="1" dirty="0"/>
+          </a:p>
+        </p:txBody>
+      </p:sp>
+      <p:cxnSp>
+        <p:nvCxnSpPr>
+          <p:cNvPr id="12" name="Conector reto 11">
+            <a:extLst>
+              <a:ext uri="{FF2B5EF4-FFF2-40B4-BE49-F238E27FC236}">
+                <a16:creationId xmlns:a16="http://schemas.microsoft.com/office/drawing/2014/main" id="{15AC3AB8-BCAB-47A0-BE7C-2934892FAD21}"/>
+              </a:ext>
+            </a:extLst>
+          </p:cNvPr>
+          <p:cNvCxnSpPr>
+            <a:cxnSpLocks/>
+            <a:stCxn id="5" idx="3"/>
+            <a:endCxn id="7" idx="1"/>
+          </p:cNvCxnSpPr>
+          <p:nvPr/>
+        </p:nvCxnSpPr>
+        <p:spPr>
+          <a:xfrm flipV="1">
+            <a:off x="4083466" y="2322892"/>
+            <a:ext cx="515837" cy="887898"/>
+          </a:xfrm>
+          <a:prstGeom prst="line">
+            <a:avLst/>
+          </a:prstGeom>
+        </p:spPr>
+        <p:style>
+          <a:lnRef idx="1">
+            <a:schemeClr val="accent1"/>
+          </a:lnRef>
+          <a:fillRef idx="0">
+            <a:schemeClr val="accent1"/>
+          </a:fillRef>
+          <a:effectRef idx="0">
+            <a:schemeClr val="accent1"/>
+          </a:effectRef>
+          <a:fontRef idx="minor">
+            <a:schemeClr val="tx1"/>
+          </a:fontRef>
+        </p:style>
+      </p:cxnSp>
+      <p:cxnSp>
+        <p:nvCxnSpPr>
+          <p:cNvPr id="14" name="Conector reto 13">
+            <a:extLst>
+              <a:ext uri="{FF2B5EF4-FFF2-40B4-BE49-F238E27FC236}">
+                <a16:creationId xmlns:a16="http://schemas.microsoft.com/office/drawing/2014/main" id="{315CB927-7ABF-4328-8EC1-8693643332B9}"/>
+              </a:ext>
+            </a:extLst>
+          </p:cNvPr>
+          <p:cNvCxnSpPr>
+            <a:cxnSpLocks/>
+            <a:stCxn id="5" idx="3"/>
+            <a:endCxn id="8" idx="1"/>
+          </p:cNvCxnSpPr>
+          <p:nvPr/>
+        </p:nvCxnSpPr>
+        <p:spPr>
+          <a:xfrm flipV="1">
+            <a:off x="4083466" y="3132493"/>
+            <a:ext cx="519571" cy="78297"/>
+          </a:xfrm>
+          <a:prstGeom prst="line">
+            <a:avLst/>
+          </a:prstGeom>
+        </p:spPr>
+        <p:style>
+          <a:lnRef idx="1">
+            <a:schemeClr val="accent1"/>
+          </a:lnRef>
+          <a:fillRef idx="0">
+            <a:schemeClr val="accent1"/>
+          </a:fillRef>
+          <a:effectRef idx="0">
+            <a:schemeClr val="accent1"/>
+          </a:effectRef>
+          <a:fontRef idx="minor">
+            <a:schemeClr val="tx1"/>
+          </a:fontRef>
+        </p:style>
+      </p:cxnSp>
+      <p:cxnSp>
+        <p:nvCxnSpPr>
+          <p:cNvPr id="16" name="Conector reto 15">
+            <a:extLst>
+              <a:ext uri="{FF2B5EF4-FFF2-40B4-BE49-F238E27FC236}">
+                <a16:creationId xmlns:a16="http://schemas.microsoft.com/office/drawing/2014/main" id="{3D23574D-20C9-4C5E-A21E-9BAF639B797D}"/>
+              </a:ext>
+            </a:extLst>
+          </p:cNvPr>
+          <p:cNvCxnSpPr>
+            <a:cxnSpLocks/>
+            <a:stCxn id="5" idx="3"/>
+            <a:endCxn id="9" idx="1"/>
+          </p:cNvCxnSpPr>
+          <p:nvPr/>
+        </p:nvCxnSpPr>
+        <p:spPr>
+          <a:xfrm>
+            <a:off x="4083466" y="3210790"/>
+            <a:ext cx="515837" cy="748735"/>
+          </a:xfrm>
+          <a:prstGeom prst="line">
+            <a:avLst/>
+          </a:prstGeom>
+        </p:spPr>
+        <p:style>
+          <a:lnRef idx="1">
+            <a:schemeClr val="accent1"/>
+          </a:lnRef>
+          <a:fillRef idx="0">
+            <a:schemeClr val="accent1"/>
+          </a:fillRef>
+          <a:effectRef idx="0">
+            <a:schemeClr val="accent1"/>
+          </a:effectRef>
+          <a:fontRef idx="minor">
+            <a:schemeClr val="tx1"/>
+          </a:fontRef>
+        </p:style>
+      </p:cxnSp>
+      <p:cxnSp>
+        <p:nvCxnSpPr>
+          <p:cNvPr id="18" name="Conector reto 17">
+            <a:extLst>
+              <a:ext uri="{FF2B5EF4-FFF2-40B4-BE49-F238E27FC236}">
+                <a16:creationId xmlns:a16="http://schemas.microsoft.com/office/drawing/2014/main" id="{699B5C7E-F36D-46B1-B3C3-20F98E25A0D7}"/>
+              </a:ext>
+            </a:extLst>
+          </p:cNvPr>
+          <p:cNvCxnSpPr>
+            <a:cxnSpLocks/>
+            <a:stCxn id="5" idx="3"/>
+            <a:endCxn id="10" idx="1"/>
+          </p:cNvCxnSpPr>
+          <p:nvPr/>
+        </p:nvCxnSpPr>
+        <p:spPr>
+          <a:xfrm>
+            <a:off x="4083466" y="3210790"/>
+            <a:ext cx="515838" cy="1595341"/>
+          </a:xfrm>
+          <a:prstGeom prst="line">
+            <a:avLst/>
+          </a:prstGeom>
+        </p:spPr>
+        <p:style>
+          <a:lnRef idx="1">
+            <a:schemeClr val="accent1"/>
+          </a:lnRef>
+          <a:fillRef idx="0">
+            <a:schemeClr val="accent1"/>
+          </a:fillRef>
+          <a:effectRef idx="0">
+            <a:schemeClr val="accent1"/>
+          </a:effectRef>
+          <a:fontRef idx="minor">
+            <a:schemeClr val="tx1"/>
+          </a:fontRef>
+        </p:style>
+      </p:cxnSp>
+      <p:cxnSp>
+        <p:nvCxnSpPr>
+          <p:cNvPr id="20" name="Conector reto 19">
+            <a:extLst>
+              <a:ext uri="{FF2B5EF4-FFF2-40B4-BE49-F238E27FC236}">
+                <a16:creationId xmlns:a16="http://schemas.microsoft.com/office/drawing/2014/main" id="{7F60D859-0A66-4369-9B80-755A32EDC11E}"/>
+              </a:ext>
+            </a:extLst>
+          </p:cNvPr>
+          <p:cNvCxnSpPr>
+            <a:cxnSpLocks/>
+            <a:stCxn id="6" idx="3"/>
+            <a:endCxn id="7" idx="1"/>
+          </p:cNvCxnSpPr>
+          <p:nvPr/>
+        </p:nvCxnSpPr>
+        <p:spPr>
+          <a:xfrm flipV="1">
+            <a:off x="4083466" y="2322892"/>
+            <a:ext cx="515837" cy="1541672"/>
+          </a:xfrm>
+          <a:prstGeom prst="line">
+            <a:avLst/>
+          </a:prstGeom>
+        </p:spPr>
+        <p:style>
+          <a:lnRef idx="1">
+            <a:schemeClr val="accent1"/>
+          </a:lnRef>
+          <a:fillRef idx="0">
+            <a:schemeClr val="accent1"/>
+          </a:fillRef>
+          <a:effectRef idx="0">
+            <a:schemeClr val="accent1"/>
+          </a:effectRef>
+          <a:fontRef idx="minor">
+            <a:schemeClr val="tx1"/>
+          </a:fontRef>
+        </p:style>
+      </p:cxnSp>
+      <p:cxnSp>
+        <p:nvCxnSpPr>
+          <p:cNvPr id="22" name="Conector reto 21">
+            <a:extLst>
+              <a:ext uri="{FF2B5EF4-FFF2-40B4-BE49-F238E27FC236}">
+                <a16:creationId xmlns:a16="http://schemas.microsoft.com/office/drawing/2014/main" id="{A2FDE689-BC7C-46AE-83D2-9B6F63910FE7}"/>
+              </a:ext>
+            </a:extLst>
+          </p:cNvPr>
+          <p:cNvCxnSpPr>
+            <a:cxnSpLocks/>
+            <a:stCxn id="6" idx="3"/>
+            <a:endCxn id="8" idx="1"/>
+          </p:cNvCxnSpPr>
+          <p:nvPr/>
+        </p:nvCxnSpPr>
+        <p:spPr>
+          <a:xfrm flipV="1">
+            <a:off x="4083466" y="3132493"/>
+            <a:ext cx="519571" cy="732071"/>
+          </a:xfrm>
+          <a:prstGeom prst="line">
+            <a:avLst/>
+          </a:prstGeom>
+        </p:spPr>
+        <p:style>
+          <a:lnRef idx="1">
+            <a:schemeClr val="accent1"/>
+          </a:lnRef>
+          <a:fillRef idx="0">
+            <a:schemeClr val="accent1"/>
+          </a:fillRef>
+          <a:effectRef idx="0">
+            <a:schemeClr val="accent1"/>
+          </a:effectRef>
+          <a:fontRef idx="minor">
+            <a:schemeClr val="tx1"/>
+          </a:fontRef>
+        </p:style>
+      </p:cxnSp>
+      <p:cxnSp>
+        <p:nvCxnSpPr>
+          <p:cNvPr id="31" name="Conector reto 30">
+            <a:extLst>
+              <a:ext uri="{FF2B5EF4-FFF2-40B4-BE49-F238E27FC236}">
+                <a16:creationId xmlns:a16="http://schemas.microsoft.com/office/drawing/2014/main" id="{EE36F16E-D162-49E0-9A02-14437BFDBC0C}"/>
+              </a:ext>
+            </a:extLst>
+          </p:cNvPr>
+          <p:cNvCxnSpPr>
+            <a:cxnSpLocks/>
+            <a:stCxn id="6" idx="3"/>
+            <a:endCxn id="9" idx="1"/>
+          </p:cNvCxnSpPr>
+          <p:nvPr/>
+        </p:nvCxnSpPr>
+        <p:spPr>
+          <a:xfrm>
+            <a:off x="4083466" y="3864564"/>
+            <a:ext cx="515837" cy="94961"/>
+          </a:xfrm>
+          <a:prstGeom prst="line">
+            <a:avLst/>
+          </a:prstGeom>
+        </p:spPr>
+        <p:style>
+          <a:lnRef idx="1">
+            <a:schemeClr val="accent1"/>
+          </a:lnRef>
+          <a:fillRef idx="0">
+            <a:schemeClr val="accent1"/>
+          </a:fillRef>
+          <a:effectRef idx="0">
+            <a:schemeClr val="accent1"/>
+          </a:effectRef>
+          <a:fontRef idx="minor">
+            <a:schemeClr val="tx1"/>
+          </a:fontRef>
+        </p:style>
+      </p:cxnSp>
+      <p:cxnSp>
+        <p:nvCxnSpPr>
+          <p:cNvPr id="33" name="Conector reto 32">
+            <a:extLst>
+              <a:ext uri="{FF2B5EF4-FFF2-40B4-BE49-F238E27FC236}">
+                <a16:creationId xmlns:a16="http://schemas.microsoft.com/office/drawing/2014/main" id="{9D1CC83F-375B-4D6E-8088-0A95F0093BEE}"/>
+              </a:ext>
+            </a:extLst>
+          </p:cNvPr>
+          <p:cNvCxnSpPr>
+            <a:cxnSpLocks/>
+            <a:stCxn id="6" idx="3"/>
+            <a:endCxn id="10" idx="1"/>
+          </p:cNvCxnSpPr>
+          <p:nvPr/>
+        </p:nvCxnSpPr>
+        <p:spPr>
+          <a:xfrm>
+            <a:off x="4083466" y="3864564"/>
+            <a:ext cx="515838" cy="941567"/>
+          </a:xfrm>
+          <a:prstGeom prst="line">
+            <a:avLst/>
+          </a:prstGeom>
+        </p:spPr>
+        <p:style>
+          <a:lnRef idx="1">
+            <a:schemeClr val="accent1"/>
+          </a:lnRef>
+          <a:fillRef idx="0">
+            <a:schemeClr val="accent1"/>
+          </a:fillRef>
+          <a:effectRef idx="0">
+            <a:schemeClr val="accent1"/>
+          </a:effectRef>
+          <a:fontRef idx="minor">
+            <a:schemeClr val="tx1"/>
+          </a:fontRef>
+        </p:style>
+      </p:cxnSp>
+      <p:sp>
+        <p:nvSpPr>
+          <p:cNvPr id="82" name="CaixaDeTexto 81">
+            <a:extLst>
+              <a:ext uri="{FF2B5EF4-FFF2-40B4-BE49-F238E27FC236}">
+                <a16:creationId xmlns:a16="http://schemas.microsoft.com/office/drawing/2014/main" id="{C81BD7EE-CE52-46A4-8E57-60A5EFCD14C3}"/>
+              </a:ext>
+            </a:extLst>
+          </p:cNvPr>
+          <p:cNvSpPr txBox="1"/>
+          <p:nvPr/>
+        </p:nvSpPr>
+        <p:spPr>
+          <a:xfrm>
+            <a:off x="7831238" y="2940879"/>
+            <a:ext cx="3010040" cy="510778"/>
+          </a:xfrm>
+          <a:prstGeom prst="roundRect">
+            <a:avLst/>
+          </a:prstGeom>
+        </p:spPr>
+        <p:style>
+          <a:lnRef idx="2">
+            <a:schemeClr val="accent1"/>
+          </a:lnRef>
+          <a:fillRef idx="1">
+            <a:schemeClr val="lt1"/>
+          </a:fillRef>
+          <a:effectRef idx="0">
+            <a:schemeClr val="accent1"/>
+          </a:effectRef>
+          <a:fontRef idx="minor">
+            <a:schemeClr val="dk1"/>
+          </a:fontRef>
+        </p:style>
+        <p:txBody>
+          <a:bodyPr wrap="square" rtlCol="0">
+            <a:spAutoFit/>
+          </a:bodyPr>
+          <a:lstStyle/>
+          <a:p>
+            <a:pPr algn="ctr"/>
+            <a:r>
+              <a:rPr lang="pt-BR" sz="2400" b="1" dirty="0"/>
+              <a:t>Data Science</a:t>
+            </a:r>
+          </a:p>
+        </p:txBody>
+      </p:sp>
+      <p:sp>
+        <p:nvSpPr>
+          <p:cNvPr id="83" name="CaixaDeTexto 82">
+            <a:extLst>
+              <a:ext uri="{FF2B5EF4-FFF2-40B4-BE49-F238E27FC236}">
+                <a16:creationId xmlns:a16="http://schemas.microsoft.com/office/drawing/2014/main" id="{A5A0FE78-A75D-4999-ABE0-B864CC8F444A}"/>
+              </a:ext>
+            </a:extLst>
+          </p:cNvPr>
+          <p:cNvSpPr txBox="1"/>
+          <p:nvPr/>
+        </p:nvSpPr>
+        <p:spPr>
+          <a:xfrm>
+            <a:off x="7831238" y="3594653"/>
+            <a:ext cx="3147392" cy="510778"/>
+          </a:xfrm>
+          <a:prstGeom prst="roundRect">
+            <a:avLst/>
+          </a:prstGeom>
+        </p:spPr>
+        <p:style>
+          <a:lnRef idx="2">
+            <a:schemeClr val="accent1"/>
+          </a:lnRef>
+          <a:fillRef idx="1">
+            <a:schemeClr val="lt1"/>
+          </a:fillRef>
+          <a:effectRef idx="0">
+            <a:schemeClr val="accent1"/>
+          </a:effectRef>
+          <a:fontRef idx="minor">
+            <a:schemeClr val="dk1"/>
+          </a:fontRef>
+        </p:style>
+        <p:txBody>
+          <a:bodyPr wrap="square" rtlCol="0">
+            <a:spAutoFit/>
+          </a:bodyPr>
+          <a:lstStyle/>
+          <a:p>
+            <a:pPr algn="ctr"/>
+            <a:r>
+              <a:rPr lang="pt-BR" sz="2400" b="1" dirty="0" err="1"/>
+              <a:t>Machine</a:t>
+            </a:r>
+            <a:r>
+              <a:rPr lang="pt-BR" sz="2400" b="1" dirty="0"/>
+              <a:t> Learning</a:t>
+            </a:r>
+          </a:p>
+        </p:txBody>
+      </p:sp>
+      <p:cxnSp>
+        <p:nvCxnSpPr>
+          <p:cNvPr id="122" name="Conector reto 121">
+            <a:extLst>
+              <a:ext uri="{FF2B5EF4-FFF2-40B4-BE49-F238E27FC236}">
+                <a16:creationId xmlns:a16="http://schemas.microsoft.com/office/drawing/2014/main" id="{FCADF06A-C16B-438D-99CF-A9DD2C9855CD}"/>
+              </a:ext>
+            </a:extLst>
+          </p:cNvPr>
+          <p:cNvCxnSpPr>
+            <a:stCxn id="7" idx="3"/>
+            <a:endCxn id="82" idx="1"/>
+          </p:cNvCxnSpPr>
+          <p:nvPr/>
+        </p:nvCxnSpPr>
+        <p:spPr>
+          <a:xfrm>
+            <a:off x="7356754" y="2322892"/>
+            <a:ext cx="474484" cy="873376"/>
+          </a:xfrm>
+          <a:prstGeom prst="line">
+            <a:avLst/>
+          </a:prstGeom>
+        </p:spPr>
+        <p:style>
+          <a:lnRef idx="1">
+            <a:schemeClr val="accent1"/>
+          </a:lnRef>
+          <a:fillRef idx="0">
+            <a:schemeClr val="accent1"/>
+          </a:fillRef>
+          <a:effectRef idx="0">
+            <a:schemeClr val="accent1"/>
+          </a:effectRef>
+          <a:fontRef idx="minor">
+            <a:schemeClr val="tx1"/>
+          </a:fontRef>
+        </p:style>
+      </p:cxnSp>
+      <p:cxnSp>
+        <p:nvCxnSpPr>
+          <p:cNvPr id="124" name="Conector reto 123">
+            <a:extLst>
+              <a:ext uri="{FF2B5EF4-FFF2-40B4-BE49-F238E27FC236}">
+                <a16:creationId xmlns:a16="http://schemas.microsoft.com/office/drawing/2014/main" id="{1B5220D7-3F9A-43CA-AC9C-5FFDFBBD60D7}"/>
+              </a:ext>
+            </a:extLst>
+          </p:cNvPr>
+          <p:cNvCxnSpPr>
+            <a:stCxn id="7" idx="3"/>
+            <a:endCxn id="83" idx="1"/>
+          </p:cNvCxnSpPr>
+          <p:nvPr/>
+        </p:nvCxnSpPr>
+        <p:spPr>
+          <a:xfrm>
+            <a:off x="7356754" y="2322892"/>
+            <a:ext cx="474484" cy="1527150"/>
+          </a:xfrm>
+          <a:prstGeom prst="line">
+            <a:avLst/>
+          </a:prstGeom>
+        </p:spPr>
+        <p:style>
+          <a:lnRef idx="1">
+            <a:schemeClr val="accent1"/>
+          </a:lnRef>
+          <a:fillRef idx="0">
+            <a:schemeClr val="accent1"/>
+          </a:fillRef>
+          <a:effectRef idx="0">
+            <a:schemeClr val="accent1"/>
+          </a:effectRef>
+          <a:fontRef idx="minor">
+            <a:schemeClr val="tx1"/>
+          </a:fontRef>
+        </p:style>
+      </p:cxnSp>
+      <p:cxnSp>
+        <p:nvCxnSpPr>
+          <p:cNvPr id="126" name="Conector reto 125">
+            <a:extLst>
+              <a:ext uri="{FF2B5EF4-FFF2-40B4-BE49-F238E27FC236}">
+                <a16:creationId xmlns:a16="http://schemas.microsoft.com/office/drawing/2014/main" id="{BD3F123C-B4C1-4F15-85FE-F631E142192B}"/>
+              </a:ext>
+            </a:extLst>
+          </p:cNvPr>
+          <p:cNvCxnSpPr>
+            <a:stCxn id="8" idx="3"/>
+            <a:endCxn id="82" idx="1"/>
+          </p:cNvCxnSpPr>
+          <p:nvPr/>
+        </p:nvCxnSpPr>
+        <p:spPr>
+          <a:xfrm>
+            <a:off x="7360488" y="3132493"/>
+            <a:ext cx="470750" cy="63775"/>
+          </a:xfrm>
+          <a:prstGeom prst="line">
+            <a:avLst/>
+          </a:prstGeom>
+        </p:spPr>
+        <p:style>
+          <a:lnRef idx="1">
+            <a:schemeClr val="accent1"/>
+          </a:lnRef>
+          <a:fillRef idx="0">
+            <a:schemeClr val="accent1"/>
+          </a:fillRef>
+          <a:effectRef idx="0">
+            <a:schemeClr val="accent1"/>
+          </a:effectRef>
+          <a:fontRef idx="minor">
+            <a:schemeClr val="tx1"/>
+          </a:fontRef>
+        </p:style>
+      </p:cxnSp>
+      <p:cxnSp>
+        <p:nvCxnSpPr>
+          <p:cNvPr id="128" name="Conector reto 127">
+            <a:extLst>
+              <a:ext uri="{FF2B5EF4-FFF2-40B4-BE49-F238E27FC236}">
+                <a16:creationId xmlns:a16="http://schemas.microsoft.com/office/drawing/2014/main" id="{0878C800-F7F5-4697-9956-09C91DBC3CF0}"/>
+              </a:ext>
+            </a:extLst>
+          </p:cNvPr>
+          <p:cNvCxnSpPr>
+            <a:stCxn id="8" idx="3"/>
+            <a:endCxn id="83" idx="1"/>
+          </p:cNvCxnSpPr>
+          <p:nvPr/>
+        </p:nvCxnSpPr>
+        <p:spPr>
+          <a:xfrm>
+            <a:off x="7360488" y="3132493"/>
+            <a:ext cx="470750" cy="717549"/>
+          </a:xfrm>
+          <a:prstGeom prst="line">
+            <a:avLst/>
+          </a:prstGeom>
+        </p:spPr>
+        <p:style>
+          <a:lnRef idx="1">
+            <a:schemeClr val="accent1"/>
+          </a:lnRef>
+          <a:fillRef idx="0">
+            <a:schemeClr val="accent1"/>
+          </a:fillRef>
+          <a:effectRef idx="0">
+            <a:schemeClr val="accent1"/>
+          </a:effectRef>
+          <a:fontRef idx="minor">
+            <a:schemeClr val="tx1"/>
+          </a:fontRef>
+        </p:style>
+      </p:cxnSp>
+      <p:cxnSp>
+        <p:nvCxnSpPr>
+          <p:cNvPr id="130" name="Conector reto 129">
+            <a:extLst>
+              <a:ext uri="{FF2B5EF4-FFF2-40B4-BE49-F238E27FC236}">
+                <a16:creationId xmlns:a16="http://schemas.microsoft.com/office/drawing/2014/main" id="{F8407277-4463-4B91-B712-AC5F8CAB758D}"/>
+              </a:ext>
+            </a:extLst>
+          </p:cNvPr>
+          <p:cNvCxnSpPr>
+            <a:stCxn id="9" idx="3"/>
+            <a:endCxn id="82" idx="1"/>
+          </p:cNvCxnSpPr>
+          <p:nvPr/>
+        </p:nvCxnSpPr>
+        <p:spPr>
+          <a:xfrm flipV="1">
+            <a:off x="7356754" y="3196268"/>
+            <a:ext cx="474484" cy="763257"/>
+          </a:xfrm>
+          <a:prstGeom prst="line">
+            <a:avLst/>
+          </a:prstGeom>
+        </p:spPr>
+        <p:style>
+          <a:lnRef idx="1">
+            <a:schemeClr val="accent1"/>
+          </a:lnRef>
+          <a:fillRef idx="0">
+            <a:schemeClr val="accent1"/>
+          </a:fillRef>
+          <a:effectRef idx="0">
+            <a:schemeClr val="accent1"/>
+          </a:effectRef>
+          <a:fontRef idx="minor">
+            <a:schemeClr val="tx1"/>
+          </a:fontRef>
+        </p:style>
+      </p:cxnSp>
+      <p:cxnSp>
+        <p:nvCxnSpPr>
+          <p:cNvPr id="133" name="Conector reto 132">
+            <a:extLst>
+              <a:ext uri="{FF2B5EF4-FFF2-40B4-BE49-F238E27FC236}">
+                <a16:creationId xmlns:a16="http://schemas.microsoft.com/office/drawing/2014/main" id="{34BADC49-9C76-403B-943B-99CBF9455C17}"/>
+              </a:ext>
+            </a:extLst>
+          </p:cNvPr>
+          <p:cNvCxnSpPr>
+            <a:stCxn id="9" idx="3"/>
+            <a:endCxn id="83" idx="1"/>
+          </p:cNvCxnSpPr>
+          <p:nvPr/>
+        </p:nvCxnSpPr>
+        <p:spPr>
+          <a:xfrm flipV="1">
+            <a:off x="7356754" y="3850042"/>
+            <a:ext cx="474484" cy="109483"/>
+          </a:xfrm>
+          <a:prstGeom prst="line">
+            <a:avLst/>
+          </a:prstGeom>
+        </p:spPr>
+        <p:style>
+          <a:lnRef idx="1">
+            <a:schemeClr val="accent1"/>
+          </a:lnRef>
+          <a:fillRef idx="0">
+            <a:schemeClr val="accent1"/>
+          </a:fillRef>
+          <a:effectRef idx="0">
+            <a:schemeClr val="accent1"/>
+          </a:effectRef>
+          <a:fontRef idx="minor">
+            <a:schemeClr val="tx1"/>
+          </a:fontRef>
+        </p:style>
+      </p:cxnSp>
+      <p:cxnSp>
+        <p:nvCxnSpPr>
+          <p:cNvPr id="135" name="Conector reto 134">
+            <a:extLst>
+              <a:ext uri="{FF2B5EF4-FFF2-40B4-BE49-F238E27FC236}">
+                <a16:creationId xmlns:a16="http://schemas.microsoft.com/office/drawing/2014/main" id="{A41327FB-3E05-4994-98B9-F1907E6BFF7B}"/>
+              </a:ext>
+            </a:extLst>
+          </p:cNvPr>
+          <p:cNvCxnSpPr>
+            <a:stCxn id="10" idx="3"/>
+            <a:endCxn id="82" idx="1"/>
+          </p:cNvCxnSpPr>
+          <p:nvPr/>
+        </p:nvCxnSpPr>
+        <p:spPr>
+          <a:xfrm flipV="1">
+            <a:off x="7356755" y="3196268"/>
+            <a:ext cx="474483" cy="1609863"/>
+          </a:xfrm>
+          <a:prstGeom prst="line">
+            <a:avLst/>
+          </a:prstGeom>
+        </p:spPr>
+        <p:style>
+          <a:lnRef idx="1">
+            <a:schemeClr val="accent1"/>
+          </a:lnRef>
+          <a:fillRef idx="0">
+            <a:schemeClr val="accent1"/>
+          </a:fillRef>
+          <a:effectRef idx="0">
+            <a:schemeClr val="accent1"/>
+          </a:effectRef>
+          <a:fontRef idx="minor">
+            <a:schemeClr val="tx1"/>
+          </a:fontRef>
+        </p:style>
+      </p:cxnSp>
+      <p:cxnSp>
+        <p:nvCxnSpPr>
+          <p:cNvPr id="137" name="Conector reto 136">
+            <a:extLst>
+              <a:ext uri="{FF2B5EF4-FFF2-40B4-BE49-F238E27FC236}">
+                <a16:creationId xmlns:a16="http://schemas.microsoft.com/office/drawing/2014/main" id="{4F27B0BD-1814-47FD-AAF1-F0481E62849A}"/>
+              </a:ext>
+            </a:extLst>
+          </p:cNvPr>
+          <p:cNvCxnSpPr>
+            <a:stCxn id="10" idx="3"/>
+            <a:endCxn id="83" idx="1"/>
+          </p:cNvCxnSpPr>
+          <p:nvPr/>
+        </p:nvCxnSpPr>
+        <p:spPr>
+          <a:xfrm flipV="1">
+            <a:off x="7356755" y="3850042"/>
+            <a:ext cx="474483" cy="956089"/>
+          </a:xfrm>
+          <a:prstGeom prst="line">
+            <a:avLst/>
+          </a:prstGeom>
+        </p:spPr>
+        <p:style>
+          <a:lnRef idx="1">
+            <a:schemeClr val="accent1"/>
+          </a:lnRef>
+          <a:fillRef idx="0">
+            <a:schemeClr val="accent1"/>
+          </a:fillRef>
+          <a:effectRef idx="0">
+            <a:schemeClr val="accent1"/>
+          </a:effectRef>
+          <a:fontRef idx="minor">
+            <a:schemeClr val="tx1"/>
+          </a:fontRef>
+        </p:style>
+      </p:cxnSp>
     </p:spTree>
     <p:extLst>
       <p:ext uri="{BB962C8B-B14F-4D97-AF65-F5344CB8AC3E}">
@@ -3442,18 +6902,22 @@
             <p:ph type="ctrTitle"/>
           </p:nvPr>
         </p:nvSpPr>
-        <p:spPr/>
-        <p:txBody>
-          <a:bodyPr/>
+        <p:spPr>
+          <a:xfrm>
+            <a:off x="94492" y="145775"/>
+            <a:ext cx="3152292" cy="808381"/>
+          </a:xfrm>
+        </p:spPr>
+        <p:txBody>
+          <a:bodyPr>
+            <a:normAutofit fontScale="90000"/>
+          </a:bodyPr>
           <a:lstStyle/>
           <a:p>
             <a:r>
-              <a:rPr lang="pt-BR" dirty="0"/>
-              <a:t>Teste</a:t>
-            </a:r>
-            <a:br>
-              <a:rPr lang="pt-BR" dirty="0"/>
-            </a:br>
+              <a:rPr lang="pt-BR" dirty="0" err="1"/>
+              <a:t>Statistics</a:t>
+            </a:r>
             <a:endParaRPr lang="pt-BR" dirty="0"/>
           </a:p>
         </p:txBody>
@@ -3475,8 +6939,8 @@
         </p:nvSpPr>
         <p:spPr>
           <a:xfrm>
-            <a:off x="3717234" y="361882"/>
-            <a:ext cx="9144000" cy="1655762"/>
+            <a:off x="10939669" y="39757"/>
+            <a:ext cx="1358349" cy="463827"/>
           </a:xfrm>
           <a:prstGeom prst="rect">
             <a:avLst/>
@@ -3651,15 +7115,10 @@
             </a:lvl9pPr>
           </a:lstStyle>
           <a:p>
-            <a:endParaRPr lang="pt-BR" dirty="0"/>
-          </a:p>
-          <a:p>
-            <a:r>
-              <a:rPr lang="pt-BR" dirty="0"/>
-              <a:t>voltar</a:t>
-            </a:r>
-          </a:p>
-          <a:p>
+            <a:r>
+              <a:rPr lang="pt-BR" dirty="0" err="1"/>
+              <a:t>Main</a:t>
+            </a:r>
             <a:endParaRPr lang="pt-BR" dirty="0"/>
           </a:p>
         </p:txBody>
@@ -3727,11 +7186,51 @@
       </p:sp>
       <p:sp>
         <p:nvSpPr>
-          <p:cNvPr id="6" name="Subtítulo 2">
+          <p:cNvPr id="4" name="Título 1">
+            <a:extLst>
+              <a:ext uri="{FF2B5EF4-FFF2-40B4-BE49-F238E27FC236}">
+                <a16:creationId xmlns:a16="http://schemas.microsoft.com/office/drawing/2014/main" id="{68F2F565-B363-4D0E-9992-154B6AB6F506}"/>
+              </a:ext>
+            </a:extLst>
+          </p:cNvPr>
+          <p:cNvSpPr>
+            <a:spLocks noGrp="1"/>
+          </p:cNvSpPr>
+          <p:nvPr>
+            <p:ph type="ctrTitle"/>
+          </p:nvPr>
+        </p:nvSpPr>
+        <p:spPr>
+          <a:xfrm>
+            <a:off x="94491" y="145775"/>
+            <a:ext cx="4742551" cy="808381"/>
+          </a:xfrm>
+        </p:spPr>
+        <p:txBody>
+          <a:bodyPr>
+            <a:normAutofit fontScale="90000"/>
+          </a:bodyPr>
+          <a:lstStyle/>
+          <a:p>
+            <a:r>
+              <a:rPr lang="pt-BR" dirty="0"/>
+              <a:t>Linear </a:t>
+            </a:r>
+            <a:r>
+              <a:rPr lang="pt-BR" dirty="0" err="1"/>
+              <a:t>algebra</a:t>
+            </a:r>
+            <a:endParaRPr lang="pt-BR" dirty="0"/>
+          </a:p>
+        </p:txBody>
+      </p:sp>
+      <p:sp>
+        <p:nvSpPr>
+          <p:cNvPr id="5" name="Subtítulo 2">
             <a:hlinkClick r:id="rId2" action="ppaction://hlinksldjump"/>
             <a:extLst>
               <a:ext uri="{FF2B5EF4-FFF2-40B4-BE49-F238E27FC236}">
-                <a16:creationId xmlns:a16="http://schemas.microsoft.com/office/drawing/2014/main" id="{A35B92E4-4B87-47D1-B615-3EA01DE46510}"/>
+                <a16:creationId xmlns:a16="http://schemas.microsoft.com/office/drawing/2014/main" id="{CE0CD5E5-F5AA-4F93-B9FD-3F653842227E}"/>
               </a:ext>
             </a:extLst>
           </p:cNvPr>
@@ -3742,8 +7241,8 @@
         </p:nvSpPr>
         <p:spPr>
           <a:xfrm>
-            <a:off x="3717234" y="361882"/>
-            <a:ext cx="9144000" cy="1655762"/>
+            <a:off x="10939669" y="39757"/>
+            <a:ext cx="1358349" cy="463827"/>
           </a:xfrm>
           <a:prstGeom prst="rect">
             <a:avLst/>
@@ -3918,15 +7417,10 @@
             </a:lvl9pPr>
           </a:lstStyle>
           <a:p>
-            <a:endParaRPr lang="pt-BR" dirty="0"/>
-          </a:p>
-          <a:p>
-            <a:r>
-              <a:rPr lang="pt-BR" dirty="0"/>
-              <a:t>voltar</a:t>
-            </a:r>
-          </a:p>
-          <a:p>
+            <a:r>
+              <a:rPr lang="pt-BR" dirty="0" err="1"/>
+              <a:t>Main</a:t>
+            </a:r>
             <a:endParaRPr lang="pt-BR" dirty="0"/>
           </a:p>
         </p:txBody>
@@ -3944,10 +7438,903 @@
 </p:sld>
 </file>
 
+<file path=ppt/slides/slide4.xml><?xml version="1.0" encoding="utf-8"?>
+<p:sld xmlns:a="http://schemas.openxmlformats.org/drawingml/2006/main" xmlns:r="http://schemas.openxmlformats.org/officeDocument/2006/relationships" xmlns:p="http://schemas.openxmlformats.org/presentationml/2006/main">
+  <p:cSld>
+    <p:spTree>
+      <p:nvGrpSpPr>
+        <p:cNvPr id="1" name=""/>
+        <p:cNvGrpSpPr/>
+        <p:nvPr/>
+      </p:nvGrpSpPr>
+      <p:grpSpPr>
+        <a:xfrm>
+          <a:off x="0" y="0"/>
+          <a:ext cx="0" cy="0"/>
+          <a:chOff x="0" y="0"/>
+          <a:chExt cx="0" cy="0"/>
+        </a:xfrm>
+      </p:grpSpPr>
+      <p:sp>
+        <p:nvSpPr>
+          <p:cNvPr id="3" name="Subtítulo 2">
+            <a:extLst>
+              <a:ext uri="{FF2B5EF4-FFF2-40B4-BE49-F238E27FC236}">
+                <a16:creationId xmlns:a16="http://schemas.microsoft.com/office/drawing/2014/main" id="{91523075-B30D-439E-AACB-22ECF68A94CF}"/>
+              </a:ext>
+            </a:extLst>
+          </p:cNvPr>
+          <p:cNvSpPr>
+            <a:spLocks noGrp="1"/>
+          </p:cNvSpPr>
+          <p:nvPr>
+            <p:ph type="subTitle" idx="1"/>
+          </p:nvPr>
+        </p:nvSpPr>
+        <p:spPr/>
+        <p:txBody>
+          <a:bodyPr/>
+          <a:lstStyle/>
+          <a:p>
+            <a:r>
+              <a:rPr lang="pt-BR" dirty="0"/>
+              <a:t>Outro teste</a:t>
+            </a:r>
+          </a:p>
+          <a:p>
+            <a:endParaRPr lang="pt-BR" dirty="0"/>
+          </a:p>
+        </p:txBody>
+      </p:sp>
+      <p:sp>
+        <p:nvSpPr>
+          <p:cNvPr id="4" name="Título 1">
+            <a:extLst>
+              <a:ext uri="{FF2B5EF4-FFF2-40B4-BE49-F238E27FC236}">
+                <a16:creationId xmlns:a16="http://schemas.microsoft.com/office/drawing/2014/main" id="{68F2F565-B363-4D0E-9992-154B6AB6F506}"/>
+              </a:ext>
+            </a:extLst>
+          </p:cNvPr>
+          <p:cNvSpPr>
+            <a:spLocks noGrp="1"/>
+          </p:cNvSpPr>
+          <p:nvPr>
+            <p:ph type="ctrTitle"/>
+          </p:nvPr>
+        </p:nvSpPr>
+        <p:spPr>
+          <a:xfrm>
+            <a:off x="94492" y="145775"/>
+            <a:ext cx="2701718" cy="808381"/>
+          </a:xfrm>
+        </p:spPr>
+        <p:txBody>
+          <a:bodyPr>
+            <a:normAutofit fontScale="90000"/>
+          </a:bodyPr>
+          <a:lstStyle/>
+          <a:p>
+            <a:r>
+              <a:rPr lang="pt-BR" dirty="0" err="1"/>
+              <a:t>python</a:t>
+            </a:r>
+            <a:endParaRPr lang="pt-BR" dirty="0"/>
+          </a:p>
+        </p:txBody>
+      </p:sp>
+      <p:sp>
+        <p:nvSpPr>
+          <p:cNvPr id="5" name="Subtítulo 2">
+            <a:hlinkClick r:id="rId2" action="ppaction://hlinksldjump"/>
+            <a:extLst>
+              <a:ext uri="{FF2B5EF4-FFF2-40B4-BE49-F238E27FC236}">
+                <a16:creationId xmlns:a16="http://schemas.microsoft.com/office/drawing/2014/main" id="{4E202747-E166-45F2-ABAC-AF816507F539}"/>
+              </a:ext>
+            </a:extLst>
+          </p:cNvPr>
+          <p:cNvSpPr txBox="1">
+            <a:spLocks/>
+          </p:cNvSpPr>
+          <p:nvPr/>
+        </p:nvSpPr>
+        <p:spPr>
+          <a:xfrm>
+            <a:off x="10939669" y="39757"/>
+            <a:ext cx="1358349" cy="463827"/>
+          </a:xfrm>
+          <a:prstGeom prst="rect">
+            <a:avLst/>
+          </a:prstGeom>
+        </p:spPr>
+        <p:txBody>
+          <a:bodyPr vert="horz" lIns="91440" tIns="45720" rIns="91440" bIns="45720" rtlCol="0">
+            <a:normAutofit/>
+          </a:bodyPr>
+          <a:lstStyle>
+            <a:lvl1pPr marL="0" indent="0" algn="ctr" defTabSz="914400" rtl="0" eaLnBrk="1" latinLnBrk="0" hangingPunct="1">
+              <a:lnSpc>
+                <a:spcPct val="90000"/>
+              </a:lnSpc>
+              <a:spcBef>
+                <a:spcPts val="1000"/>
+              </a:spcBef>
+              <a:buFont typeface="Arial" panose="020B0604020202020204" pitchFamily="34" charset="0"/>
+              <a:buNone/>
+              <a:defRPr sz="2400" kern="1200">
+                <a:solidFill>
+                  <a:schemeClr val="tx1"/>
+                </a:solidFill>
+                <a:latin typeface="+mn-lt"/>
+                <a:ea typeface="+mn-ea"/>
+                <a:cs typeface="+mn-cs"/>
+              </a:defRPr>
+            </a:lvl1pPr>
+            <a:lvl2pPr marL="457200" indent="0" algn="ctr" defTabSz="914400" rtl="0" eaLnBrk="1" latinLnBrk="0" hangingPunct="1">
+              <a:lnSpc>
+                <a:spcPct val="90000"/>
+              </a:lnSpc>
+              <a:spcBef>
+                <a:spcPts val="500"/>
+              </a:spcBef>
+              <a:buFont typeface="Arial" panose="020B0604020202020204" pitchFamily="34" charset="0"/>
+              <a:buNone/>
+              <a:defRPr sz="2000" kern="1200">
+                <a:solidFill>
+                  <a:schemeClr val="tx1"/>
+                </a:solidFill>
+                <a:latin typeface="+mn-lt"/>
+                <a:ea typeface="+mn-ea"/>
+                <a:cs typeface="+mn-cs"/>
+              </a:defRPr>
+            </a:lvl2pPr>
+            <a:lvl3pPr marL="914400" indent="0" algn="ctr" defTabSz="914400" rtl="0" eaLnBrk="1" latinLnBrk="0" hangingPunct="1">
+              <a:lnSpc>
+                <a:spcPct val="90000"/>
+              </a:lnSpc>
+              <a:spcBef>
+                <a:spcPts val="500"/>
+              </a:spcBef>
+              <a:buFont typeface="Arial" panose="020B0604020202020204" pitchFamily="34" charset="0"/>
+              <a:buNone/>
+              <a:defRPr sz="1800" kern="1200">
+                <a:solidFill>
+                  <a:schemeClr val="tx1"/>
+                </a:solidFill>
+                <a:latin typeface="+mn-lt"/>
+                <a:ea typeface="+mn-ea"/>
+                <a:cs typeface="+mn-cs"/>
+              </a:defRPr>
+            </a:lvl3pPr>
+            <a:lvl4pPr marL="1371600" indent="0" algn="ctr" defTabSz="914400" rtl="0" eaLnBrk="1" latinLnBrk="0" hangingPunct="1">
+              <a:lnSpc>
+                <a:spcPct val="90000"/>
+              </a:lnSpc>
+              <a:spcBef>
+                <a:spcPts val="500"/>
+              </a:spcBef>
+              <a:buFont typeface="Arial" panose="020B0604020202020204" pitchFamily="34" charset="0"/>
+              <a:buNone/>
+              <a:defRPr sz="1600" kern="1200">
+                <a:solidFill>
+                  <a:schemeClr val="tx1"/>
+                </a:solidFill>
+                <a:latin typeface="+mn-lt"/>
+                <a:ea typeface="+mn-ea"/>
+                <a:cs typeface="+mn-cs"/>
+              </a:defRPr>
+            </a:lvl4pPr>
+            <a:lvl5pPr marL="1828800" indent="0" algn="ctr" defTabSz="914400" rtl="0" eaLnBrk="1" latinLnBrk="0" hangingPunct="1">
+              <a:lnSpc>
+                <a:spcPct val="90000"/>
+              </a:lnSpc>
+              <a:spcBef>
+                <a:spcPts val="500"/>
+              </a:spcBef>
+              <a:buFont typeface="Arial" panose="020B0604020202020204" pitchFamily="34" charset="0"/>
+              <a:buNone/>
+              <a:defRPr sz="1600" kern="1200">
+                <a:solidFill>
+                  <a:schemeClr val="tx1"/>
+                </a:solidFill>
+                <a:latin typeface="+mn-lt"/>
+                <a:ea typeface="+mn-ea"/>
+                <a:cs typeface="+mn-cs"/>
+              </a:defRPr>
+            </a:lvl5pPr>
+            <a:lvl6pPr marL="2286000" indent="0" algn="ctr" defTabSz="914400" rtl="0" eaLnBrk="1" latinLnBrk="0" hangingPunct="1">
+              <a:lnSpc>
+                <a:spcPct val="90000"/>
+              </a:lnSpc>
+              <a:spcBef>
+                <a:spcPts val="500"/>
+              </a:spcBef>
+              <a:buFont typeface="Arial" panose="020B0604020202020204" pitchFamily="34" charset="0"/>
+              <a:buNone/>
+              <a:defRPr sz="1600" kern="1200">
+                <a:solidFill>
+                  <a:schemeClr val="tx1"/>
+                </a:solidFill>
+                <a:latin typeface="+mn-lt"/>
+                <a:ea typeface="+mn-ea"/>
+                <a:cs typeface="+mn-cs"/>
+              </a:defRPr>
+            </a:lvl6pPr>
+            <a:lvl7pPr marL="2743200" indent="0" algn="ctr" defTabSz="914400" rtl="0" eaLnBrk="1" latinLnBrk="0" hangingPunct="1">
+              <a:lnSpc>
+                <a:spcPct val="90000"/>
+              </a:lnSpc>
+              <a:spcBef>
+                <a:spcPts val="500"/>
+              </a:spcBef>
+              <a:buFont typeface="Arial" panose="020B0604020202020204" pitchFamily="34" charset="0"/>
+              <a:buNone/>
+              <a:defRPr sz="1600" kern="1200">
+                <a:solidFill>
+                  <a:schemeClr val="tx1"/>
+                </a:solidFill>
+                <a:latin typeface="+mn-lt"/>
+                <a:ea typeface="+mn-ea"/>
+                <a:cs typeface="+mn-cs"/>
+              </a:defRPr>
+            </a:lvl7pPr>
+            <a:lvl8pPr marL="3200400" indent="0" algn="ctr" defTabSz="914400" rtl="0" eaLnBrk="1" latinLnBrk="0" hangingPunct="1">
+              <a:lnSpc>
+                <a:spcPct val="90000"/>
+              </a:lnSpc>
+              <a:spcBef>
+                <a:spcPts val="500"/>
+              </a:spcBef>
+              <a:buFont typeface="Arial" panose="020B0604020202020204" pitchFamily="34" charset="0"/>
+              <a:buNone/>
+              <a:defRPr sz="1600" kern="1200">
+                <a:solidFill>
+                  <a:schemeClr val="tx1"/>
+                </a:solidFill>
+                <a:latin typeface="+mn-lt"/>
+                <a:ea typeface="+mn-ea"/>
+                <a:cs typeface="+mn-cs"/>
+              </a:defRPr>
+            </a:lvl8pPr>
+            <a:lvl9pPr marL="3657600" indent="0" algn="ctr" defTabSz="914400" rtl="0" eaLnBrk="1" latinLnBrk="0" hangingPunct="1">
+              <a:lnSpc>
+                <a:spcPct val="90000"/>
+              </a:lnSpc>
+              <a:spcBef>
+                <a:spcPts val="500"/>
+              </a:spcBef>
+              <a:buFont typeface="Arial" panose="020B0604020202020204" pitchFamily="34" charset="0"/>
+              <a:buNone/>
+              <a:defRPr sz="1600" kern="1200">
+                <a:solidFill>
+                  <a:schemeClr val="tx1"/>
+                </a:solidFill>
+                <a:latin typeface="+mn-lt"/>
+                <a:ea typeface="+mn-ea"/>
+                <a:cs typeface="+mn-cs"/>
+              </a:defRPr>
+            </a:lvl9pPr>
+          </a:lstStyle>
+          <a:p>
+            <a:r>
+              <a:rPr lang="pt-BR" dirty="0" err="1"/>
+              <a:t>Main</a:t>
+            </a:r>
+            <a:endParaRPr lang="pt-BR" dirty="0"/>
+          </a:p>
+        </p:txBody>
+      </p:sp>
+    </p:spTree>
+    <p:extLst>
+      <p:ext uri="{BB962C8B-B14F-4D97-AF65-F5344CB8AC3E}">
+        <p14:creationId xmlns:p14="http://schemas.microsoft.com/office/powerpoint/2010/main" val="3628066278"/>
+      </p:ext>
+    </p:extLst>
+  </p:cSld>
+  <p:clrMapOvr>
+    <a:masterClrMapping/>
+  </p:clrMapOvr>
+</p:sld>
+</file>
+
+<file path=ppt/slides/slide5.xml><?xml version="1.0" encoding="utf-8"?>
+<p:sld xmlns:a="http://schemas.openxmlformats.org/drawingml/2006/main" xmlns:r="http://schemas.openxmlformats.org/officeDocument/2006/relationships" xmlns:p="http://schemas.openxmlformats.org/presentationml/2006/main">
+  <p:cSld>
+    <p:spTree>
+      <p:nvGrpSpPr>
+        <p:cNvPr id="1" name=""/>
+        <p:cNvGrpSpPr/>
+        <p:nvPr/>
+      </p:nvGrpSpPr>
+      <p:grpSpPr>
+        <a:xfrm>
+          <a:off x="0" y="0"/>
+          <a:ext cx="0" cy="0"/>
+          <a:chOff x="0" y="0"/>
+          <a:chExt cx="0" cy="0"/>
+        </a:xfrm>
+      </p:grpSpPr>
+      <p:sp>
+        <p:nvSpPr>
+          <p:cNvPr id="3" name="Subtítulo 2">
+            <a:extLst>
+              <a:ext uri="{FF2B5EF4-FFF2-40B4-BE49-F238E27FC236}">
+                <a16:creationId xmlns:a16="http://schemas.microsoft.com/office/drawing/2014/main" id="{91523075-B30D-439E-AACB-22ECF68A94CF}"/>
+              </a:ext>
+            </a:extLst>
+          </p:cNvPr>
+          <p:cNvSpPr>
+            <a:spLocks noGrp="1"/>
+          </p:cNvSpPr>
+          <p:nvPr>
+            <p:ph type="subTitle" idx="1"/>
+          </p:nvPr>
+        </p:nvSpPr>
+        <p:spPr/>
+        <p:txBody>
+          <a:bodyPr/>
+          <a:lstStyle/>
+          <a:p>
+            <a:r>
+              <a:rPr lang="pt-BR" dirty="0"/>
+              <a:t>Outro teste</a:t>
+            </a:r>
+          </a:p>
+          <a:p>
+            <a:endParaRPr lang="pt-BR" dirty="0"/>
+          </a:p>
+        </p:txBody>
+      </p:sp>
+      <p:sp>
+        <p:nvSpPr>
+          <p:cNvPr id="4" name="Título 1">
+            <a:extLst>
+              <a:ext uri="{FF2B5EF4-FFF2-40B4-BE49-F238E27FC236}">
+                <a16:creationId xmlns:a16="http://schemas.microsoft.com/office/drawing/2014/main" id="{68F2F565-B363-4D0E-9992-154B6AB6F506}"/>
+              </a:ext>
+            </a:extLst>
+          </p:cNvPr>
+          <p:cNvSpPr>
+            <a:spLocks noGrp="1"/>
+          </p:cNvSpPr>
+          <p:nvPr>
+            <p:ph type="ctrTitle"/>
+          </p:nvPr>
+        </p:nvSpPr>
+        <p:spPr>
+          <a:xfrm>
+            <a:off x="94491" y="145775"/>
+            <a:ext cx="1656521" cy="808381"/>
+          </a:xfrm>
+        </p:spPr>
+        <p:txBody>
+          <a:bodyPr>
+            <a:normAutofit fontScale="90000"/>
+          </a:bodyPr>
+          <a:lstStyle/>
+          <a:p>
+            <a:r>
+              <a:rPr lang="pt-BR" dirty="0" err="1"/>
+              <a:t>Sql</a:t>
+            </a:r>
+            <a:endParaRPr lang="pt-BR" dirty="0"/>
+          </a:p>
+        </p:txBody>
+      </p:sp>
+      <p:sp>
+        <p:nvSpPr>
+          <p:cNvPr id="5" name="Subtítulo 2">
+            <a:hlinkClick r:id="rId2" action="ppaction://hlinksldjump"/>
+            <a:extLst>
+              <a:ext uri="{FF2B5EF4-FFF2-40B4-BE49-F238E27FC236}">
+                <a16:creationId xmlns:a16="http://schemas.microsoft.com/office/drawing/2014/main" id="{2C4F277D-FACA-4B48-9C26-E38DF362B270}"/>
+              </a:ext>
+            </a:extLst>
+          </p:cNvPr>
+          <p:cNvSpPr txBox="1">
+            <a:spLocks/>
+          </p:cNvSpPr>
+          <p:nvPr/>
+        </p:nvSpPr>
+        <p:spPr>
+          <a:xfrm>
+            <a:off x="10939669" y="39757"/>
+            <a:ext cx="1358349" cy="463827"/>
+          </a:xfrm>
+          <a:prstGeom prst="rect">
+            <a:avLst/>
+          </a:prstGeom>
+        </p:spPr>
+        <p:txBody>
+          <a:bodyPr vert="horz" lIns="91440" tIns="45720" rIns="91440" bIns="45720" rtlCol="0">
+            <a:normAutofit/>
+          </a:bodyPr>
+          <a:lstStyle>
+            <a:lvl1pPr marL="0" indent="0" algn="ctr" defTabSz="914400" rtl="0" eaLnBrk="1" latinLnBrk="0" hangingPunct="1">
+              <a:lnSpc>
+                <a:spcPct val="90000"/>
+              </a:lnSpc>
+              <a:spcBef>
+                <a:spcPts val="1000"/>
+              </a:spcBef>
+              <a:buFont typeface="Arial" panose="020B0604020202020204" pitchFamily="34" charset="0"/>
+              <a:buNone/>
+              <a:defRPr sz="2400" kern="1200">
+                <a:solidFill>
+                  <a:schemeClr val="tx1"/>
+                </a:solidFill>
+                <a:latin typeface="+mn-lt"/>
+                <a:ea typeface="+mn-ea"/>
+                <a:cs typeface="+mn-cs"/>
+              </a:defRPr>
+            </a:lvl1pPr>
+            <a:lvl2pPr marL="457200" indent="0" algn="ctr" defTabSz="914400" rtl="0" eaLnBrk="1" latinLnBrk="0" hangingPunct="1">
+              <a:lnSpc>
+                <a:spcPct val="90000"/>
+              </a:lnSpc>
+              <a:spcBef>
+                <a:spcPts val="500"/>
+              </a:spcBef>
+              <a:buFont typeface="Arial" panose="020B0604020202020204" pitchFamily="34" charset="0"/>
+              <a:buNone/>
+              <a:defRPr sz="2000" kern="1200">
+                <a:solidFill>
+                  <a:schemeClr val="tx1"/>
+                </a:solidFill>
+                <a:latin typeface="+mn-lt"/>
+                <a:ea typeface="+mn-ea"/>
+                <a:cs typeface="+mn-cs"/>
+              </a:defRPr>
+            </a:lvl2pPr>
+            <a:lvl3pPr marL="914400" indent="0" algn="ctr" defTabSz="914400" rtl="0" eaLnBrk="1" latinLnBrk="0" hangingPunct="1">
+              <a:lnSpc>
+                <a:spcPct val="90000"/>
+              </a:lnSpc>
+              <a:spcBef>
+                <a:spcPts val="500"/>
+              </a:spcBef>
+              <a:buFont typeface="Arial" panose="020B0604020202020204" pitchFamily="34" charset="0"/>
+              <a:buNone/>
+              <a:defRPr sz="1800" kern="1200">
+                <a:solidFill>
+                  <a:schemeClr val="tx1"/>
+                </a:solidFill>
+                <a:latin typeface="+mn-lt"/>
+                <a:ea typeface="+mn-ea"/>
+                <a:cs typeface="+mn-cs"/>
+              </a:defRPr>
+            </a:lvl3pPr>
+            <a:lvl4pPr marL="1371600" indent="0" algn="ctr" defTabSz="914400" rtl="0" eaLnBrk="1" latinLnBrk="0" hangingPunct="1">
+              <a:lnSpc>
+                <a:spcPct val="90000"/>
+              </a:lnSpc>
+              <a:spcBef>
+                <a:spcPts val="500"/>
+              </a:spcBef>
+              <a:buFont typeface="Arial" panose="020B0604020202020204" pitchFamily="34" charset="0"/>
+              <a:buNone/>
+              <a:defRPr sz="1600" kern="1200">
+                <a:solidFill>
+                  <a:schemeClr val="tx1"/>
+                </a:solidFill>
+                <a:latin typeface="+mn-lt"/>
+                <a:ea typeface="+mn-ea"/>
+                <a:cs typeface="+mn-cs"/>
+              </a:defRPr>
+            </a:lvl4pPr>
+            <a:lvl5pPr marL="1828800" indent="0" algn="ctr" defTabSz="914400" rtl="0" eaLnBrk="1" latinLnBrk="0" hangingPunct="1">
+              <a:lnSpc>
+                <a:spcPct val="90000"/>
+              </a:lnSpc>
+              <a:spcBef>
+                <a:spcPts val="500"/>
+              </a:spcBef>
+              <a:buFont typeface="Arial" panose="020B0604020202020204" pitchFamily="34" charset="0"/>
+              <a:buNone/>
+              <a:defRPr sz="1600" kern="1200">
+                <a:solidFill>
+                  <a:schemeClr val="tx1"/>
+                </a:solidFill>
+                <a:latin typeface="+mn-lt"/>
+                <a:ea typeface="+mn-ea"/>
+                <a:cs typeface="+mn-cs"/>
+              </a:defRPr>
+            </a:lvl5pPr>
+            <a:lvl6pPr marL="2286000" indent="0" algn="ctr" defTabSz="914400" rtl="0" eaLnBrk="1" latinLnBrk="0" hangingPunct="1">
+              <a:lnSpc>
+                <a:spcPct val="90000"/>
+              </a:lnSpc>
+              <a:spcBef>
+                <a:spcPts val="500"/>
+              </a:spcBef>
+              <a:buFont typeface="Arial" panose="020B0604020202020204" pitchFamily="34" charset="0"/>
+              <a:buNone/>
+              <a:defRPr sz="1600" kern="1200">
+                <a:solidFill>
+                  <a:schemeClr val="tx1"/>
+                </a:solidFill>
+                <a:latin typeface="+mn-lt"/>
+                <a:ea typeface="+mn-ea"/>
+                <a:cs typeface="+mn-cs"/>
+              </a:defRPr>
+            </a:lvl6pPr>
+            <a:lvl7pPr marL="2743200" indent="0" algn="ctr" defTabSz="914400" rtl="0" eaLnBrk="1" latinLnBrk="0" hangingPunct="1">
+              <a:lnSpc>
+                <a:spcPct val="90000"/>
+              </a:lnSpc>
+              <a:spcBef>
+                <a:spcPts val="500"/>
+              </a:spcBef>
+              <a:buFont typeface="Arial" panose="020B0604020202020204" pitchFamily="34" charset="0"/>
+              <a:buNone/>
+              <a:defRPr sz="1600" kern="1200">
+                <a:solidFill>
+                  <a:schemeClr val="tx1"/>
+                </a:solidFill>
+                <a:latin typeface="+mn-lt"/>
+                <a:ea typeface="+mn-ea"/>
+                <a:cs typeface="+mn-cs"/>
+              </a:defRPr>
+            </a:lvl7pPr>
+            <a:lvl8pPr marL="3200400" indent="0" algn="ctr" defTabSz="914400" rtl="0" eaLnBrk="1" latinLnBrk="0" hangingPunct="1">
+              <a:lnSpc>
+                <a:spcPct val="90000"/>
+              </a:lnSpc>
+              <a:spcBef>
+                <a:spcPts val="500"/>
+              </a:spcBef>
+              <a:buFont typeface="Arial" panose="020B0604020202020204" pitchFamily="34" charset="0"/>
+              <a:buNone/>
+              <a:defRPr sz="1600" kern="1200">
+                <a:solidFill>
+                  <a:schemeClr val="tx1"/>
+                </a:solidFill>
+                <a:latin typeface="+mn-lt"/>
+                <a:ea typeface="+mn-ea"/>
+                <a:cs typeface="+mn-cs"/>
+              </a:defRPr>
+            </a:lvl8pPr>
+            <a:lvl9pPr marL="3657600" indent="0" algn="ctr" defTabSz="914400" rtl="0" eaLnBrk="1" latinLnBrk="0" hangingPunct="1">
+              <a:lnSpc>
+                <a:spcPct val="90000"/>
+              </a:lnSpc>
+              <a:spcBef>
+                <a:spcPts val="500"/>
+              </a:spcBef>
+              <a:buFont typeface="Arial" panose="020B0604020202020204" pitchFamily="34" charset="0"/>
+              <a:buNone/>
+              <a:defRPr sz="1600" kern="1200">
+                <a:solidFill>
+                  <a:schemeClr val="tx1"/>
+                </a:solidFill>
+                <a:latin typeface="+mn-lt"/>
+                <a:ea typeface="+mn-ea"/>
+                <a:cs typeface="+mn-cs"/>
+              </a:defRPr>
+            </a:lvl9pPr>
+          </a:lstStyle>
+          <a:p>
+            <a:r>
+              <a:rPr lang="pt-BR" dirty="0" err="1"/>
+              <a:t>Main</a:t>
+            </a:r>
+            <a:endParaRPr lang="pt-BR" dirty="0"/>
+          </a:p>
+        </p:txBody>
+      </p:sp>
+    </p:spTree>
+    <p:extLst>
+      <p:ext uri="{BB962C8B-B14F-4D97-AF65-F5344CB8AC3E}">
+        <p14:creationId xmlns:p14="http://schemas.microsoft.com/office/powerpoint/2010/main" val="3684152172"/>
+      </p:ext>
+    </p:extLst>
+  </p:cSld>
+  <p:clrMapOvr>
+    <a:masterClrMapping/>
+  </p:clrMapOvr>
+</p:sld>
+</file>
+
+<file path=ppt/slides/slide6.xml><?xml version="1.0" encoding="utf-8"?>
+<p:sld xmlns:a="http://schemas.openxmlformats.org/drawingml/2006/main" xmlns:r="http://schemas.openxmlformats.org/officeDocument/2006/relationships" xmlns:p="http://schemas.openxmlformats.org/presentationml/2006/main">
+  <p:cSld>
+    <p:spTree>
+      <p:nvGrpSpPr>
+        <p:cNvPr id="1" name=""/>
+        <p:cNvGrpSpPr/>
+        <p:nvPr/>
+      </p:nvGrpSpPr>
+      <p:grpSpPr>
+        <a:xfrm>
+          <a:off x="0" y="0"/>
+          <a:ext cx="0" cy="0"/>
+          <a:chOff x="0" y="0"/>
+          <a:chExt cx="0" cy="0"/>
+        </a:xfrm>
+      </p:grpSpPr>
+      <p:sp>
+        <p:nvSpPr>
+          <p:cNvPr id="3" name="Subtítulo 2">
+            <a:extLst>
+              <a:ext uri="{FF2B5EF4-FFF2-40B4-BE49-F238E27FC236}">
+                <a16:creationId xmlns:a16="http://schemas.microsoft.com/office/drawing/2014/main" id="{91523075-B30D-439E-AACB-22ECF68A94CF}"/>
+              </a:ext>
+            </a:extLst>
+          </p:cNvPr>
+          <p:cNvSpPr>
+            <a:spLocks noGrp="1"/>
+          </p:cNvSpPr>
+          <p:nvPr>
+            <p:ph type="subTitle" idx="1"/>
+          </p:nvPr>
+        </p:nvSpPr>
+        <p:spPr/>
+        <p:txBody>
+          <a:bodyPr/>
+          <a:lstStyle/>
+          <a:p>
+            <a:r>
+              <a:rPr lang="pt-BR" dirty="0"/>
+              <a:t>Outro teste</a:t>
+            </a:r>
+          </a:p>
+          <a:p>
+            <a:endParaRPr lang="pt-BR" dirty="0"/>
+          </a:p>
+        </p:txBody>
+      </p:sp>
+      <p:sp>
+        <p:nvSpPr>
+          <p:cNvPr id="4" name="Título 1">
+            <a:extLst>
+              <a:ext uri="{FF2B5EF4-FFF2-40B4-BE49-F238E27FC236}">
+                <a16:creationId xmlns:a16="http://schemas.microsoft.com/office/drawing/2014/main" id="{68F2F565-B363-4D0E-9992-154B6AB6F506}"/>
+              </a:ext>
+            </a:extLst>
+          </p:cNvPr>
+          <p:cNvSpPr>
+            <a:spLocks noGrp="1"/>
+          </p:cNvSpPr>
+          <p:nvPr>
+            <p:ph type="ctrTitle"/>
+          </p:nvPr>
+        </p:nvSpPr>
+        <p:spPr>
+          <a:xfrm>
+            <a:off x="94492" y="145775"/>
+            <a:ext cx="1018692" cy="808381"/>
+          </a:xfrm>
+        </p:spPr>
+        <p:txBody>
+          <a:bodyPr>
+            <a:normAutofit fontScale="90000"/>
+          </a:bodyPr>
+          <a:lstStyle/>
+          <a:p>
+            <a:r>
+              <a:rPr lang="pt-BR" dirty="0"/>
+              <a:t>R</a:t>
+            </a:r>
+          </a:p>
+        </p:txBody>
+      </p:sp>
+      <p:sp>
+        <p:nvSpPr>
+          <p:cNvPr id="5" name="Subtítulo 2">
+            <a:hlinkClick r:id="rId2" action="ppaction://hlinksldjump"/>
+            <a:extLst>
+              <a:ext uri="{FF2B5EF4-FFF2-40B4-BE49-F238E27FC236}">
+                <a16:creationId xmlns:a16="http://schemas.microsoft.com/office/drawing/2014/main" id="{45C52959-791B-492A-947B-61116A32F3D8}"/>
+              </a:ext>
+            </a:extLst>
+          </p:cNvPr>
+          <p:cNvSpPr txBox="1">
+            <a:spLocks/>
+          </p:cNvSpPr>
+          <p:nvPr/>
+        </p:nvSpPr>
+        <p:spPr>
+          <a:xfrm>
+            <a:off x="10939669" y="39757"/>
+            <a:ext cx="1358349" cy="463827"/>
+          </a:xfrm>
+          <a:prstGeom prst="rect">
+            <a:avLst/>
+          </a:prstGeom>
+        </p:spPr>
+        <p:txBody>
+          <a:bodyPr vert="horz" lIns="91440" tIns="45720" rIns="91440" bIns="45720" rtlCol="0">
+            <a:normAutofit/>
+          </a:bodyPr>
+          <a:lstStyle>
+            <a:lvl1pPr marL="0" indent="0" algn="ctr" defTabSz="914400" rtl="0" eaLnBrk="1" latinLnBrk="0" hangingPunct="1">
+              <a:lnSpc>
+                <a:spcPct val="90000"/>
+              </a:lnSpc>
+              <a:spcBef>
+                <a:spcPts val="1000"/>
+              </a:spcBef>
+              <a:buFont typeface="Arial" panose="020B0604020202020204" pitchFamily="34" charset="0"/>
+              <a:buNone/>
+              <a:defRPr sz="2400" kern="1200">
+                <a:solidFill>
+                  <a:schemeClr val="tx1"/>
+                </a:solidFill>
+                <a:latin typeface="+mn-lt"/>
+                <a:ea typeface="+mn-ea"/>
+                <a:cs typeface="+mn-cs"/>
+              </a:defRPr>
+            </a:lvl1pPr>
+            <a:lvl2pPr marL="457200" indent="0" algn="ctr" defTabSz="914400" rtl="0" eaLnBrk="1" latinLnBrk="0" hangingPunct="1">
+              <a:lnSpc>
+                <a:spcPct val="90000"/>
+              </a:lnSpc>
+              <a:spcBef>
+                <a:spcPts val="500"/>
+              </a:spcBef>
+              <a:buFont typeface="Arial" panose="020B0604020202020204" pitchFamily="34" charset="0"/>
+              <a:buNone/>
+              <a:defRPr sz="2000" kern="1200">
+                <a:solidFill>
+                  <a:schemeClr val="tx1"/>
+                </a:solidFill>
+                <a:latin typeface="+mn-lt"/>
+                <a:ea typeface="+mn-ea"/>
+                <a:cs typeface="+mn-cs"/>
+              </a:defRPr>
+            </a:lvl2pPr>
+            <a:lvl3pPr marL="914400" indent="0" algn="ctr" defTabSz="914400" rtl="0" eaLnBrk="1" latinLnBrk="0" hangingPunct="1">
+              <a:lnSpc>
+                <a:spcPct val="90000"/>
+              </a:lnSpc>
+              <a:spcBef>
+                <a:spcPts val="500"/>
+              </a:spcBef>
+              <a:buFont typeface="Arial" panose="020B0604020202020204" pitchFamily="34" charset="0"/>
+              <a:buNone/>
+              <a:defRPr sz="1800" kern="1200">
+                <a:solidFill>
+                  <a:schemeClr val="tx1"/>
+                </a:solidFill>
+                <a:latin typeface="+mn-lt"/>
+                <a:ea typeface="+mn-ea"/>
+                <a:cs typeface="+mn-cs"/>
+              </a:defRPr>
+            </a:lvl3pPr>
+            <a:lvl4pPr marL="1371600" indent="0" algn="ctr" defTabSz="914400" rtl="0" eaLnBrk="1" latinLnBrk="0" hangingPunct="1">
+              <a:lnSpc>
+                <a:spcPct val="90000"/>
+              </a:lnSpc>
+              <a:spcBef>
+                <a:spcPts val="500"/>
+              </a:spcBef>
+              <a:buFont typeface="Arial" panose="020B0604020202020204" pitchFamily="34" charset="0"/>
+              <a:buNone/>
+              <a:defRPr sz="1600" kern="1200">
+                <a:solidFill>
+                  <a:schemeClr val="tx1"/>
+                </a:solidFill>
+                <a:latin typeface="+mn-lt"/>
+                <a:ea typeface="+mn-ea"/>
+                <a:cs typeface="+mn-cs"/>
+              </a:defRPr>
+            </a:lvl4pPr>
+            <a:lvl5pPr marL="1828800" indent="0" algn="ctr" defTabSz="914400" rtl="0" eaLnBrk="1" latinLnBrk="0" hangingPunct="1">
+              <a:lnSpc>
+                <a:spcPct val="90000"/>
+              </a:lnSpc>
+              <a:spcBef>
+                <a:spcPts val="500"/>
+              </a:spcBef>
+              <a:buFont typeface="Arial" panose="020B0604020202020204" pitchFamily="34" charset="0"/>
+              <a:buNone/>
+              <a:defRPr sz="1600" kern="1200">
+                <a:solidFill>
+                  <a:schemeClr val="tx1"/>
+                </a:solidFill>
+                <a:latin typeface="+mn-lt"/>
+                <a:ea typeface="+mn-ea"/>
+                <a:cs typeface="+mn-cs"/>
+              </a:defRPr>
+            </a:lvl5pPr>
+            <a:lvl6pPr marL="2286000" indent="0" algn="ctr" defTabSz="914400" rtl="0" eaLnBrk="1" latinLnBrk="0" hangingPunct="1">
+              <a:lnSpc>
+                <a:spcPct val="90000"/>
+              </a:lnSpc>
+              <a:spcBef>
+                <a:spcPts val="500"/>
+              </a:spcBef>
+              <a:buFont typeface="Arial" panose="020B0604020202020204" pitchFamily="34" charset="0"/>
+              <a:buNone/>
+              <a:defRPr sz="1600" kern="1200">
+                <a:solidFill>
+                  <a:schemeClr val="tx1"/>
+                </a:solidFill>
+                <a:latin typeface="+mn-lt"/>
+                <a:ea typeface="+mn-ea"/>
+                <a:cs typeface="+mn-cs"/>
+              </a:defRPr>
+            </a:lvl6pPr>
+            <a:lvl7pPr marL="2743200" indent="0" algn="ctr" defTabSz="914400" rtl="0" eaLnBrk="1" latinLnBrk="0" hangingPunct="1">
+              <a:lnSpc>
+                <a:spcPct val="90000"/>
+              </a:lnSpc>
+              <a:spcBef>
+                <a:spcPts val="500"/>
+              </a:spcBef>
+              <a:buFont typeface="Arial" panose="020B0604020202020204" pitchFamily="34" charset="0"/>
+              <a:buNone/>
+              <a:defRPr sz="1600" kern="1200">
+                <a:solidFill>
+                  <a:schemeClr val="tx1"/>
+                </a:solidFill>
+                <a:latin typeface="+mn-lt"/>
+                <a:ea typeface="+mn-ea"/>
+                <a:cs typeface="+mn-cs"/>
+              </a:defRPr>
+            </a:lvl7pPr>
+            <a:lvl8pPr marL="3200400" indent="0" algn="ctr" defTabSz="914400" rtl="0" eaLnBrk="1" latinLnBrk="0" hangingPunct="1">
+              <a:lnSpc>
+                <a:spcPct val="90000"/>
+              </a:lnSpc>
+              <a:spcBef>
+                <a:spcPts val="500"/>
+              </a:spcBef>
+              <a:buFont typeface="Arial" panose="020B0604020202020204" pitchFamily="34" charset="0"/>
+              <a:buNone/>
+              <a:defRPr sz="1600" kern="1200">
+                <a:solidFill>
+                  <a:schemeClr val="tx1"/>
+                </a:solidFill>
+                <a:latin typeface="+mn-lt"/>
+                <a:ea typeface="+mn-ea"/>
+                <a:cs typeface="+mn-cs"/>
+              </a:defRPr>
+            </a:lvl8pPr>
+            <a:lvl9pPr marL="3657600" indent="0" algn="ctr" defTabSz="914400" rtl="0" eaLnBrk="1" latinLnBrk="0" hangingPunct="1">
+              <a:lnSpc>
+                <a:spcPct val="90000"/>
+              </a:lnSpc>
+              <a:spcBef>
+                <a:spcPts val="500"/>
+              </a:spcBef>
+              <a:buFont typeface="Arial" panose="020B0604020202020204" pitchFamily="34" charset="0"/>
+              <a:buNone/>
+              <a:defRPr sz="1600" kern="1200">
+                <a:solidFill>
+                  <a:schemeClr val="tx1"/>
+                </a:solidFill>
+                <a:latin typeface="+mn-lt"/>
+                <a:ea typeface="+mn-ea"/>
+                <a:cs typeface="+mn-cs"/>
+              </a:defRPr>
+            </a:lvl9pPr>
+          </a:lstStyle>
+          <a:p>
+            <a:r>
+              <a:rPr lang="pt-BR" dirty="0" err="1"/>
+              <a:t>Main</a:t>
+            </a:r>
+            <a:endParaRPr lang="pt-BR" dirty="0"/>
+          </a:p>
+        </p:txBody>
+      </p:sp>
+    </p:spTree>
+    <p:extLst>
+      <p:ext uri="{BB962C8B-B14F-4D97-AF65-F5344CB8AC3E}">
+        <p14:creationId xmlns:p14="http://schemas.microsoft.com/office/powerpoint/2010/main" val="4001706588"/>
+      </p:ext>
+    </p:extLst>
+  </p:cSld>
+  <p:clrMapOvr>
+    <a:masterClrMapping/>
+  </p:clrMapOvr>
+</p:sld>
+</file>
+
 <file path=ppt/theme/theme1.xml><?xml version="1.0" encoding="utf-8"?>
-<a:theme xmlns:a="http://schemas.openxmlformats.org/drawingml/2006/main" name="Tema do Office">
+<a:theme xmlns:a="http://schemas.openxmlformats.org/drawingml/2006/main" name="Malha">
   <a:themeElements>
-    <a:clrScheme name="Office">
+    <a:clrScheme name="Malha">
       <a:dk1>
         <a:sysClr val="windowText" lastClr="000000"/>
       </a:dk1>
@@ -3955,100 +8342,48 @@
         <a:sysClr val="window" lastClr="FFFFFF"/>
       </a:lt1>
       <a:dk2>
-        <a:srgbClr val="44546A"/>
+        <a:srgbClr val="363D46"/>
       </a:dk2>
       <a:lt2>
-        <a:srgbClr val="E7E6E6"/>
+        <a:srgbClr val="EBEBEB"/>
       </a:lt2>
       <a:accent1>
-        <a:srgbClr val="4472C4"/>
+        <a:srgbClr val="6F6F6F"/>
       </a:accent1>
       <a:accent2>
-        <a:srgbClr val="ED7D31"/>
+        <a:srgbClr val="BFBFA5"/>
       </a:accent2>
       <a:accent3>
-        <a:srgbClr val="A5A5A5"/>
+        <a:srgbClr val="DCD084"/>
       </a:accent3>
       <a:accent4>
-        <a:srgbClr val="FFC000"/>
+        <a:srgbClr val="E7BF5F"/>
       </a:accent4>
       <a:accent5>
-        <a:srgbClr val="5B9BD5"/>
+        <a:srgbClr val="E9A039"/>
       </a:accent5>
       <a:accent6>
-        <a:srgbClr val="70AD47"/>
+        <a:srgbClr val="CF7133"/>
       </a:accent6>
       <a:hlink>
-        <a:srgbClr val="0563C1"/>
+        <a:srgbClr val="F28943"/>
       </a:hlink>
       <a:folHlink>
-        <a:srgbClr val="954F72"/>
+        <a:srgbClr val="F1B76C"/>
       </a:folHlink>
     </a:clrScheme>
-    <a:fontScheme name="Office">
+    <a:fontScheme name="Malha">
       <a:majorFont>
-        <a:latin typeface="Calibri Light" panose="020F0302020204030204"/>
+        <a:latin typeface="Century Gothic" panose="020B0502020202020204"/>
         <a:ea typeface=""/>
         <a:cs typeface=""/>
-        <a:font script="Jpan" typeface="游ゴシック Light"/>
+        <a:font script="Jpan" typeface="ＭＳ ゴシック"/>
         <a:font script="Hang" typeface="맑은 고딕"/>
-        <a:font script="Hans" typeface="等线 Light"/>
+        <a:font script="Hans" typeface="宋体"/>
         <a:font script="Hant" typeface="新細明體"/>
-        <a:font script="Arab" typeface="Times New Roman"/>
-        <a:font script="Hebr" typeface="Times New Roman"/>
-        <a:font script="Thai" typeface="Angsana New"/>
-        <a:font script="Ethi" typeface="Nyala"/>
-        <a:font script="Beng" typeface="Vrinda"/>
-        <a:font script="Gujr" typeface="Shruti"/>
-        <a:font script="Khmr" typeface="MoolBoran"/>
-        <a:font script="Knda" typeface="Tunga"/>
-        <a:font script="Guru" typeface="Raavi"/>
-        <a:font script="Cans" typeface="Euphemia"/>
-        <a:font script="Cher" typeface="Plantagenet Cherokee"/>
-        <a:font script="Yiii" typeface="Microsoft Yi Baiti"/>
-        <a:font script="Tibt" typeface="Microsoft Himalaya"/>
-        <a:font script="Thaa" typeface="MV Boli"/>
-        <a:font script="Deva" typeface="Mangal"/>
-        <a:font script="Telu" typeface="Gautami"/>
-        <a:font script="Taml" typeface="Latha"/>
-        <a:font script="Syrc" typeface="Estrangelo Edessa"/>
-        <a:font script="Orya" typeface="Kalinga"/>
-        <a:font script="Mlym" typeface="Kartika"/>
-        <a:font script="Laoo" typeface="DokChampa"/>
-        <a:font script="Sinh" typeface="Iskoola Pota"/>
-        <a:font script="Mong" typeface="Mongolian Baiti"/>
-        <a:font script="Viet" typeface="Times New Roman"/>
-        <a:font script="Uigh" typeface="Microsoft Uighur"/>
-        <a:font script="Geor" typeface="Sylfaen"/>
-        <a:font script="Armn" typeface="Arial"/>
-        <a:font script="Bugi" typeface="Leelawadee UI"/>
-        <a:font script="Bopo" typeface="Microsoft JhengHei"/>
-        <a:font script="Java" typeface="Javanese Text"/>
-        <a:font script="Lisu" typeface="Segoe UI"/>
-        <a:font script="Mymr" typeface="Myanmar Text"/>
-        <a:font script="Nkoo" typeface="Ebrima"/>
-        <a:font script="Olck" typeface="Nirmala UI"/>
-        <a:font script="Osma" typeface="Ebrima"/>
-        <a:font script="Phag" typeface="Phagspa"/>
-        <a:font script="Syrn" typeface="Estrangelo Edessa"/>
-        <a:font script="Syrj" typeface="Estrangelo Edessa"/>
-        <a:font script="Syre" typeface="Estrangelo Edessa"/>
-        <a:font script="Sora" typeface="Nirmala UI"/>
-        <a:font script="Tale" typeface="Microsoft Tai Le"/>
-        <a:font script="Talu" typeface="Microsoft New Tai Lue"/>
-        <a:font script="Tfng" typeface="Ebrima"/>
-      </a:majorFont>
-      <a:minorFont>
-        <a:latin typeface="Calibri" panose="020F0502020204030204"/>
-        <a:ea typeface=""/>
-        <a:cs typeface=""/>
-        <a:font script="Jpan" typeface="游ゴシック"/>
-        <a:font script="Hang" typeface="맑은 고딕"/>
-        <a:font script="Hans" typeface="等线"/>
-        <a:font script="Hant" typeface="新細明體"/>
-        <a:font script="Arab" typeface="Arial"/>
-        <a:font script="Hebr" typeface="Arial"/>
-        <a:font script="Thai" typeface="Cordia New"/>
+        <a:font script="Arab" typeface="Tahoma"/>
+        <a:font script="Hebr" typeface="Gisha"/>
+        <a:font script="Thai" typeface="DilleniaUPC"/>
         <a:font script="Ethi" typeface="Nyala"/>
         <a:font script="Beng" typeface="Vrinda"/>
         <a:font script="Gujr" typeface="Shruti"/>
@@ -4069,29 +8404,47 @@
         <a:font script="Laoo" typeface="DokChampa"/>
         <a:font script="Sinh" typeface="Iskoola Pota"/>
         <a:font script="Mong" typeface="Mongolian Baiti"/>
-        <a:font script="Viet" typeface="Arial"/>
+        <a:font script="Viet" typeface="Tahoma"/>
         <a:font script="Uigh" typeface="Microsoft Uighur"/>
         <a:font script="Geor" typeface="Sylfaen"/>
-        <a:font script="Armn" typeface="Arial"/>
-        <a:font script="Bugi" typeface="Leelawadee UI"/>
-        <a:font script="Bopo" typeface="Microsoft JhengHei"/>
-        <a:font script="Java" typeface="Javanese Text"/>
-        <a:font script="Lisu" typeface="Segoe UI"/>
-        <a:font script="Mymr" typeface="Myanmar Text"/>
-        <a:font script="Nkoo" typeface="Ebrima"/>
-        <a:font script="Olck" typeface="Nirmala UI"/>
-        <a:font script="Osma" typeface="Ebrima"/>
-        <a:font script="Phag" typeface="Phagspa"/>
-        <a:font script="Syrn" typeface="Estrangelo Edessa"/>
-        <a:font script="Syrj" typeface="Estrangelo Edessa"/>
-        <a:font script="Syre" typeface="Estrangelo Edessa"/>
-        <a:font script="Sora" typeface="Nirmala UI"/>
-        <a:font script="Tale" typeface="Microsoft Tai Le"/>
-        <a:font script="Talu" typeface="Microsoft New Tai Lue"/>
-        <a:font script="Tfng" typeface="Ebrima"/>
+      </a:majorFont>
+      <a:minorFont>
+        <a:latin typeface="Century Gothic" panose="020B0502020202020204"/>
+        <a:ea typeface=""/>
+        <a:cs typeface=""/>
+        <a:font script="Jpan" typeface="ＭＳ ゴシック"/>
+        <a:font script="Hang" typeface="맑은 고딕"/>
+        <a:font script="Hans" typeface="宋体"/>
+        <a:font script="Hant" typeface="新細明體"/>
+        <a:font script="Arab" typeface="Tahoma"/>
+        <a:font script="Hebr" typeface="Gisha"/>
+        <a:font script="Thai" typeface="DilleniaUPC"/>
+        <a:font script="Ethi" typeface="Nyala"/>
+        <a:font script="Beng" typeface="Vrinda"/>
+        <a:font script="Gujr" typeface="Shruti"/>
+        <a:font script="Khmr" typeface="DaunPenh"/>
+        <a:font script="Knda" typeface="Tunga"/>
+        <a:font script="Guru" typeface="Raavi"/>
+        <a:font script="Cans" typeface="Euphemia"/>
+        <a:font script="Cher" typeface="Plantagenet Cherokee"/>
+        <a:font script="Yiii" typeface="Microsoft Yi Baiti"/>
+        <a:font script="Tibt" typeface="Microsoft Himalaya"/>
+        <a:font script="Thaa" typeface="MV Boli"/>
+        <a:font script="Deva" typeface="Mangal"/>
+        <a:font script="Telu" typeface="Gautami"/>
+        <a:font script="Taml" typeface="Latha"/>
+        <a:font script="Syrc" typeface="Estrangelo Edessa"/>
+        <a:font script="Orya" typeface="Kalinga"/>
+        <a:font script="Mlym" typeface="Kartika"/>
+        <a:font script="Laoo" typeface="DokChampa"/>
+        <a:font script="Sinh" typeface="Iskoola Pota"/>
+        <a:font script="Mong" typeface="Mongolian Baiti"/>
+        <a:font script="Viet" typeface="Verdana"/>
+        <a:font script="Uigh" typeface="Microsoft Uighur"/>
+        <a:font script="Geor" typeface="Sylfaen"/>
       </a:minorFont>
     </a:fontScheme>
-    <a:fmtScheme name="Office">
+    <a:fmtScheme name="Malha">
       <a:fillStyleLst>
         <a:solidFill>
           <a:schemeClr val="phClr"/>
@@ -4100,23 +8453,13 @@
           <a:gsLst>
             <a:gs pos="0">
               <a:schemeClr val="phClr">
+                <a:tint val="60000"/>
                 <a:lumMod val="110000"/>
-                <a:satMod val="105000"/>
-                <a:tint val="67000"/>
-              </a:schemeClr>
-            </a:gs>
-            <a:gs pos="50000">
-              <a:schemeClr val="phClr">
-                <a:lumMod val="105000"/>
-                <a:satMod val="103000"/>
-                <a:tint val="73000"/>
               </a:schemeClr>
             </a:gs>
             <a:gs pos="100000">
               <a:schemeClr val="phClr">
-                <a:lumMod val="105000"/>
-                <a:satMod val="109000"/>
-                <a:tint val="81000"/>
+                <a:tint val="82000"/>
               </a:schemeClr>
             </a:gs>
           </a:gsLst>
@@ -4126,23 +8469,14 @@
           <a:gsLst>
             <a:gs pos="0">
               <a:schemeClr val="phClr">
-                <a:satMod val="103000"/>
-                <a:lumMod val="102000"/>
-                <a:tint val="94000"/>
-              </a:schemeClr>
-            </a:gs>
-            <a:gs pos="50000">
-              <a:schemeClr val="phClr">
-                <a:satMod val="110000"/>
-                <a:lumMod val="100000"/>
-                <a:shade val="100000"/>
+                <a:tint val="96000"/>
+                <a:lumMod val="104000"/>
               </a:schemeClr>
             </a:gs>
             <a:gs pos="100000">
               <a:schemeClr val="phClr">
-                <a:lumMod val="99000"/>
-                <a:satMod val="120000"/>
-                <a:shade val="78000"/>
+                <a:shade val="84000"/>
+                <a:lumMod val="84000"/>
               </a:schemeClr>
             </a:gs>
           </a:gsLst>
@@ -4150,26 +8484,23 @@
         </a:gradFill>
       </a:fillStyleLst>
       <a:lnStyleLst>
-        <a:ln w="6350" cap="flat" cmpd="sng" algn="ctr">
+        <a:ln w="9525" cap="rnd" cmpd="sng" algn="ctr">
           <a:solidFill>
             <a:schemeClr val="phClr"/>
           </a:solidFill>
           <a:prstDash val="solid"/>
-          <a:miter lim="800000"/>
         </a:ln>
-        <a:ln w="12700" cap="flat" cmpd="sng" algn="ctr">
+        <a:ln w="19050" cap="rnd" cmpd="sng" algn="ctr">
           <a:solidFill>
             <a:schemeClr val="phClr"/>
           </a:solidFill>
           <a:prstDash val="solid"/>
-          <a:miter lim="800000"/>
         </a:ln>
-        <a:ln w="19050" cap="flat" cmpd="sng" algn="ctr">
+        <a:ln w="25400" cap="rnd" cmpd="sng" algn="ctr">
           <a:solidFill>
             <a:schemeClr val="phClr"/>
           </a:solidFill>
           <a:prstDash val="solid"/>
-          <a:miter lim="800000"/>
         </a:ln>
       </a:lnStyleLst>
       <a:effectStyleLst>
@@ -4177,55 +8508,72 @@
           <a:effectLst/>
         </a:effectStyle>
         <a:effectStyle>
-          <a:effectLst/>
+          <a:effectLst>
+            <a:innerShdw blurRad="50800" dist="25400" dir="13500000">
+              <a:srgbClr val="000000">
+                <a:alpha val="55000"/>
+              </a:srgbClr>
+            </a:innerShdw>
+          </a:effectLst>
         </a:effectStyle>
         <a:effectStyle>
           <a:effectLst>
-            <a:outerShdw blurRad="57150" dist="19050" dir="5400000" algn="ctr" rotWithShape="0">
+            <a:outerShdw blurRad="50800" dist="38100" dir="5400000" rotWithShape="0">
               <a:srgbClr val="000000">
-                <a:alpha val="63000"/>
+                <a:alpha val="60000"/>
               </a:srgbClr>
             </a:outerShdw>
           </a:effectLst>
+          <a:scene3d>
+            <a:camera prst="orthographicFront">
+              <a:rot lat="0" lon="0" rev="0"/>
+            </a:camera>
+            <a:lightRig rig="threePt" dir="tl"/>
+          </a:scene3d>
+          <a:sp3d>
+            <a:bevelT w="25400" h="25400" prst="slope"/>
+          </a:sp3d>
         </a:effectStyle>
       </a:effectStyleLst>
       <a:bgFillStyleLst>
         <a:solidFill>
           <a:schemeClr val="phClr"/>
         </a:solidFill>
-        <a:solidFill>
-          <a:schemeClr val="phClr">
-            <a:tint val="95000"/>
-            <a:satMod val="170000"/>
-          </a:schemeClr>
-        </a:solidFill>
         <a:gradFill rotWithShape="1">
           <a:gsLst>
             <a:gs pos="0">
               <a:schemeClr val="phClr">
-                <a:tint val="93000"/>
-                <a:satMod val="150000"/>
-                <a:shade val="98000"/>
-                <a:lumMod val="102000"/>
-              </a:schemeClr>
-            </a:gs>
-            <a:gs pos="50000">
-              <a:schemeClr val="phClr">
-                <a:tint val="98000"/>
-                <a:satMod val="130000"/>
-                <a:shade val="90000"/>
-                <a:lumMod val="103000"/>
+                <a:tint val="90000"/>
+                <a:lumMod val="110000"/>
               </a:schemeClr>
             </a:gs>
             <a:gs pos="100000">
               <a:schemeClr val="phClr">
-                <a:shade val="63000"/>
-                <a:satMod val="120000"/>
+                <a:shade val="64000"/>
+                <a:lumMod val="98000"/>
               </a:schemeClr>
             </a:gs>
           </a:gsLst>
           <a:lin ang="5400000" scaled="0"/>
         </a:gradFill>
+        <a:blipFill rotWithShape="1">
+          <a:blip xmlns:r="http://schemas.openxmlformats.org/officeDocument/2006/relationships" r:embed="rId1">
+            <a:duotone>
+              <a:schemeClr val="phClr">
+                <a:shade val="28000"/>
+                <a:satMod val="94000"/>
+                <a:lumMod val="20000"/>
+              </a:schemeClr>
+              <a:schemeClr val="phClr">
+                <a:tint val="94000"/>
+                <a:shade val="84000"/>
+                <a:satMod val="148000"/>
+                <a:lumMod val="114000"/>
+              </a:schemeClr>
+            </a:duotone>
+          </a:blip>
+          <a:stretch/>
+        </a:blipFill>
       </a:bgFillStyleLst>
     </a:fmtScheme>
   </a:themeElements>
@@ -4233,7 +8581,7 @@
   <a:extraClrSchemeLst/>
   <a:extLst>
     <a:ext uri="{05A4C25C-085E-4340-85A3-A5531E510DB2}">
-      <thm15:themeFamily xmlns:thm15="http://schemas.microsoft.com/office/thememl/2012/main" name="Office Theme" id="{62F939B6-93AF-4DB8-9C6B-D6C7DFDC589F}" vid="{4A3C46E8-61CC-4603-A589-7422A47A8E4A}"/>
+      <thm15:themeFamily xmlns:thm15="http://schemas.microsoft.com/office/thememl/2012/main" name="Mesh" id="{789EC3FE-34FD-429C-9918-760025E6C145}" vid="{B8BE45C0-8141-4D58-8C71-A009BC26FBBB}"/>
     </a:ext>
   </a:extLst>
 </a:theme>

--- a/Machine Learning/ML Roadmap - Gabriel/ML Roadmap - Gabriel.pptx
+++ b/Machine Learning/ML Roadmap - Gabriel/ML Roadmap - Gabriel.pptx
@@ -5780,29 +5780,6 @@
               </a:rPr>
               <a:t>Ml Roadmap</a:t>
             </a:r>
-            <a:endParaRPr lang="pt-BR" b="1" dirty="0">
-              <a:solidFill>
-                <a:schemeClr val="tx1">
-                  <a:lumMod val="75000"/>
-                </a:schemeClr>
-              </a:solidFill>
-              <a:effectLst>
-                <a:glow rad="38100">
-                  <a:schemeClr val="bg1">
-                    <a:lumMod val="65000"/>
-                    <a:lumOff val="35000"/>
-                    <a:alpha val="50000"/>
-                  </a:schemeClr>
-                </a:glow>
-              </a:effectLst>
-              <a:hlinkClick r:id="rId2" action="ppaction://hlinksldjump">
-                <a:extLst>
-                  <a:ext uri="{A12FA001-AC4F-418D-AE19-62706E023703}">
-                    <ahyp:hlinkClr xmlns:ahyp="http://schemas.microsoft.com/office/drawing/2018/hyperlinkcolor" val="tx"/>
-                  </a:ext>
-                </a:extLst>
-              </a:hlinkClick>
-            </a:endParaRPr>
           </a:p>
         </p:txBody>
       </p:sp>
@@ -6856,6 +6833,258 @@
           </a:fontRef>
         </p:style>
       </p:cxnSp>
+      <p:sp>
+        <p:nvSpPr>
+          <p:cNvPr id="3" name="CaixaDeTexto 2">
+            <a:extLst>
+              <a:ext uri="{FF2B5EF4-FFF2-40B4-BE49-F238E27FC236}">
+                <a16:creationId xmlns:a16="http://schemas.microsoft.com/office/drawing/2014/main" id="{252CC3C0-0E27-4134-949E-C992047CEF71}"/>
+              </a:ext>
+            </a:extLst>
+          </p:cNvPr>
+          <p:cNvSpPr txBox="1"/>
+          <p:nvPr/>
+        </p:nvSpPr>
+        <p:spPr>
+          <a:xfrm>
+            <a:off x="7593996" y="6405187"/>
+            <a:ext cx="4661854" cy="369332"/>
+          </a:xfrm>
+          <a:prstGeom prst="rect">
+            <a:avLst/>
+          </a:prstGeom>
+          <a:noFill/>
+        </p:spPr>
+        <p:txBody>
+          <a:bodyPr wrap="none" rtlCol="0">
+            <a:spAutoFit/>
+          </a:bodyPr>
+          <a:lstStyle/>
+          <a:p>
+            <a:r>
+              <a:rPr lang="pt-BR" dirty="0" err="1"/>
+              <a:t>By</a:t>
+            </a:r>
+            <a:r>
+              <a:rPr lang="pt-BR" dirty="0"/>
+              <a:t>: Gabriel A Anunciação (gabriel7268)</a:t>
+            </a:r>
+          </a:p>
+        </p:txBody>
+      </p:sp>
+      <p:sp>
+        <p:nvSpPr>
+          <p:cNvPr id="28" name="CaixaDeTexto 27">
+            <a:extLst>
+              <a:ext uri="{FF2B5EF4-FFF2-40B4-BE49-F238E27FC236}">
+                <a16:creationId xmlns:a16="http://schemas.microsoft.com/office/drawing/2014/main" id="{D9FF8CEF-085A-41B4-A797-CC4C9E635770}"/>
+              </a:ext>
+            </a:extLst>
+          </p:cNvPr>
+          <p:cNvSpPr txBox="1"/>
+          <p:nvPr/>
+        </p:nvSpPr>
+        <p:spPr>
+          <a:xfrm>
+            <a:off x="132522" y="5253179"/>
+            <a:ext cx="1112805" cy="369332"/>
+          </a:xfrm>
+          <a:prstGeom prst="rect">
+            <a:avLst/>
+          </a:prstGeom>
+          <a:noFill/>
+          <a:ln w="28575">
+            <a:solidFill>
+              <a:schemeClr val="tx2">
+                <a:lumMod val="25000"/>
+              </a:schemeClr>
+            </a:solidFill>
+          </a:ln>
+        </p:spPr>
+        <p:txBody>
+          <a:bodyPr wrap="none" rtlCol="0">
+            <a:spAutoFit/>
+          </a:bodyPr>
+          <a:lstStyle/>
+          <a:p>
+            <a:r>
+              <a:rPr lang="pt-BR" dirty="0" err="1"/>
+              <a:t>Legend</a:t>
+            </a:r>
+            <a:r>
+              <a:rPr lang="pt-BR" dirty="0"/>
+              <a:t>:</a:t>
+            </a:r>
+          </a:p>
+        </p:txBody>
+      </p:sp>
+      <p:sp>
+        <p:nvSpPr>
+          <p:cNvPr id="29" name="CaixaDeTexto 28">
+            <a:hlinkClick r:id="rId3" action="ppaction://hlinksldjump"/>
+            <a:extLst>
+              <a:ext uri="{FF2B5EF4-FFF2-40B4-BE49-F238E27FC236}">
+                <a16:creationId xmlns:a16="http://schemas.microsoft.com/office/drawing/2014/main" id="{C4B24087-4139-4FE6-AB99-33E92B58E999}"/>
+              </a:ext>
+            </a:extLst>
+          </p:cNvPr>
+          <p:cNvSpPr txBox="1"/>
+          <p:nvPr/>
+        </p:nvSpPr>
+        <p:spPr>
+          <a:xfrm>
+            <a:off x="218472" y="5662267"/>
+            <a:ext cx="940904" cy="306467"/>
+          </a:xfrm>
+          <a:prstGeom prst="roundRect">
+            <a:avLst/>
+          </a:prstGeom>
+          <a:solidFill>
+            <a:srgbClr val="00B050"/>
+          </a:solidFill>
+        </p:spPr>
+        <p:style>
+          <a:lnRef idx="2">
+            <a:schemeClr val="accent1"/>
+          </a:lnRef>
+          <a:fillRef idx="1">
+            <a:schemeClr val="lt1"/>
+          </a:fillRef>
+          <a:effectRef idx="0">
+            <a:schemeClr val="accent1"/>
+          </a:effectRef>
+          <a:fontRef idx="minor">
+            <a:schemeClr val="dk1"/>
+          </a:fontRef>
+        </p:style>
+        <p:txBody>
+          <a:bodyPr wrap="square" rtlCol="0">
+            <a:spAutoFit/>
+          </a:bodyPr>
+          <a:lstStyle/>
+          <a:p>
+            <a:pPr algn="ctr"/>
+            <a:r>
+              <a:rPr lang="pt-BR" sz="1200" b="1" dirty="0" err="1"/>
+              <a:t>Done</a:t>
+            </a:r>
+            <a:endParaRPr lang="pt-BR" sz="1200" b="1" dirty="0"/>
+          </a:p>
+        </p:txBody>
+      </p:sp>
+      <p:sp>
+        <p:nvSpPr>
+          <p:cNvPr id="30" name="CaixaDeTexto 29">
+            <a:hlinkClick r:id="rId3" action="ppaction://hlinksldjump"/>
+            <a:extLst>
+              <a:ext uri="{FF2B5EF4-FFF2-40B4-BE49-F238E27FC236}">
+                <a16:creationId xmlns:a16="http://schemas.microsoft.com/office/drawing/2014/main" id="{34002AE7-A1F5-409F-A006-6351E0705E0C}"/>
+              </a:ext>
+            </a:extLst>
+          </p:cNvPr>
+          <p:cNvSpPr txBox="1"/>
+          <p:nvPr/>
+        </p:nvSpPr>
+        <p:spPr>
+          <a:xfrm>
+            <a:off x="218472" y="6003723"/>
+            <a:ext cx="940904" cy="306467"/>
+          </a:xfrm>
+          <a:prstGeom prst="roundRect">
+            <a:avLst/>
+          </a:prstGeom>
+          <a:solidFill>
+            <a:srgbClr val="FFFF00"/>
+          </a:solidFill>
+        </p:spPr>
+        <p:style>
+          <a:lnRef idx="2">
+            <a:schemeClr val="accent1"/>
+          </a:lnRef>
+          <a:fillRef idx="1">
+            <a:schemeClr val="lt1"/>
+          </a:fillRef>
+          <a:effectRef idx="0">
+            <a:schemeClr val="accent1"/>
+          </a:effectRef>
+          <a:fontRef idx="minor">
+            <a:schemeClr val="dk1"/>
+          </a:fontRef>
+        </p:style>
+        <p:txBody>
+          <a:bodyPr wrap="square" rtlCol="0">
+            <a:spAutoFit/>
+          </a:bodyPr>
+          <a:lstStyle/>
+          <a:p>
+            <a:pPr algn="ctr"/>
+            <a:r>
+              <a:rPr lang="pt-BR" sz="1200" b="1" dirty="0" err="1"/>
+              <a:t>Doing</a:t>
+            </a:r>
+            <a:endParaRPr lang="pt-BR" sz="1200" b="1" dirty="0"/>
+          </a:p>
+        </p:txBody>
+      </p:sp>
+      <p:sp>
+        <p:nvSpPr>
+          <p:cNvPr id="32" name="CaixaDeTexto 31">
+            <a:hlinkClick r:id="rId3" action="ppaction://hlinksldjump"/>
+            <a:extLst>
+              <a:ext uri="{FF2B5EF4-FFF2-40B4-BE49-F238E27FC236}">
+                <a16:creationId xmlns:a16="http://schemas.microsoft.com/office/drawing/2014/main" id="{3F150E84-89BC-423C-BD88-D43289E6943A}"/>
+              </a:ext>
+            </a:extLst>
+          </p:cNvPr>
+          <p:cNvSpPr txBox="1"/>
+          <p:nvPr/>
+        </p:nvSpPr>
+        <p:spPr>
+          <a:xfrm>
+            <a:off x="218472" y="6345179"/>
+            <a:ext cx="940904" cy="306467"/>
+          </a:xfrm>
+          <a:prstGeom prst="roundRect">
+            <a:avLst/>
+          </a:prstGeom>
+          <a:solidFill>
+            <a:schemeClr val="tx1">
+              <a:lumMod val="95000"/>
+            </a:schemeClr>
+          </a:solidFill>
+        </p:spPr>
+        <p:style>
+          <a:lnRef idx="2">
+            <a:schemeClr val="accent1"/>
+          </a:lnRef>
+          <a:fillRef idx="1">
+            <a:schemeClr val="lt1"/>
+          </a:fillRef>
+          <a:effectRef idx="0">
+            <a:schemeClr val="accent1"/>
+          </a:effectRef>
+          <a:fontRef idx="minor">
+            <a:schemeClr val="dk1"/>
+          </a:fontRef>
+        </p:style>
+        <p:txBody>
+          <a:bodyPr wrap="square" rtlCol="0">
+            <a:spAutoFit/>
+          </a:bodyPr>
+          <a:lstStyle/>
+          <a:p>
+            <a:pPr algn="ctr"/>
+            <a:r>
+              <a:rPr lang="pt-BR" sz="1200" b="1" dirty="0" err="1"/>
+              <a:t>To</a:t>
+            </a:r>
+            <a:r>
+              <a:rPr lang="pt-BR" sz="1200" b="1" dirty="0"/>
+              <a:t> Do</a:t>
+            </a:r>
+          </a:p>
+        </p:txBody>
+      </p:sp>
     </p:spTree>
     <p:extLst>
       <p:ext uri="{BB962C8B-B14F-4D97-AF65-F5344CB8AC3E}">
@@ -7155,37 +7384,6 @@
       </p:grpSpPr>
       <p:sp>
         <p:nvSpPr>
-          <p:cNvPr id="3" name="Subtítulo 2">
-            <a:extLst>
-              <a:ext uri="{FF2B5EF4-FFF2-40B4-BE49-F238E27FC236}">
-                <a16:creationId xmlns:a16="http://schemas.microsoft.com/office/drawing/2014/main" id="{91523075-B30D-439E-AACB-22ECF68A94CF}"/>
-              </a:ext>
-            </a:extLst>
-          </p:cNvPr>
-          <p:cNvSpPr>
-            <a:spLocks noGrp="1"/>
-          </p:cNvSpPr>
-          <p:nvPr>
-            <p:ph type="subTitle" idx="1"/>
-          </p:nvPr>
-        </p:nvSpPr>
-        <p:spPr/>
-        <p:txBody>
-          <a:bodyPr/>
-          <a:lstStyle/>
-          <a:p>
-            <a:r>
-              <a:rPr lang="pt-BR" dirty="0"/>
-              <a:t>Outro teste</a:t>
-            </a:r>
-          </a:p>
-          <a:p>
-            <a:endParaRPr lang="pt-BR" dirty="0"/>
-          </a:p>
-        </p:txBody>
-      </p:sp>
-      <p:sp>
-        <p:nvSpPr>
           <p:cNvPr id="4" name="Título 1">
             <a:extLst>
               <a:ext uri="{FF2B5EF4-FFF2-40B4-BE49-F238E27FC236}">
@@ -7457,37 +7655,6 @@
       </p:grpSpPr>
       <p:sp>
         <p:nvSpPr>
-          <p:cNvPr id="3" name="Subtítulo 2">
-            <a:extLst>
-              <a:ext uri="{FF2B5EF4-FFF2-40B4-BE49-F238E27FC236}">
-                <a16:creationId xmlns:a16="http://schemas.microsoft.com/office/drawing/2014/main" id="{91523075-B30D-439E-AACB-22ECF68A94CF}"/>
-              </a:ext>
-            </a:extLst>
-          </p:cNvPr>
-          <p:cNvSpPr>
-            <a:spLocks noGrp="1"/>
-          </p:cNvSpPr>
-          <p:nvPr>
-            <p:ph type="subTitle" idx="1"/>
-          </p:nvPr>
-        </p:nvSpPr>
-        <p:spPr/>
-        <p:txBody>
-          <a:bodyPr/>
-          <a:lstStyle/>
-          <a:p>
-            <a:r>
-              <a:rPr lang="pt-BR" dirty="0"/>
-              <a:t>Outro teste</a:t>
-            </a:r>
-          </a:p>
-          <a:p>
-            <a:endParaRPr lang="pt-BR" dirty="0"/>
-          </a:p>
-        </p:txBody>
-      </p:sp>
-      <p:sp>
-        <p:nvSpPr>
           <p:cNvPr id="4" name="Título 1">
             <a:extLst>
               <a:ext uri="{FF2B5EF4-FFF2-40B4-BE49-F238E27FC236}">
@@ -7755,37 +7922,6 @@
       </p:grpSpPr>
       <p:sp>
         <p:nvSpPr>
-          <p:cNvPr id="3" name="Subtítulo 2">
-            <a:extLst>
-              <a:ext uri="{FF2B5EF4-FFF2-40B4-BE49-F238E27FC236}">
-                <a16:creationId xmlns:a16="http://schemas.microsoft.com/office/drawing/2014/main" id="{91523075-B30D-439E-AACB-22ECF68A94CF}"/>
-              </a:ext>
-            </a:extLst>
-          </p:cNvPr>
-          <p:cNvSpPr>
-            <a:spLocks noGrp="1"/>
-          </p:cNvSpPr>
-          <p:nvPr>
-            <p:ph type="subTitle" idx="1"/>
-          </p:nvPr>
-        </p:nvSpPr>
-        <p:spPr/>
-        <p:txBody>
-          <a:bodyPr/>
-          <a:lstStyle/>
-          <a:p>
-            <a:r>
-              <a:rPr lang="pt-BR" dirty="0"/>
-              <a:t>Outro teste</a:t>
-            </a:r>
-          </a:p>
-          <a:p>
-            <a:endParaRPr lang="pt-BR" dirty="0"/>
-          </a:p>
-        </p:txBody>
-      </p:sp>
-      <p:sp>
-        <p:nvSpPr>
           <p:cNvPr id="4" name="Título 1">
             <a:extLst>
               <a:ext uri="{FF2B5EF4-FFF2-40B4-BE49-F238E27FC236}">
@@ -8051,37 +8187,6 @@
           <a:chExt cx="0" cy="0"/>
         </a:xfrm>
       </p:grpSpPr>
-      <p:sp>
-        <p:nvSpPr>
-          <p:cNvPr id="3" name="Subtítulo 2">
-            <a:extLst>
-              <a:ext uri="{FF2B5EF4-FFF2-40B4-BE49-F238E27FC236}">
-                <a16:creationId xmlns:a16="http://schemas.microsoft.com/office/drawing/2014/main" id="{91523075-B30D-439E-AACB-22ECF68A94CF}"/>
-              </a:ext>
-            </a:extLst>
-          </p:cNvPr>
-          <p:cNvSpPr>
-            <a:spLocks noGrp="1"/>
-          </p:cNvSpPr>
-          <p:nvPr>
-            <p:ph type="subTitle" idx="1"/>
-          </p:nvPr>
-        </p:nvSpPr>
-        <p:spPr/>
-        <p:txBody>
-          <a:bodyPr/>
-          <a:lstStyle/>
-          <a:p>
-            <a:r>
-              <a:rPr lang="pt-BR" dirty="0"/>
-              <a:t>Outro teste</a:t>
-            </a:r>
-          </a:p>
-          <a:p>
-            <a:endParaRPr lang="pt-BR" dirty="0"/>
-          </a:p>
-        </p:txBody>
-      </p:sp>
       <p:sp>
         <p:nvSpPr>
           <p:cNvPr id="4" name="Título 1">
